--- a/Docker and K8s deck.pptx
+++ b/Docker and K8s deck.pptx
@@ -7,15 +7,18 @@
     <p:sldMasterId id="2147483674" r:id="rId3"/>
     <p:sldMasterId id="2147483687" r:id="rId4"/>
   </p:sldMasterIdLst>
+  <p:notesMasterIdLst>
+    <p:notesMasterId r:id="rId40"/>
+  </p:notesMasterIdLst>
   <p:sldIdLst>
     <p:sldId id="256" r:id="rId5"/>
     <p:sldId id="257" r:id="rId6"/>
     <p:sldId id="259" r:id="rId7"/>
     <p:sldId id="260" r:id="rId8"/>
     <p:sldId id="297" r:id="rId9"/>
-    <p:sldId id="261" r:id="rId10"/>
-    <p:sldId id="262" r:id="rId11"/>
-    <p:sldId id="263" r:id="rId12"/>
+    <p:sldId id="263" r:id="rId10"/>
+    <p:sldId id="261" r:id="rId11"/>
+    <p:sldId id="262" r:id="rId12"/>
     <p:sldId id="264" r:id="rId13"/>
     <p:sldId id="265" r:id="rId14"/>
     <p:sldId id="267" r:id="rId15"/>
@@ -143,10 +146,1303 @@
   </p:defaultTextStyle>
   <p:extLst>
     <p:ext uri="{EFAFB233-063F-42B5-8137-9DF3F51BA10A}">
-      <p15:sldGuideLst xmlns:p15="http://schemas.microsoft.com/office/powerpoint/2012/main" xmlns=""/>
+      <p15:sldGuideLst xmlns="" xmlns:p15="http://schemas.microsoft.com/office/powerpoint/2012/main"/>
     </p:ext>
   </p:extLst>
 </p:presentation>
+</file>
+
+<file path=ppt/notesMasters/notesMaster1.xml><?xml version="1.0" encoding="utf-8"?>
+<p:notesMaster xmlns:a="http://schemas.openxmlformats.org/drawingml/2006/main" xmlns:r="http://schemas.openxmlformats.org/officeDocument/2006/relationships" xmlns:p="http://schemas.openxmlformats.org/presentationml/2006/main">
+  <p:cSld>
+    <p:bg>
+      <p:bgRef idx="1001">
+        <a:schemeClr val="bg1"/>
+      </p:bgRef>
+    </p:bg>
+    <p:spTree>
+      <p:nvGrpSpPr>
+        <p:cNvPr id="1" name=""/>
+        <p:cNvGrpSpPr/>
+        <p:nvPr/>
+      </p:nvGrpSpPr>
+      <p:grpSpPr>
+        <a:xfrm>
+          <a:off x="0" y="0"/>
+          <a:ext cx="0" cy="0"/>
+          <a:chOff x="0" y="0"/>
+          <a:chExt cx="0" cy="0"/>
+        </a:xfrm>
+      </p:grpSpPr>
+      <p:sp>
+        <p:nvSpPr>
+          <p:cNvPr id="2" name="Header Placeholder 1"/>
+          <p:cNvSpPr>
+            <a:spLocks noGrp="1"/>
+          </p:cNvSpPr>
+          <p:nvPr>
+            <p:ph type="hdr" sz="quarter"/>
+          </p:nvPr>
+        </p:nvSpPr>
+        <p:spPr>
+          <a:xfrm>
+            <a:off x="0" y="0"/>
+            <a:ext cx="3276600" cy="534988"/>
+          </a:xfrm>
+          <a:prstGeom prst="rect">
+            <a:avLst/>
+          </a:prstGeom>
+        </p:spPr>
+        <p:txBody>
+          <a:bodyPr vert="horz" lIns="91440" tIns="45720" rIns="91440" bIns="45720" rtlCol="0"/>
+          <a:lstStyle>
+            <a:lvl1pPr algn="l">
+              <a:defRPr sz="1200"/>
+            </a:lvl1pPr>
+          </a:lstStyle>
+          <a:p>
+            <a:endParaRPr lang="en-IN"/>
+          </a:p>
+        </p:txBody>
+      </p:sp>
+      <p:sp>
+        <p:nvSpPr>
+          <p:cNvPr id="3" name="Date Placeholder 2"/>
+          <p:cNvSpPr>
+            <a:spLocks noGrp="1"/>
+          </p:cNvSpPr>
+          <p:nvPr>
+            <p:ph type="dt" idx="1"/>
+          </p:nvPr>
+        </p:nvSpPr>
+        <p:spPr>
+          <a:xfrm>
+            <a:off x="4281488" y="0"/>
+            <a:ext cx="3276600" cy="534988"/>
+          </a:xfrm>
+          <a:prstGeom prst="rect">
+            <a:avLst/>
+          </a:prstGeom>
+        </p:spPr>
+        <p:txBody>
+          <a:bodyPr vert="horz" lIns="91440" tIns="45720" rIns="91440" bIns="45720" rtlCol="0"/>
+          <a:lstStyle>
+            <a:lvl1pPr algn="r">
+              <a:defRPr sz="1200"/>
+            </a:lvl1pPr>
+          </a:lstStyle>
+          <a:p>
+            <a:fld id="{1913E6DF-98A4-4BE8-B9E4-A29BFDB2B7A3}" type="datetimeFigureOut">
+              <a:rPr lang="en-IN" smtClean="0"/>
+              <a:t>20-11-2024</a:t>
+            </a:fld>
+            <a:endParaRPr lang="en-IN"/>
+          </a:p>
+        </p:txBody>
+      </p:sp>
+      <p:sp>
+        <p:nvSpPr>
+          <p:cNvPr id="4" name="Slide Image Placeholder 3"/>
+          <p:cNvSpPr>
+            <a:spLocks noGrp="1" noRot="1" noChangeAspect="1"/>
+          </p:cNvSpPr>
+          <p:nvPr>
+            <p:ph type="sldImg" idx="2"/>
+          </p:nvPr>
+        </p:nvSpPr>
+        <p:spPr>
+          <a:xfrm>
+            <a:off x="215900" y="801688"/>
+            <a:ext cx="7127875" cy="4010025"/>
+          </a:xfrm>
+          <a:prstGeom prst="rect">
+            <a:avLst/>
+          </a:prstGeom>
+          <a:noFill/>
+          <a:ln w="12700">
+            <a:solidFill>
+              <a:prstClr val="black"/>
+            </a:solidFill>
+          </a:ln>
+        </p:spPr>
+        <p:txBody>
+          <a:bodyPr vert="horz" lIns="91440" tIns="45720" rIns="91440" bIns="45720" rtlCol="0" anchor="ctr"/>
+          <a:lstStyle/>
+          <a:p>
+            <a:endParaRPr lang="en-IN"/>
+          </a:p>
+        </p:txBody>
+      </p:sp>
+      <p:sp>
+        <p:nvSpPr>
+          <p:cNvPr id="5" name="Notes Placeholder 4"/>
+          <p:cNvSpPr>
+            <a:spLocks noGrp="1"/>
+          </p:cNvSpPr>
+          <p:nvPr>
+            <p:ph type="body" sz="quarter" idx="3"/>
+          </p:nvPr>
+        </p:nvSpPr>
+        <p:spPr>
+          <a:xfrm>
+            <a:off x="755650" y="5078413"/>
+            <a:ext cx="6048375" cy="4811712"/>
+          </a:xfrm>
+          <a:prstGeom prst="rect">
+            <a:avLst/>
+          </a:prstGeom>
+        </p:spPr>
+        <p:txBody>
+          <a:bodyPr vert="horz" lIns="91440" tIns="45720" rIns="91440" bIns="45720" rtlCol="0"/>
+          <a:lstStyle/>
+          <a:p>
+            <a:pPr lvl="0"/>
+            <a:r>
+              <a:rPr lang="en-US" smtClean="0"/>
+              <a:t>Click to edit Master text styles</a:t>
+            </a:r>
+          </a:p>
+          <a:p>
+            <a:pPr lvl="1"/>
+            <a:r>
+              <a:rPr lang="en-US" smtClean="0"/>
+              <a:t>Second level</a:t>
+            </a:r>
+          </a:p>
+          <a:p>
+            <a:pPr lvl="2"/>
+            <a:r>
+              <a:rPr lang="en-US" smtClean="0"/>
+              <a:t>Third level</a:t>
+            </a:r>
+          </a:p>
+          <a:p>
+            <a:pPr lvl="3"/>
+            <a:r>
+              <a:rPr lang="en-US" smtClean="0"/>
+              <a:t>Fourth level</a:t>
+            </a:r>
+          </a:p>
+          <a:p>
+            <a:pPr lvl="4"/>
+            <a:r>
+              <a:rPr lang="en-US" smtClean="0"/>
+              <a:t>Fifth level</a:t>
+            </a:r>
+            <a:endParaRPr lang="en-IN"/>
+          </a:p>
+        </p:txBody>
+      </p:sp>
+      <p:sp>
+        <p:nvSpPr>
+          <p:cNvPr id="6" name="Footer Placeholder 5"/>
+          <p:cNvSpPr>
+            <a:spLocks noGrp="1"/>
+          </p:cNvSpPr>
+          <p:nvPr>
+            <p:ph type="ftr" sz="quarter" idx="4"/>
+          </p:nvPr>
+        </p:nvSpPr>
+        <p:spPr>
+          <a:xfrm>
+            <a:off x="0" y="10155238"/>
+            <a:ext cx="3276600" cy="534987"/>
+          </a:xfrm>
+          <a:prstGeom prst="rect">
+            <a:avLst/>
+          </a:prstGeom>
+        </p:spPr>
+        <p:txBody>
+          <a:bodyPr vert="horz" lIns="91440" tIns="45720" rIns="91440" bIns="45720" rtlCol="0" anchor="b"/>
+          <a:lstStyle>
+            <a:lvl1pPr algn="l">
+              <a:defRPr sz="1200"/>
+            </a:lvl1pPr>
+          </a:lstStyle>
+          <a:p>
+            <a:endParaRPr lang="en-IN"/>
+          </a:p>
+        </p:txBody>
+      </p:sp>
+      <p:sp>
+        <p:nvSpPr>
+          <p:cNvPr id="7" name="Slide Number Placeholder 6"/>
+          <p:cNvSpPr>
+            <a:spLocks noGrp="1"/>
+          </p:cNvSpPr>
+          <p:nvPr>
+            <p:ph type="sldNum" sz="quarter" idx="5"/>
+          </p:nvPr>
+        </p:nvSpPr>
+        <p:spPr>
+          <a:xfrm>
+            <a:off x="4281488" y="10155238"/>
+            <a:ext cx="3276600" cy="534987"/>
+          </a:xfrm>
+          <a:prstGeom prst="rect">
+            <a:avLst/>
+          </a:prstGeom>
+        </p:spPr>
+        <p:txBody>
+          <a:bodyPr vert="horz" lIns="91440" tIns="45720" rIns="91440" bIns="45720" rtlCol="0" anchor="b"/>
+          <a:lstStyle>
+            <a:lvl1pPr algn="r">
+              <a:defRPr sz="1200"/>
+            </a:lvl1pPr>
+          </a:lstStyle>
+          <a:p>
+            <a:fld id="{BF7A5A86-AE9C-4E73-8FC7-754816B61531}" type="slidenum">
+              <a:rPr lang="en-IN" smtClean="0"/>
+              <a:t>‹#›</a:t>
+            </a:fld>
+            <a:endParaRPr lang="en-IN"/>
+          </a:p>
+        </p:txBody>
+      </p:sp>
+    </p:spTree>
+    <p:extLst>
+      <p:ext uri="{BB962C8B-B14F-4D97-AF65-F5344CB8AC3E}">
+        <p14:creationId xmlns:p14="http://schemas.microsoft.com/office/powerpoint/2010/main" val="3603928706"/>
+      </p:ext>
+    </p:extLst>
+  </p:cSld>
+  <p:clrMap bg1="lt1" tx1="dk1" bg2="lt2" tx2="dk2" accent1="accent1" accent2="accent2" accent3="accent3" accent4="accent4" accent5="accent5" accent6="accent6" hlink="hlink" folHlink="folHlink"/>
+  <p:notesStyle>
+    <a:lvl1pPr marL="0" algn="l" defTabSz="914400" rtl="0" eaLnBrk="1" latinLnBrk="0" hangingPunct="1">
+      <a:defRPr sz="1200" kern="1200">
+        <a:solidFill>
+          <a:schemeClr val="tx1"/>
+        </a:solidFill>
+        <a:latin typeface="+mn-lt"/>
+        <a:ea typeface="+mn-ea"/>
+        <a:cs typeface="+mn-cs"/>
+      </a:defRPr>
+    </a:lvl1pPr>
+    <a:lvl2pPr marL="457200" algn="l" defTabSz="914400" rtl="0" eaLnBrk="1" latinLnBrk="0" hangingPunct="1">
+      <a:defRPr sz="1200" kern="1200">
+        <a:solidFill>
+          <a:schemeClr val="tx1"/>
+        </a:solidFill>
+        <a:latin typeface="+mn-lt"/>
+        <a:ea typeface="+mn-ea"/>
+        <a:cs typeface="+mn-cs"/>
+      </a:defRPr>
+    </a:lvl2pPr>
+    <a:lvl3pPr marL="914400" algn="l" defTabSz="914400" rtl="0" eaLnBrk="1" latinLnBrk="0" hangingPunct="1">
+      <a:defRPr sz="1200" kern="1200">
+        <a:solidFill>
+          <a:schemeClr val="tx1"/>
+        </a:solidFill>
+        <a:latin typeface="+mn-lt"/>
+        <a:ea typeface="+mn-ea"/>
+        <a:cs typeface="+mn-cs"/>
+      </a:defRPr>
+    </a:lvl3pPr>
+    <a:lvl4pPr marL="1371600" algn="l" defTabSz="914400" rtl="0" eaLnBrk="1" latinLnBrk="0" hangingPunct="1">
+      <a:defRPr sz="1200" kern="1200">
+        <a:solidFill>
+          <a:schemeClr val="tx1"/>
+        </a:solidFill>
+        <a:latin typeface="+mn-lt"/>
+        <a:ea typeface="+mn-ea"/>
+        <a:cs typeface="+mn-cs"/>
+      </a:defRPr>
+    </a:lvl4pPr>
+    <a:lvl5pPr marL="1828800" algn="l" defTabSz="914400" rtl="0" eaLnBrk="1" latinLnBrk="0" hangingPunct="1">
+      <a:defRPr sz="1200" kern="1200">
+        <a:solidFill>
+          <a:schemeClr val="tx1"/>
+        </a:solidFill>
+        <a:latin typeface="+mn-lt"/>
+        <a:ea typeface="+mn-ea"/>
+        <a:cs typeface="+mn-cs"/>
+      </a:defRPr>
+    </a:lvl5pPr>
+    <a:lvl6pPr marL="2286000" algn="l" defTabSz="914400" rtl="0" eaLnBrk="1" latinLnBrk="0" hangingPunct="1">
+      <a:defRPr sz="1200" kern="1200">
+        <a:solidFill>
+          <a:schemeClr val="tx1"/>
+        </a:solidFill>
+        <a:latin typeface="+mn-lt"/>
+        <a:ea typeface="+mn-ea"/>
+        <a:cs typeface="+mn-cs"/>
+      </a:defRPr>
+    </a:lvl6pPr>
+    <a:lvl7pPr marL="2743200" algn="l" defTabSz="914400" rtl="0" eaLnBrk="1" latinLnBrk="0" hangingPunct="1">
+      <a:defRPr sz="1200" kern="1200">
+        <a:solidFill>
+          <a:schemeClr val="tx1"/>
+        </a:solidFill>
+        <a:latin typeface="+mn-lt"/>
+        <a:ea typeface="+mn-ea"/>
+        <a:cs typeface="+mn-cs"/>
+      </a:defRPr>
+    </a:lvl7pPr>
+    <a:lvl8pPr marL="3200400" algn="l" defTabSz="914400" rtl="0" eaLnBrk="1" latinLnBrk="0" hangingPunct="1">
+      <a:defRPr sz="1200" kern="1200">
+        <a:solidFill>
+          <a:schemeClr val="tx1"/>
+        </a:solidFill>
+        <a:latin typeface="+mn-lt"/>
+        <a:ea typeface="+mn-ea"/>
+        <a:cs typeface="+mn-cs"/>
+      </a:defRPr>
+    </a:lvl8pPr>
+    <a:lvl9pPr marL="3657600" algn="l" defTabSz="914400" rtl="0" eaLnBrk="1" latinLnBrk="0" hangingPunct="1">
+      <a:defRPr sz="1200" kern="1200">
+        <a:solidFill>
+          <a:schemeClr val="tx1"/>
+        </a:solidFill>
+        <a:latin typeface="+mn-lt"/>
+        <a:ea typeface="+mn-ea"/>
+        <a:cs typeface="+mn-cs"/>
+      </a:defRPr>
+    </a:lvl9pPr>
+  </p:notesStyle>
+</p:notesMaster>
+</file>
+
+<file path=ppt/notesSlides/notesSlide1.xml><?xml version="1.0" encoding="utf-8"?>
+<p:notes xmlns:a="http://schemas.openxmlformats.org/drawingml/2006/main" xmlns:r="http://schemas.openxmlformats.org/officeDocument/2006/relationships" xmlns:p="http://schemas.openxmlformats.org/presentationml/2006/main">
+  <p:cSld>
+    <p:spTree>
+      <p:nvGrpSpPr>
+        <p:cNvPr id="1" name=""/>
+        <p:cNvGrpSpPr/>
+        <p:nvPr/>
+      </p:nvGrpSpPr>
+      <p:grpSpPr>
+        <a:xfrm>
+          <a:off x="0" y="0"/>
+          <a:ext cx="0" cy="0"/>
+          <a:chOff x="0" y="0"/>
+          <a:chExt cx="0" cy="0"/>
+        </a:xfrm>
+      </p:grpSpPr>
+      <p:sp>
+        <p:nvSpPr>
+          <p:cNvPr id="2" name="Slide Image Placeholder 1"/>
+          <p:cNvSpPr>
+            <a:spLocks noGrp="1" noRot="1" noChangeAspect="1"/>
+          </p:cNvSpPr>
+          <p:nvPr>
+            <p:ph type="sldImg"/>
+          </p:nvPr>
+        </p:nvSpPr>
+        <p:spPr/>
+      </p:sp>
+      <p:sp>
+        <p:nvSpPr>
+          <p:cNvPr id="3" name="Notes Placeholder 2"/>
+          <p:cNvSpPr>
+            <a:spLocks noGrp="1"/>
+          </p:cNvSpPr>
+          <p:nvPr>
+            <p:ph type="body" idx="1"/>
+          </p:nvPr>
+        </p:nvSpPr>
+        <p:spPr/>
+        <p:txBody>
+          <a:bodyPr/>
+          <a:lstStyle/>
+          <a:p>
+            <a:endParaRPr lang="en-IN" dirty="0"/>
+          </a:p>
+        </p:txBody>
+      </p:sp>
+      <p:sp>
+        <p:nvSpPr>
+          <p:cNvPr id="4" name="Slide Number Placeholder 3"/>
+          <p:cNvSpPr>
+            <a:spLocks noGrp="1"/>
+          </p:cNvSpPr>
+          <p:nvPr>
+            <p:ph type="sldNum" sz="quarter" idx="10"/>
+          </p:nvPr>
+        </p:nvSpPr>
+        <p:spPr/>
+        <p:txBody>
+          <a:bodyPr/>
+          <a:lstStyle/>
+          <a:p>
+            <a:fld id="{BF7A5A86-AE9C-4E73-8FC7-754816B61531}" type="slidenum">
+              <a:rPr lang="en-IN" smtClean="0"/>
+              <a:t>7</a:t>
+            </a:fld>
+            <a:endParaRPr lang="en-IN"/>
+          </a:p>
+        </p:txBody>
+      </p:sp>
+    </p:spTree>
+    <p:extLst>
+      <p:ext uri="{BB962C8B-B14F-4D97-AF65-F5344CB8AC3E}">
+        <p14:creationId xmlns:p14="http://schemas.microsoft.com/office/powerpoint/2010/main" val="529709750"/>
+      </p:ext>
+    </p:extLst>
+  </p:cSld>
+  <p:clrMapOvr>
+    <a:masterClrMapping/>
+  </p:clrMapOvr>
+</p:notes>
+</file>
+
+<file path=ppt/notesSlides/notesSlide2.xml><?xml version="1.0" encoding="utf-8"?>
+<p:notes xmlns:a="http://schemas.openxmlformats.org/drawingml/2006/main" xmlns:r="http://schemas.openxmlformats.org/officeDocument/2006/relationships" xmlns:p="http://schemas.openxmlformats.org/presentationml/2006/main">
+  <p:cSld>
+    <p:spTree>
+      <p:nvGrpSpPr>
+        <p:cNvPr id="1" name=""/>
+        <p:cNvGrpSpPr/>
+        <p:nvPr/>
+      </p:nvGrpSpPr>
+      <p:grpSpPr>
+        <a:xfrm>
+          <a:off x="0" y="0"/>
+          <a:ext cx="0" cy="0"/>
+          <a:chOff x="0" y="0"/>
+          <a:chExt cx="0" cy="0"/>
+        </a:xfrm>
+      </p:grpSpPr>
+      <p:sp>
+        <p:nvSpPr>
+          <p:cNvPr id="2" name="Slide Image Placeholder 1"/>
+          <p:cNvSpPr>
+            <a:spLocks noGrp="1" noRot="1" noChangeAspect="1"/>
+          </p:cNvSpPr>
+          <p:nvPr>
+            <p:ph type="sldImg"/>
+          </p:nvPr>
+        </p:nvSpPr>
+        <p:spPr/>
+      </p:sp>
+      <p:sp>
+        <p:nvSpPr>
+          <p:cNvPr id="3" name="Notes Placeholder 2"/>
+          <p:cNvSpPr>
+            <a:spLocks noGrp="1"/>
+          </p:cNvSpPr>
+          <p:nvPr>
+            <p:ph type="body" idx="1"/>
+          </p:nvPr>
+        </p:nvSpPr>
+        <p:spPr/>
+        <p:txBody>
+          <a:bodyPr/>
+          <a:lstStyle/>
+          <a:p>
+            <a:r>
+              <a:rPr lang="en-US" b="1" dirty="0" smtClean="0"/>
+              <a:t>Types of Namespaces:</a:t>
+            </a:r>
+          </a:p>
+          <a:p>
+            <a:r>
+              <a:rPr lang="en-US" b="1" dirty="0" smtClean="0"/>
+              <a:t>PID Namespace</a:t>
+            </a:r>
+            <a:r>
+              <a:rPr lang="en-US" dirty="0" smtClean="0"/>
+              <a:t>: Isolates process IDs, so processes in one container cannot see or interact with processes in another.</a:t>
+            </a:r>
+          </a:p>
+          <a:p>
+            <a:r>
+              <a:rPr lang="en-US" b="1" dirty="0" smtClean="0"/>
+              <a:t>Mount Namespace</a:t>
+            </a:r>
+            <a:r>
+              <a:rPr lang="en-US" dirty="0" smtClean="0"/>
+              <a:t>: Isolates the file system view, so containers can have their own directories and cannot access the host or other containers' file systems unless explicitly shared.</a:t>
+            </a:r>
+          </a:p>
+          <a:p>
+            <a:r>
+              <a:rPr lang="en-US" b="1" dirty="0" smtClean="0"/>
+              <a:t>Network Namespace</a:t>
+            </a:r>
+            <a:r>
+              <a:rPr lang="en-US" dirty="0" smtClean="0"/>
+              <a:t>: Provides a separate network stack (e.g., IP addresses, routing tables, ports) for each container.</a:t>
+            </a:r>
+          </a:p>
+          <a:p>
+            <a:r>
+              <a:rPr lang="en-US" b="1" dirty="0" smtClean="0"/>
+              <a:t>IPC Namespace</a:t>
+            </a:r>
+            <a:r>
+              <a:rPr lang="en-US" dirty="0" smtClean="0"/>
+              <a:t>: Isolates inter-process communication (e.g., message queues, semaphores, shared memory).</a:t>
+            </a:r>
+          </a:p>
+          <a:p>
+            <a:r>
+              <a:rPr lang="en-US" b="1" dirty="0" smtClean="0"/>
+              <a:t>UTS Namespace</a:t>
+            </a:r>
+            <a:r>
+              <a:rPr lang="en-US" dirty="0" smtClean="0"/>
+              <a:t>: Isolates the hostname and domain name, so containers can have their own names.</a:t>
+            </a:r>
+          </a:p>
+          <a:p>
+            <a:r>
+              <a:rPr lang="en-US" b="1" dirty="0" smtClean="0"/>
+              <a:t>User Namespace</a:t>
+            </a:r>
+            <a:r>
+              <a:rPr lang="en-US" dirty="0" smtClean="0"/>
+              <a:t>: Allows mapping of user IDs (UIDs) and group IDs (GIDs) between the host and the container, enhancing security.</a:t>
+            </a:r>
+          </a:p>
+          <a:p>
+            <a:endParaRPr lang="en-IN" dirty="0" smtClean="0"/>
+          </a:p>
+          <a:p>
+            <a:r>
+              <a:rPr lang="en-IN" dirty="0" smtClean="0"/>
+              <a:t>-&gt; </a:t>
+            </a:r>
+            <a:r>
+              <a:rPr lang="en-US" dirty="0" err="1" smtClean="0"/>
+              <a:t>Docker</a:t>
+            </a:r>
+            <a:r>
+              <a:rPr lang="en-US" dirty="0" smtClean="0"/>
+              <a:t> uses namespaces to give each container its own process tree (via PID namespace) and file system view (via mount namespace).</a:t>
+            </a:r>
+          </a:p>
+          <a:p>
+            <a:endParaRPr lang="en-US" dirty="0"/>
+          </a:p>
+          <a:p>
+            <a:r>
+              <a:rPr lang="en-IN" b="1" dirty="0" smtClean="0"/>
+              <a:t>Capabilities of </a:t>
+            </a:r>
+            <a:r>
+              <a:rPr lang="en-IN" b="1" dirty="0" err="1" smtClean="0"/>
+              <a:t>cgroups</a:t>
+            </a:r>
+            <a:r>
+              <a:rPr lang="en-IN" b="1" dirty="0" smtClean="0"/>
+              <a:t>:</a:t>
+            </a:r>
+          </a:p>
+          <a:p>
+            <a:r>
+              <a:rPr lang="en-IN" b="1" dirty="0" smtClean="0"/>
+              <a:t>CPU Limiting</a:t>
+            </a:r>
+            <a:r>
+              <a:rPr lang="en-IN" dirty="0" smtClean="0"/>
+              <a:t>: Restrict the percentage of CPU a container can use.</a:t>
+            </a:r>
+          </a:p>
+          <a:p>
+            <a:r>
+              <a:rPr lang="en-IN" b="1" dirty="0" smtClean="0"/>
+              <a:t>Memory Limiting</a:t>
+            </a:r>
+            <a:r>
+              <a:rPr lang="en-IN" dirty="0" smtClean="0"/>
+              <a:t>: Define memory limits to prevent a container from using excessive memory.</a:t>
+            </a:r>
+          </a:p>
+          <a:p>
+            <a:r>
+              <a:rPr lang="en-IN" b="1" dirty="0" smtClean="0"/>
+              <a:t>I/O Control</a:t>
+            </a:r>
+            <a:r>
+              <a:rPr lang="en-IN" dirty="0" smtClean="0"/>
+              <a:t>: Limit disk I/O bandwidth (e.g., how fast a container can read/write to disks).</a:t>
+            </a:r>
+          </a:p>
+          <a:p>
+            <a:r>
+              <a:rPr lang="en-IN" b="1" dirty="0" smtClean="0"/>
+              <a:t>Network Bandwidth</a:t>
+            </a:r>
+            <a:r>
+              <a:rPr lang="en-IN" dirty="0" smtClean="0"/>
+              <a:t>: Control network usage per container.</a:t>
+            </a:r>
+          </a:p>
+          <a:p>
+            <a:r>
+              <a:rPr lang="en-IN" b="1" dirty="0" smtClean="0"/>
+              <a:t>Device Access</a:t>
+            </a:r>
+            <a:r>
+              <a:rPr lang="en-IN" dirty="0" smtClean="0"/>
+              <a:t>: Restrict access to specific devices (e.g., USB devices).</a:t>
+            </a:r>
+          </a:p>
+          <a:p>
+            <a:endParaRPr lang="en-IN" dirty="0" smtClean="0"/>
+          </a:p>
+          <a:p>
+            <a:r>
+              <a:rPr lang="en-IN" dirty="0" smtClean="0"/>
+              <a:t>-&gt; </a:t>
+            </a:r>
+            <a:r>
+              <a:rPr lang="en-US" dirty="0" err="1" smtClean="0"/>
+              <a:t>Docker</a:t>
+            </a:r>
+            <a:r>
+              <a:rPr lang="en-US" dirty="0" smtClean="0"/>
+              <a:t> sets CPU and memory limits for containers via </a:t>
+            </a:r>
+            <a:r>
+              <a:rPr lang="en-US" dirty="0" err="1" smtClean="0"/>
+              <a:t>cgroups</a:t>
+            </a:r>
+            <a:r>
+              <a:rPr lang="en-US" dirty="0" smtClean="0"/>
+              <a:t> to avoid one container impacting others or the host system.</a:t>
+            </a:r>
+          </a:p>
+          <a:p>
+            <a:r>
+              <a:rPr lang="en-US" dirty="0" smtClean="0"/>
+              <a:t>-&gt; </a:t>
+            </a:r>
+            <a:r>
+              <a:rPr lang="en-US" b="1" dirty="0" err="1" smtClean="0"/>
+              <a:t>Cgroups</a:t>
+            </a:r>
+            <a:r>
+              <a:rPr lang="en-US" dirty="0" smtClean="0"/>
+              <a:t> ensure that each container gets only its allocated share of CPU, memory, and other resources, preventing a "noisy neighbor" problem.</a:t>
+            </a:r>
+          </a:p>
+          <a:p>
+            <a:endParaRPr lang="en-US" dirty="0"/>
+          </a:p>
+          <a:p>
+            <a:endParaRPr lang="en-IN" dirty="0"/>
+          </a:p>
+        </p:txBody>
+      </p:sp>
+      <p:sp>
+        <p:nvSpPr>
+          <p:cNvPr id="4" name="Slide Number Placeholder 3"/>
+          <p:cNvSpPr>
+            <a:spLocks noGrp="1"/>
+          </p:cNvSpPr>
+          <p:nvPr>
+            <p:ph type="sldNum" sz="quarter" idx="10"/>
+          </p:nvPr>
+        </p:nvSpPr>
+        <p:spPr/>
+        <p:txBody>
+          <a:bodyPr/>
+          <a:lstStyle/>
+          <a:p>
+            <a:fld id="{BF7A5A86-AE9C-4E73-8FC7-754816B61531}" type="slidenum">
+              <a:rPr lang="en-IN" smtClean="0"/>
+              <a:t>9</a:t>
+            </a:fld>
+            <a:endParaRPr lang="en-IN"/>
+          </a:p>
+        </p:txBody>
+      </p:sp>
+    </p:spTree>
+    <p:extLst>
+      <p:ext uri="{BB962C8B-B14F-4D97-AF65-F5344CB8AC3E}">
+        <p14:creationId xmlns:p14="http://schemas.microsoft.com/office/powerpoint/2010/main" val="4063881926"/>
+      </p:ext>
+    </p:extLst>
+  </p:cSld>
+  <p:clrMapOvr>
+    <a:masterClrMapping/>
+  </p:clrMapOvr>
+</p:notes>
+</file>
+
+<file path=ppt/notesSlides/notesSlide3.xml><?xml version="1.0" encoding="utf-8"?>
+<p:notes xmlns:a="http://schemas.openxmlformats.org/drawingml/2006/main" xmlns:r="http://schemas.openxmlformats.org/officeDocument/2006/relationships" xmlns:p="http://schemas.openxmlformats.org/presentationml/2006/main">
+  <p:cSld>
+    <p:spTree>
+      <p:nvGrpSpPr>
+        <p:cNvPr id="1" name=""/>
+        <p:cNvGrpSpPr/>
+        <p:nvPr/>
+      </p:nvGrpSpPr>
+      <p:grpSpPr>
+        <a:xfrm>
+          <a:off x="0" y="0"/>
+          <a:ext cx="0" cy="0"/>
+          <a:chOff x="0" y="0"/>
+          <a:chExt cx="0" cy="0"/>
+        </a:xfrm>
+      </p:grpSpPr>
+      <p:sp>
+        <p:nvSpPr>
+          <p:cNvPr id="2" name="Slide Image Placeholder 1"/>
+          <p:cNvSpPr>
+            <a:spLocks noGrp="1" noRot="1" noChangeAspect="1"/>
+          </p:cNvSpPr>
+          <p:nvPr>
+            <p:ph type="sldImg"/>
+          </p:nvPr>
+        </p:nvSpPr>
+        <p:spPr/>
+      </p:sp>
+      <p:sp>
+        <p:nvSpPr>
+          <p:cNvPr id="3" name="Notes Placeholder 2"/>
+          <p:cNvSpPr>
+            <a:spLocks noGrp="1"/>
+          </p:cNvSpPr>
+          <p:nvPr>
+            <p:ph type="body" idx="1"/>
+          </p:nvPr>
+        </p:nvSpPr>
+        <p:spPr/>
+        <p:txBody>
+          <a:bodyPr/>
+          <a:lstStyle/>
+          <a:p>
+            <a:r>
+              <a:rPr lang="en-US" b="1" dirty="0" smtClean="0"/>
+              <a:t>UTS (UNIX Timesharing System) namespaces</a:t>
+            </a:r>
+            <a:r>
+              <a:rPr lang="en-US" dirty="0" smtClean="0"/>
+              <a:t> are one of the </a:t>
+            </a:r>
+            <a:r>
+              <a:rPr lang="en-US" b="1" dirty="0" smtClean="0"/>
+              <a:t>Linux namespaces</a:t>
+            </a:r>
+            <a:r>
+              <a:rPr lang="en-US" dirty="0" smtClean="0"/>
+              <a:t> that help in isolating certain aspects of a container's environment. Specifically, UTS namespaces are used to isolate the </a:t>
+            </a:r>
+            <a:r>
+              <a:rPr lang="en-US" b="1" dirty="0" smtClean="0"/>
+              <a:t>hostname</a:t>
+            </a:r>
+            <a:r>
+              <a:rPr lang="en-US" dirty="0" smtClean="0"/>
+              <a:t> and </a:t>
+            </a:r>
+            <a:r>
+              <a:rPr lang="en-US" b="1" dirty="0" smtClean="0"/>
+              <a:t>domain name</a:t>
+            </a:r>
+            <a:r>
+              <a:rPr lang="en-US" dirty="0" smtClean="0"/>
+              <a:t> within containers. This means each container can have its own hostname and domain name, independent of the host system or other containers.</a:t>
+            </a:r>
+            <a:endParaRPr lang="en-IN" dirty="0"/>
+          </a:p>
+        </p:txBody>
+      </p:sp>
+      <p:sp>
+        <p:nvSpPr>
+          <p:cNvPr id="4" name="Slide Number Placeholder 3"/>
+          <p:cNvSpPr>
+            <a:spLocks noGrp="1"/>
+          </p:cNvSpPr>
+          <p:nvPr>
+            <p:ph type="sldNum" sz="quarter" idx="10"/>
+          </p:nvPr>
+        </p:nvSpPr>
+        <p:spPr/>
+        <p:txBody>
+          <a:bodyPr/>
+          <a:lstStyle/>
+          <a:p>
+            <a:fld id="{BF7A5A86-AE9C-4E73-8FC7-754816B61531}" type="slidenum">
+              <a:rPr lang="en-IN" smtClean="0"/>
+              <a:t>12</a:t>
+            </a:fld>
+            <a:endParaRPr lang="en-IN"/>
+          </a:p>
+        </p:txBody>
+      </p:sp>
+    </p:spTree>
+    <p:extLst>
+      <p:ext uri="{BB962C8B-B14F-4D97-AF65-F5344CB8AC3E}">
+        <p14:creationId xmlns:p14="http://schemas.microsoft.com/office/powerpoint/2010/main" val="169055608"/>
+      </p:ext>
+    </p:extLst>
+  </p:cSld>
+  <p:clrMapOvr>
+    <a:masterClrMapping/>
+  </p:clrMapOvr>
+</p:notes>
+</file>
+
+<file path=ppt/notesSlides/notesSlide4.xml><?xml version="1.0" encoding="utf-8"?>
+<p:notes xmlns:a="http://schemas.openxmlformats.org/drawingml/2006/main" xmlns:r="http://schemas.openxmlformats.org/officeDocument/2006/relationships" xmlns:p="http://schemas.openxmlformats.org/presentationml/2006/main">
+  <p:cSld>
+    <p:spTree>
+      <p:nvGrpSpPr>
+        <p:cNvPr id="1" name=""/>
+        <p:cNvGrpSpPr/>
+        <p:nvPr/>
+      </p:nvGrpSpPr>
+      <p:grpSpPr>
+        <a:xfrm>
+          <a:off x="0" y="0"/>
+          <a:ext cx="0" cy="0"/>
+          <a:chOff x="0" y="0"/>
+          <a:chExt cx="0" cy="0"/>
+        </a:xfrm>
+      </p:grpSpPr>
+      <p:sp>
+        <p:nvSpPr>
+          <p:cNvPr id="2" name="Slide Image Placeholder 1"/>
+          <p:cNvSpPr>
+            <a:spLocks noGrp="1" noRot="1" noChangeAspect="1"/>
+          </p:cNvSpPr>
+          <p:nvPr>
+            <p:ph type="sldImg"/>
+          </p:nvPr>
+        </p:nvSpPr>
+        <p:spPr/>
+      </p:sp>
+      <p:sp>
+        <p:nvSpPr>
+          <p:cNvPr id="3" name="Notes Placeholder 2"/>
+          <p:cNvSpPr>
+            <a:spLocks noGrp="1"/>
+          </p:cNvSpPr>
+          <p:nvPr>
+            <p:ph type="body" idx="1"/>
+          </p:nvPr>
+        </p:nvSpPr>
+        <p:spPr/>
+        <p:txBody>
+          <a:bodyPr/>
+          <a:lstStyle/>
+          <a:p>
+            <a:r>
+              <a:rPr lang="en-US" b="1" dirty="0" err="1" smtClean="0"/>
+              <a:t>Docker</a:t>
+            </a:r>
+            <a:r>
+              <a:rPr lang="en-US" b="1" dirty="0" smtClean="0"/>
+              <a:t> CLI</a:t>
+            </a:r>
+            <a:r>
+              <a:rPr lang="en-US" dirty="0" smtClean="0"/>
+              <a:t>:</a:t>
+            </a:r>
+          </a:p>
+          <a:p>
+            <a:r>
+              <a:rPr lang="en-US" dirty="0" smtClean="0"/>
+              <a:t>Provides an interface for developers to interact with </a:t>
+            </a:r>
+            <a:r>
+              <a:rPr lang="en-US" dirty="0" err="1" smtClean="0"/>
+              <a:t>Docker</a:t>
+            </a:r>
+            <a:r>
+              <a:rPr lang="en-US" dirty="0" smtClean="0"/>
+              <a:t> (e.g., </a:t>
+            </a:r>
+            <a:r>
+              <a:rPr lang="en-US" dirty="0" err="1" smtClean="0"/>
+              <a:t>docker</a:t>
+            </a:r>
+            <a:r>
+              <a:rPr lang="en-US" dirty="0" smtClean="0"/>
+              <a:t> run, </a:t>
+            </a:r>
+            <a:r>
+              <a:rPr lang="en-US" dirty="0" err="1" smtClean="0"/>
+              <a:t>docker</a:t>
+            </a:r>
+            <a:r>
+              <a:rPr lang="en-US" dirty="0" smtClean="0"/>
+              <a:t> build).</a:t>
+            </a:r>
+          </a:p>
+          <a:p>
+            <a:r>
+              <a:rPr lang="en-US" b="1" dirty="0" err="1" smtClean="0"/>
+              <a:t>Docker</a:t>
+            </a:r>
+            <a:r>
+              <a:rPr lang="en-US" b="1" dirty="0" smtClean="0"/>
+              <a:t> API/Daemon</a:t>
+            </a:r>
+            <a:r>
+              <a:rPr lang="en-US" dirty="0" smtClean="0"/>
+              <a:t>:</a:t>
+            </a:r>
+          </a:p>
+          <a:p>
+            <a:r>
+              <a:rPr lang="en-US" dirty="0" smtClean="0"/>
+              <a:t>The daemon (</a:t>
+            </a:r>
+            <a:r>
+              <a:rPr lang="en-US" dirty="0" err="1" smtClean="0"/>
+              <a:t>dockerd</a:t>
+            </a:r>
+            <a:r>
+              <a:rPr lang="en-US" dirty="0" smtClean="0"/>
+              <a:t>) is responsible for coordinating container operations. It talks to </a:t>
+            </a:r>
+            <a:r>
+              <a:rPr lang="en-US" b="1" dirty="0" err="1" smtClean="0"/>
+              <a:t>containerd</a:t>
+            </a:r>
+            <a:r>
+              <a:rPr lang="en-US" dirty="0" smtClean="0"/>
+              <a:t> for low-level execution.</a:t>
+            </a:r>
+          </a:p>
+          <a:p>
+            <a:r>
+              <a:rPr lang="en-US" b="1" dirty="0" err="1" smtClean="0"/>
+              <a:t>containerd</a:t>
+            </a:r>
+            <a:r>
+              <a:rPr lang="en-US" dirty="0" smtClean="0"/>
+              <a:t>:</a:t>
+            </a:r>
+          </a:p>
+          <a:p>
+            <a:r>
+              <a:rPr lang="en-US" dirty="0" smtClean="0"/>
+              <a:t>A lightweight, high-performance runtime that is responsible for container lifecycle management, such as:</a:t>
+            </a:r>
+          </a:p>
+          <a:p>
+            <a:pPr lvl="1"/>
+            <a:r>
+              <a:rPr lang="en-US" dirty="0" smtClean="0"/>
+              <a:t>Pulling images</a:t>
+            </a:r>
+          </a:p>
+          <a:p>
+            <a:pPr lvl="1"/>
+            <a:r>
+              <a:rPr lang="en-US" dirty="0" smtClean="0"/>
+              <a:t>Starting/stopping containers</a:t>
+            </a:r>
+          </a:p>
+          <a:p>
+            <a:pPr lvl="1"/>
+            <a:r>
+              <a:rPr lang="en-US" dirty="0" smtClean="0"/>
+              <a:t>Managing low-level storage and networking</a:t>
+            </a:r>
+          </a:p>
+          <a:p>
+            <a:r>
+              <a:rPr lang="en-US" dirty="0" err="1" smtClean="0"/>
+              <a:t>containerd</a:t>
+            </a:r>
+            <a:r>
+              <a:rPr lang="en-US" dirty="0" smtClean="0"/>
+              <a:t> itself relies on </a:t>
+            </a:r>
+            <a:r>
+              <a:rPr lang="en-US" b="1" dirty="0" err="1" smtClean="0"/>
+              <a:t>runc</a:t>
+            </a:r>
+            <a:r>
+              <a:rPr lang="en-US" dirty="0" smtClean="0"/>
+              <a:t>.</a:t>
+            </a:r>
+          </a:p>
+          <a:p>
+            <a:r>
+              <a:rPr lang="en-US" b="1" dirty="0" err="1" smtClean="0"/>
+              <a:t>runc</a:t>
+            </a:r>
+            <a:r>
+              <a:rPr lang="en-US" dirty="0" smtClean="0"/>
+              <a:t>:</a:t>
+            </a:r>
+          </a:p>
+          <a:p>
+            <a:r>
+              <a:rPr lang="en-US" dirty="0" smtClean="0"/>
+              <a:t>A tiny runtime that actually </a:t>
+            </a:r>
+            <a:r>
+              <a:rPr lang="en-US" b="1" dirty="0" smtClean="0"/>
+              <a:t>executes the container's process</a:t>
+            </a:r>
+            <a:r>
+              <a:rPr lang="en-US" dirty="0" smtClean="0"/>
+              <a:t> by leveraging Linux features like namespaces and </a:t>
+            </a:r>
+            <a:r>
+              <a:rPr lang="en-US" dirty="0" err="1" smtClean="0"/>
+              <a:t>cgroups</a:t>
+            </a:r>
+            <a:r>
+              <a:rPr lang="en-US" dirty="0" smtClean="0"/>
+              <a:t>.</a:t>
+            </a:r>
+          </a:p>
+          <a:p>
+            <a:r>
+              <a:rPr lang="en-US" dirty="0" smtClean="0"/>
+              <a:t>It's the part of the system closest to the Linux kernel.</a:t>
+            </a:r>
+          </a:p>
+          <a:p>
+            <a:endParaRPr lang="en-US" dirty="0"/>
+          </a:p>
+          <a:p>
+            <a:r>
+              <a:rPr lang="en-IN" b="1" dirty="0" smtClean="0"/>
+              <a:t>Linux Stack:</a:t>
+            </a:r>
+          </a:p>
+          <a:p>
+            <a:r>
+              <a:rPr lang="en-IN" dirty="0" err="1" smtClean="0"/>
+              <a:t>Docker</a:t>
+            </a:r>
+            <a:r>
+              <a:rPr lang="en-IN" dirty="0" smtClean="0"/>
+              <a:t> CLI → </a:t>
+            </a:r>
+            <a:r>
+              <a:rPr lang="en-IN" dirty="0" err="1" smtClean="0"/>
+              <a:t>Docker</a:t>
+            </a:r>
+            <a:r>
+              <a:rPr lang="en-IN" dirty="0" smtClean="0"/>
+              <a:t> Daemon → </a:t>
+            </a:r>
+            <a:r>
+              <a:rPr lang="en-IN" dirty="0" err="1" smtClean="0"/>
+              <a:t>containerd</a:t>
+            </a:r>
+            <a:r>
+              <a:rPr lang="en-IN" dirty="0" smtClean="0"/>
+              <a:t> → </a:t>
+            </a:r>
+            <a:r>
+              <a:rPr lang="en-IN" dirty="0" err="1" smtClean="0"/>
+              <a:t>runc</a:t>
+            </a:r>
+            <a:r>
+              <a:rPr lang="en-IN" dirty="0" smtClean="0"/>
+              <a:t> → Linux kernel</a:t>
+            </a:r>
+          </a:p>
+          <a:p>
+            <a:r>
+              <a:rPr lang="en-IN" b="1" dirty="0" smtClean="0"/>
+              <a:t>Windows Stack:</a:t>
+            </a:r>
+          </a:p>
+          <a:p>
+            <a:r>
+              <a:rPr lang="en-IN" dirty="0" err="1" smtClean="0"/>
+              <a:t>Docker</a:t>
+            </a:r>
+            <a:r>
+              <a:rPr lang="en-IN" dirty="0" smtClean="0"/>
+              <a:t> CLI → </a:t>
+            </a:r>
+            <a:r>
+              <a:rPr lang="en-IN" dirty="0" err="1" smtClean="0"/>
+              <a:t>Docker</a:t>
+            </a:r>
+            <a:r>
+              <a:rPr lang="en-IN" dirty="0" smtClean="0"/>
+              <a:t> Daemon → </a:t>
+            </a:r>
+            <a:r>
+              <a:rPr lang="en-IN" dirty="0" err="1" smtClean="0"/>
+              <a:t>containerd</a:t>
+            </a:r>
+            <a:r>
+              <a:rPr lang="en-IN" dirty="0" smtClean="0"/>
+              <a:t> → </a:t>
+            </a:r>
+            <a:r>
+              <a:rPr lang="en-IN" dirty="0" err="1" smtClean="0"/>
+              <a:t>HCSShim</a:t>
+            </a:r>
+            <a:r>
+              <a:rPr lang="en-IN" dirty="0" smtClean="0"/>
+              <a:t> → Windows kernel (Host Compute Service)</a:t>
+            </a:r>
+          </a:p>
+          <a:p>
+            <a:r>
+              <a:rPr lang="en-IN" dirty="0" smtClean="0"/>
+              <a:t>For Linux containers on Windows (via LCOW):</a:t>
+            </a:r>
+          </a:p>
+          <a:p>
+            <a:r>
+              <a:rPr lang="en-IN" dirty="0" err="1" smtClean="0"/>
+              <a:t>Docker</a:t>
+            </a:r>
+            <a:r>
+              <a:rPr lang="en-IN" dirty="0" smtClean="0"/>
+              <a:t> CLI → </a:t>
+            </a:r>
+            <a:r>
+              <a:rPr lang="en-IN" dirty="0" err="1" smtClean="0"/>
+              <a:t>Docker</a:t>
+            </a:r>
+            <a:r>
+              <a:rPr lang="en-IN" dirty="0" smtClean="0"/>
+              <a:t> Daemon → </a:t>
+            </a:r>
+            <a:r>
+              <a:rPr lang="en-IN" dirty="0" err="1" smtClean="0"/>
+              <a:t>containerd</a:t>
+            </a:r>
+            <a:r>
+              <a:rPr lang="en-IN" dirty="0" smtClean="0"/>
+              <a:t> → LCOW utility VM → </a:t>
+            </a:r>
+            <a:r>
+              <a:rPr lang="en-IN" dirty="0" err="1" smtClean="0"/>
+              <a:t>runc</a:t>
+            </a:r>
+            <a:r>
+              <a:rPr lang="en-IN" dirty="0" smtClean="0"/>
+              <a:t> → Linux kernel (inside the VM)</a:t>
+            </a:r>
+          </a:p>
+          <a:p>
+            <a:endParaRPr lang="en-US" dirty="0" smtClean="0"/>
+          </a:p>
+          <a:p>
+            <a:endParaRPr lang="en-IN" dirty="0"/>
+          </a:p>
+        </p:txBody>
+      </p:sp>
+      <p:sp>
+        <p:nvSpPr>
+          <p:cNvPr id="4" name="Slide Number Placeholder 3"/>
+          <p:cNvSpPr>
+            <a:spLocks noGrp="1"/>
+          </p:cNvSpPr>
+          <p:nvPr>
+            <p:ph type="sldNum" sz="quarter" idx="10"/>
+          </p:nvPr>
+        </p:nvSpPr>
+        <p:spPr/>
+        <p:txBody>
+          <a:bodyPr/>
+          <a:lstStyle/>
+          <a:p>
+            <a:fld id="{BF7A5A86-AE9C-4E73-8FC7-754816B61531}" type="slidenum">
+              <a:rPr lang="en-IN" smtClean="0"/>
+              <a:t>14</a:t>
+            </a:fld>
+            <a:endParaRPr lang="en-IN"/>
+          </a:p>
+        </p:txBody>
+      </p:sp>
+    </p:spTree>
+    <p:extLst>
+      <p:ext uri="{BB962C8B-B14F-4D97-AF65-F5344CB8AC3E}">
+        <p14:creationId xmlns:p14="http://schemas.microsoft.com/office/powerpoint/2010/main" val="1027913956"/>
+      </p:ext>
+    </p:extLst>
+  </p:cSld>
+  <p:clrMapOvr>
+    <a:masterClrMapping/>
+  </p:clrMapOvr>
+</p:notes>
+</file>
+
+<file path=ppt/notesSlides/notesSlide5.xml><?xml version="1.0" encoding="utf-8"?>
+<p:notes xmlns:a="http://schemas.openxmlformats.org/drawingml/2006/main" xmlns:r="http://schemas.openxmlformats.org/officeDocument/2006/relationships" xmlns:p="http://schemas.openxmlformats.org/presentationml/2006/main">
+  <p:cSld>
+    <p:spTree>
+      <p:nvGrpSpPr>
+        <p:cNvPr id="1" name=""/>
+        <p:cNvGrpSpPr/>
+        <p:nvPr/>
+      </p:nvGrpSpPr>
+      <p:grpSpPr>
+        <a:xfrm>
+          <a:off x="0" y="0"/>
+          <a:ext cx="0" cy="0"/>
+          <a:chOff x="0" y="0"/>
+          <a:chExt cx="0" cy="0"/>
+        </a:xfrm>
+      </p:grpSpPr>
+      <p:sp>
+        <p:nvSpPr>
+          <p:cNvPr id="2" name="Slide Image Placeholder 1"/>
+          <p:cNvSpPr>
+            <a:spLocks noGrp="1" noRot="1" noChangeAspect="1"/>
+          </p:cNvSpPr>
+          <p:nvPr>
+            <p:ph type="sldImg"/>
+          </p:nvPr>
+        </p:nvSpPr>
+        <p:spPr/>
+      </p:sp>
+      <p:sp>
+        <p:nvSpPr>
+          <p:cNvPr id="3" name="Notes Placeholder 2"/>
+          <p:cNvSpPr>
+            <a:spLocks noGrp="1"/>
+          </p:cNvSpPr>
+          <p:nvPr>
+            <p:ph type="body" idx="1"/>
+          </p:nvPr>
+        </p:nvSpPr>
+        <p:spPr/>
+        <p:txBody>
+          <a:bodyPr/>
+          <a:lstStyle/>
+          <a:p>
+            <a:endParaRPr lang="en-IN"/>
+          </a:p>
+        </p:txBody>
+      </p:sp>
+      <p:sp>
+        <p:nvSpPr>
+          <p:cNvPr id="4" name="Slide Number Placeholder 3"/>
+          <p:cNvSpPr>
+            <a:spLocks noGrp="1"/>
+          </p:cNvSpPr>
+          <p:nvPr>
+            <p:ph type="sldNum" sz="quarter" idx="10"/>
+          </p:nvPr>
+        </p:nvSpPr>
+        <p:spPr/>
+        <p:txBody>
+          <a:bodyPr/>
+          <a:lstStyle/>
+          <a:p>
+            <a:fld id="{BF7A5A86-AE9C-4E73-8FC7-754816B61531}" type="slidenum">
+              <a:rPr lang="en-IN" smtClean="0"/>
+              <a:t>23</a:t>
+            </a:fld>
+            <a:endParaRPr lang="en-IN"/>
+          </a:p>
+        </p:txBody>
+      </p:sp>
+    </p:spTree>
+    <p:extLst>
+      <p:ext uri="{BB962C8B-B14F-4D97-AF65-F5344CB8AC3E}">
+        <p14:creationId xmlns:p14="http://schemas.microsoft.com/office/powerpoint/2010/main" val="3410101691"/>
+      </p:ext>
+    </p:extLst>
+  </p:cSld>
+  <p:clrMapOvr>
+    <a:masterClrMapping/>
+  </p:clrMapOvr>
+</p:notes>
 </file>
 
 <file path=ppt/slideLayouts/slideLayout1.xml><?xml version="1.0" encoding="utf-8"?>
@@ -8264,12 +9560,19 @@
         <p:pull dir="d"/>
       </p:transition>
     </mc:Choice>
-    <mc:Fallback xmlns="" xmlns:p15="http://schemas.microsoft.com/office/powerpoint/2012/main">
+    <mc:Fallback xmlns:p15="http://schemas.microsoft.com/office/powerpoint/2012/main" xmlns="">
       <p:transition spd="slow">
         <p:pull dir="d"/>
       </p:transition>
     </mc:Fallback>
   </mc:AlternateContent>
+  <p:timing>
+    <p:tnLst>
+      <p:par>
+        <p:cTn id="1" dur="indefinite" restart="never" nodeType="tmRoot"/>
+      </p:par>
+    </p:tnLst>
+  </p:timing>
 </p:sld>
 </file>
 
@@ -8543,12 +9846,19 @@
         <p:cover dir="d"/>
       </p:transition>
     </mc:Choice>
-    <mc:Fallback xmlns="" xmlns:p15="http://schemas.microsoft.com/office/powerpoint/2012/main">
+    <mc:Fallback xmlns:p15="http://schemas.microsoft.com/office/powerpoint/2012/main" xmlns="">
       <p:transition spd="slow">
         <p:cover dir="d"/>
       </p:transition>
     </mc:Fallback>
   </mc:AlternateContent>
+  <p:timing>
+    <p:tnLst>
+      <p:par>
+        <p:cTn id="1" dur="indefinite" restart="never" nodeType="tmRoot"/>
+      </p:par>
+    </p:tnLst>
+  </p:timing>
 </p:sld>
 </file>
 
@@ -8660,12 +9970,19 @@
         <p:cover dir="d"/>
       </p:transition>
     </mc:Choice>
-    <mc:Fallback xmlns="" xmlns:p15="http://schemas.microsoft.com/office/powerpoint/2012/main">
+    <mc:Fallback xmlns:p15="http://schemas.microsoft.com/office/powerpoint/2012/main" xmlns="">
       <p:transition spd="slow">
         <p:cover dir="d"/>
       </p:transition>
     </mc:Fallback>
   </mc:AlternateContent>
+  <p:timing>
+    <p:tnLst>
+      <p:par>
+        <p:cTn id="1" dur="indefinite" restart="never" nodeType="tmRoot"/>
+      </p:par>
+    </p:tnLst>
+  </p:timing>
 </p:sld>
 </file>
 
@@ -8750,7 +10067,7 @@
           <p:nvPr/>
         </p:nvPicPr>
         <p:blipFill>
-          <a:blip r:embed="rId2"/>
+          <a:blip r:embed="rId3"/>
           <a:stretch/>
         </p:blipFill>
         <p:spPr>
@@ -8777,12 +10094,19 @@
         <p:cover dir="d"/>
       </p:transition>
     </mc:Choice>
-    <mc:Fallback xmlns="" xmlns:p15="http://schemas.microsoft.com/office/powerpoint/2012/main">
+    <mc:Fallback xmlns:p15="http://schemas.microsoft.com/office/powerpoint/2012/main" xmlns="">
       <p:transition spd="slow">
         <p:cover dir="d"/>
       </p:transition>
     </mc:Fallback>
   </mc:AlternateContent>
+  <p:timing>
+    <p:tnLst>
+      <p:par>
+        <p:cTn id="1" dur="indefinite" restart="never" nodeType="tmRoot"/>
+      </p:par>
+    </p:tnLst>
+  </p:timing>
 </p:sld>
 </file>
 
@@ -8894,12 +10218,19 @@
         <p:cover dir="d"/>
       </p:transition>
     </mc:Choice>
-    <mc:Fallback xmlns="" xmlns:p15="http://schemas.microsoft.com/office/powerpoint/2012/main">
+    <mc:Fallback xmlns:p15="http://schemas.microsoft.com/office/powerpoint/2012/main" xmlns="">
       <p:transition spd="slow">
         <p:cover dir="d"/>
       </p:transition>
     </mc:Fallback>
   </mc:AlternateContent>
+  <p:timing>
+    <p:tnLst>
+      <p:par>
+        <p:cTn id="1" dur="indefinite" restart="never" nodeType="tmRoot"/>
+      </p:par>
+    </p:tnLst>
+  </p:timing>
 </p:sld>
 </file>
 
@@ -8984,7 +10315,7 @@
           <p:nvPr/>
         </p:nvPicPr>
         <p:blipFill>
-          <a:blip r:embed="rId2"/>
+          <a:blip r:embed="rId3"/>
           <a:stretch/>
         </p:blipFill>
         <p:spPr>
@@ -9011,12 +10342,19 @@
         <p:cover dir="d"/>
       </p:transition>
     </mc:Choice>
-    <mc:Fallback xmlns="" xmlns:p15="http://schemas.microsoft.com/office/powerpoint/2012/main">
+    <mc:Fallback xmlns:p15="http://schemas.microsoft.com/office/powerpoint/2012/main" xmlns="">
       <p:transition spd="slow">
         <p:cover dir="d"/>
       </p:transition>
     </mc:Fallback>
   </mc:AlternateContent>
+  <p:timing>
+    <p:tnLst>
+      <p:par>
+        <p:cTn id="1" dur="indefinite" restart="never" nodeType="tmRoot"/>
+      </p:par>
+    </p:tnLst>
+  </p:timing>
 </p:sld>
 </file>
 
@@ -9179,12 +10517,19 @@
         <p:cover dir="d"/>
       </p:transition>
     </mc:Choice>
-    <mc:Fallback xmlns="" xmlns:p15="http://schemas.microsoft.com/office/powerpoint/2012/main">
+    <mc:Fallback xmlns:p15="http://schemas.microsoft.com/office/powerpoint/2012/main" xmlns="">
       <p:transition spd="slow">
         <p:cover dir="d"/>
       </p:transition>
     </mc:Fallback>
   </mc:AlternateContent>
+  <p:timing>
+    <p:tnLst>
+      <p:par>
+        <p:cTn id="1" dur="indefinite" restart="never" nodeType="tmRoot"/>
+      </p:par>
+    </p:tnLst>
+  </p:timing>
 </p:sld>
 </file>
 
@@ -9296,12 +10641,19 @@
         <p:cover dir="d"/>
       </p:transition>
     </mc:Choice>
-    <mc:Fallback xmlns="" xmlns:p15="http://schemas.microsoft.com/office/powerpoint/2012/main">
+    <mc:Fallback xmlns:p15="http://schemas.microsoft.com/office/powerpoint/2012/main" xmlns="">
       <p:transition spd="slow">
         <p:cover dir="d"/>
       </p:transition>
     </mc:Fallback>
   </mc:AlternateContent>
+  <p:timing>
+    <p:tnLst>
+      <p:par>
+        <p:cTn id="1" dur="indefinite" restart="never" nodeType="tmRoot"/>
+      </p:par>
+    </p:tnLst>
+  </p:timing>
 </p:sld>
 </file>
 
@@ -9356,12 +10708,19 @@
         <p:cover dir="d"/>
       </p:transition>
     </mc:Choice>
-    <mc:Fallback xmlns="" xmlns:p15="http://schemas.microsoft.com/office/powerpoint/2012/main">
+    <mc:Fallback xmlns:p15="http://schemas.microsoft.com/office/powerpoint/2012/main" xmlns="">
       <p:transition spd="slow">
         <p:cover dir="d"/>
       </p:transition>
     </mc:Fallback>
   </mc:AlternateContent>
+  <p:timing>
+    <p:tnLst>
+      <p:par>
+        <p:cTn id="1" dur="indefinite" restart="never" nodeType="tmRoot"/>
+      </p:par>
+    </p:tnLst>
+  </p:timing>
 </p:sld>
 </file>
 
@@ -9551,12 +10910,19 @@
         <p:cover dir="d"/>
       </p:transition>
     </mc:Choice>
-    <mc:Fallback xmlns="" xmlns:p15="http://schemas.microsoft.com/office/powerpoint/2012/main">
+    <mc:Fallback xmlns:p15="http://schemas.microsoft.com/office/powerpoint/2012/main" xmlns="">
       <p:transition spd="slow">
         <p:cover dir="d"/>
       </p:transition>
     </mc:Fallback>
   </mc:AlternateContent>
+  <p:timing>
+    <p:tnLst>
+      <p:par>
+        <p:cTn id="1" dur="indefinite" restart="never" nodeType="tmRoot"/>
+      </p:par>
+    </p:tnLst>
+  </p:timing>
 </p:sld>
 </file>
 
@@ -9668,12 +11034,19 @@
         <p:cover dir="d"/>
       </p:transition>
     </mc:Choice>
-    <mc:Fallback xmlns="" xmlns:p15="http://schemas.microsoft.com/office/powerpoint/2012/main">
+    <mc:Fallback xmlns:p15="http://schemas.microsoft.com/office/powerpoint/2012/main" xmlns="">
       <p:transition spd="slow">
         <p:cover dir="d"/>
       </p:transition>
     </mc:Fallback>
   </mc:AlternateContent>
+  <p:timing>
+    <p:tnLst>
+      <p:par>
+        <p:cTn id="1" dur="indefinite" restart="never" nodeType="tmRoot"/>
+      </p:par>
+    </p:tnLst>
+  </p:timing>
 </p:sld>
 </file>
 
@@ -10076,12 +11449,19 @@
         <p:cover dir="d"/>
       </p:transition>
     </mc:Choice>
-    <mc:Fallback xmlns="" xmlns:p15="http://schemas.microsoft.com/office/powerpoint/2012/main">
+    <mc:Fallback xmlns:p15="http://schemas.microsoft.com/office/powerpoint/2012/main" xmlns="">
       <p:transition spd="slow">
         <p:cover dir="d"/>
       </p:transition>
     </mc:Fallback>
   </mc:AlternateContent>
+  <p:timing>
+    <p:tnLst>
+      <p:par>
+        <p:cTn id="1" dur="indefinite" restart="never" nodeType="tmRoot"/>
+      </p:par>
+    </p:tnLst>
+  </p:timing>
 </p:sld>
 </file>
 
@@ -10369,12 +11749,19 @@
         <p:cover dir="d"/>
       </p:transition>
     </mc:Choice>
-    <mc:Fallback xmlns="" xmlns:p15="http://schemas.microsoft.com/office/powerpoint/2012/main">
+    <mc:Fallback xmlns:p15="http://schemas.microsoft.com/office/powerpoint/2012/main" xmlns="">
       <p:transition spd="slow">
         <p:cover dir="d"/>
       </p:transition>
     </mc:Fallback>
   </mc:AlternateContent>
+  <p:timing>
+    <p:tnLst>
+      <p:par>
+        <p:cTn id="1" dur="indefinite" restart="never" nodeType="tmRoot"/>
+      </p:par>
+    </p:tnLst>
+  </p:timing>
 </p:sld>
 </file>
 
@@ -10485,7 +11872,7 @@
         </p:style>
         <p:txBody>
           <a:bodyPr lIns="0" tIns="0" rIns="0" bIns="0">
-            <a:normAutofit/>
+            <a:normAutofit fontScale="92500" lnSpcReduction="20000"/>
           </a:bodyPr>
           <a:lstStyle/>
           <a:p>
@@ -10509,43 +11896,13 @@
             </a:r>
             <a:r>
               <a:rPr lang="en-US" sz="2400" dirty="0"/>
-              <a:t> supports container runtimes such as </a:t>
-            </a:r>
-            <a:r>
-              <a:rPr lang="en-US" sz="2400" dirty="0" err="1">
-                <a:hlinkClick r:id="rId2"/>
-              </a:rPr>
-              <a:t>containerd</a:t>
-            </a:r>
-            <a:r>
-              <a:rPr lang="en-US" sz="2400" dirty="0"/>
-              <a:t>, </a:t>
-            </a:r>
-            <a:r>
-              <a:rPr lang="en-US" sz="2400" dirty="0">
-                <a:hlinkClick r:id="rId3"/>
-              </a:rPr>
-              <a:t>CRI-O</a:t>
-            </a:r>
-            <a:r>
-              <a:rPr lang="en-US" sz="2400" dirty="0"/>
-              <a:t>, and any other implementation of the </a:t>
-            </a:r>
-            <a:r>
-              <a:rPr lang="en-US" sz="2400" dirty="0" err="1">
-                <a:hlinkClick r:id="rId4"/>
-              </a:rPr>
-              <a:t>Kubernetes</a:t>
-            </a:r>
-            <a:r>
-              <a:rPr lang="en-US" sz="2400" dirty="0">
-                <a:hlinkClick r:id="rId4"/>
-              </a:rPr>
-              <a:t> CRI (Container Runtime Interface)</a:t>
-            </a:r>
-            <a:endParaRPr lang="en-IN" sz="2400" b="0" strike="noStrike" spc="-1" dirty="0">
-              <a:latin typeface="Arial"/>
-            </a:endParaRPr>
+              <a:t> (K8s) is an open-source container orchestration platform that automates deployment, scaling, and management of containerized </a:t>
+            </a:r>
+            <a:r>
+              <a:rPr lang="en-US" sz="2400" dirty="0" smtClean="0"/>
+              <a:t>applications</a:t>
+            </a:r>
+            <a:endParaRPr lang="en-US" sz="2400" dirty="0" smtClean="0"/>
           </a:p>
           <a:p>
             <a:pPr marL="432000" indent="-323640">
@@ -10563,11 +11920,58 @@
               <a:buChar char=""/>
             </a:pPr>
             <a:r>
-              <a:rPr lang="en-IN" sz="2400" b="0" strike="noStrike" spc="-1" dirty="0">
-                <a:latin typeface="Arial"/>
+              <a:rPr lang="en-US" sz="2400" dirty="0" err="1" smtClean="0"/>
+              <a:t>Kubernetes</a:t>
+            </a:r>
+            <a:r>
+              <a:rPr lang="en-US" sz="2400" dirty="0" smtClean="0"/>
+              <a:t> </a:t>
+            </a:r>
+            <a:r>
+              <a:rPr lang="en-US" sz="2400" dirty="0"/>
+              <a:t>supports container runtimes such as </a:t>
+            </a:r>
+            <a:r>
+              <a:rPr lang="en-US" sz="2400" dirty="0" err="1">
+                <a:hlinkClick r:id="rId2"/>
               </a:rPr>
-              <a:t>Orchestration tool</a:t>
-            </a:r>
+              <a:t>containerd</a:t>
+            </a:r>
+            <a:r>
+              <a:rPr lang="en-US" sz="2400" dirty="0"/>
+              <a:t>, </a:t>
+            </a:r>
+            <a:r>
+              <a:rPr lang="en-US" sz="2400" dirty="0">
+                <a:hlinkClick r:id="rId3"/>
+              </a:rPr>
+              <a:t>CRI-O</a:t>
+            </a:r>
+            <a:r>
+              <a:rPr lang="en-US" sz="2400" dirty="0"/>
+              <a:t>, and any other implementation of the </a:t>
+            </a:r>
+            <a:r>
+              <a:rPr lang="en-US" sz="2400" dirty="0" err="1">
+                <a:hlinkClick r:id="rId4"/>
+              </a:rPr>
+              <a:t>Kubernetes</a:t>
+            </a:r>
+            <a:r>
+              <a:rPr lang="en-US" sz="2400" dirty="0">
+                <a:hlinkClick r:id="rId4"/>
+              </a:rPr>
+              <a:t> CRI (Container Runtime Interface</a:t>
+            </a:r>
+            <a:r>
+              <a:rPr lang="en-US" sz="2400" dirty="0" smtClean="0">
+                <a:hlinkClick r:id="rId4"/>
+              </a:rPr>
+              <a:t>)</a:t>
+            </a:r>
+            <a:endParaRPr lang="en-IN" sz="2400" b="0" strike="noStrike" spc="-1" dirty="0">
+              <a:latin typeface="Arial"/>
+            </a:endParaRPr>
           </a:p>
           <a:p>
             <a:pPr marL="432000" indent="-323640">
@@ -10588,6 +11992,28 @@
               <a:rPr lang="en-IN" sz="2400" b="0" strike="noStrike" spc="-1" dirty="0">
                 <a:latin typeface="Arial"/>
               </a:rPr>
+              <a:t>Orchestration tool</a:t>
+            </a:r>
+          </a:p>
+          <a:p>
+            <a:pPr marL="432000" indent="-323640">
+              <a:lnSpc>
+                <a:spcPct val="100000"/>
+              </a:lnSpc>
+              <a:spcBef>
+                <a:spcPts val="1060"/>
+              </a:spcBef>
+              <a:buClr>
+                <a:srgbClr val="000000"/>
+              </a:buClr>
+              <a:buSzPct val="45000"/>
+              <a:buFont typeface="Wingdings" charset="2"/>
+              <a:buChar char=""/>
+            </a:pPr>
+            <a:r>
+              <a:rPr lang="en-IN" sz="2400" b="0" strike="noStrike" spc="-1" dirty="0">
+                <a:latin typeface="Arial"/>
+              </a:rPr>
               <a:t>Easy to use</a:t>
             </a:r>
           </a:p>
@@ -10604,12 +12030,19 @@
         <p:cover dir="d"/>
       </p:transition>
     </mc:Choice>
-    <mc:Fallback xmlns="" xmlns:p15="http://schemas.microsoft.com/office/powerpoint/2012/main">
+    <mc:Fallback xmlns:p15="http://schemas.microsoft.com/office/powerpoint/2012/main" xmlns="">
       <p:transition spd="slow">
         <p:cover dir="d"/>
       </p:transition>
     </mc:Fallback>
   </mc:AlternateContent>
+  <p:timing>
+    <p:tnLst>
+      <p:par>
+        <p:cTn id="1" dur="indefinite" restart="never" nodeType="tmRoot"/>
+      </p:par>
+    </p:tnLst>
+  </p:timing>
 </p:sld>
 </file>
 
@@ -10721,7 +12154,7 @@
         <p:cover dir="d"/>
       </p:transition>
     </mc:Choice>
-    <mc:Fallback xmlns="" xmlns:p15="http://schemas.microsoft.com/office/powerpoint/2012/main">
+    <mc:Fallback xmlns:p15="http://schemas.microsoft.com/office/powerpoint/2012/main" xmlns="">
       <p:transition spd="slow">
         <p:cover dir="d"/>
       </p:transition>
@@ -10802,7 +12235,7 @@
           <p:nvPr/>
         </p:nvPicPr>
         <p:blipFill>
-          <a:blip r:embed="rId2" cstate="print">
+          <a:blip r:embed="rId3" cstate="print">
             <a:extLst>
               <a:ext uri="{28A0092B-C50C-407E-A947-70E740481C1C}">
                 <a14:useLocalDpi xmlns:a14="http://schemas.microsoft.com/office/drawing/2010/main" val="0"/>
@@ -10816,7 +12249,7 @@
         </p:blipFill>
         <p:spPr bwMode="auto">
           <a:xfrm>
-            <a:off x="1565665" y="160338"/>
+            <a:off x="1666630" y="160338"/>
             <a:ext cx="2650382" cy="4460031"/>
           </a:xfrm>
           <a:prstGeom prst="rect">
@@ -10985,7 +12418,7 @@
         <p:cover dir="d"/>
       </p:transition>
     </mc:Choice>
-    <mc:Fallback xmlns="" xmlns:p15="http://schemas.microsoft.com/office/powerpoint/2012/main">
+    <mc:Fallback xmlns:p15="http://schemas.microsoft.com/office/powerpoint/2012/main" xmlns="">
       <p:transition spd="slow">
         <p:cover dir="d"/>
       </p:transition>
@@ -11231,7 +12664,7 @@
         <p:cover dir="d"/>
       </p:transition>
     </mc:Choice>
-    <mc:Fallback xmlns="" xmlns:p15="http://schemas.microsoft.com/office/powerpoint/2012/main">
+    <mc:Fallback xmlns:p15="http://schemas.microsoft.com/office/powerpoint/2012/main" xmlns="">
       <p:transition spd="slow">
         <p:cover dir="d"/>
       </p:transition>
@@ -11321,7 +12754,7 @@
         <p:cover dir="d"/>
       </p:transition>
     </mc:Choice>
-    <mc:Fallback xmlns="" xmlns:p15="http://schemas.microsoft.com/office/powerpoint/2012/main">
+    <mc:Fallback xmlns:p15="http://schemas.microsoft.com/office/powerpoint/2012/main" xmlns="">
       <p:transition spd="slow">
         <p:cover dir="d"/>
       </p:transition>
@@ -11445,7 +12878,7 @@
         <p:cover dir="d"/>
       </p:transition>
     </mc:Choice>
-    <mc:Fallback xmlns="" xmlns:p15="http://schemas.microsoft.com/office/powerpoint/2012/main">
+    <mc:Fallback xmlns:p15="http://schemas.microsoft.com/office/powerpoint/2012/main" xmlns="">
       <p:transition spd="slow">
         <p:cover dir="d"/>
       </p:transition>
@@ -11512,7 +12945,7 @@
         <p:cover dir="d"/>
       </p:transition>
     </mc:Choice>
-    <mc:Fallback xmlns="" xmlns:p15="http://schemas.microsoft.com/office/powerpoint/2012/main">
+    <mc:Fallback xmlns:p15="http://schemas.microsoft.com/office/powerpoint/2012/main" xmlns="">
       <p:transition spd="slow">
         <p:cover dir="d"/>
       </p:transition>
@@ -11620,12 +13053,19 @@
         <p:cover dir="d"/>
       </p:transition>
     </mc:Choice>
-    <mc:Fallback xmlns="" xmlns:p15="http://schemas.microsoft.com/office/powerpoint/2012/main">
+    <mc:Fallback xmlns:p15="http://schemas.microsoft.com/office/powerpoint/2012/main" xmlns="">
       <p:transition spd="slow">
         <p:cover dir="d"/>
       </p:transition>
     </mc:Fallback>
   </mc:AlternateContent>
+  <p:timing>
+    <p:tnLst>
+      <p:par>
+        <p:cTn id="1" dur="indefinite" restart="never" nodeType="tmRoot"/>
+      </p:par>
+    </p:tnLst>
+  </p:timing>
 </p:sld>
 </file>
 
@@ -11680,12 +13120,19 @@
         <p:cover dir="d"/>
       </p:transition>
     </mc:Choice>
-    <mc:Fallback xmlns="" xmlns:p15="http://schemas.microsoft.com/office/powerpoint/2012/main">
+    <mc:Fallback xmlns:p15="http://schemas.microsoft.com/office/powerpoint/2012/main" xmlns="">
       <p:transition spd="slow">
         <p:cover dir="d"/>
       </p:transition>
     </mc:Fallback>
   </mc:AlternateContent>
+  <p:timing>
+    <p:tnLst>
+      <p:par>
+        <p:cTn id="1" dur="indefinite" restart="never" nodeType="tmRoot"/>
+      </p:par>
+    </p:tnLst>
+  </p:timing>
 </p:sld>
 </file>
 
@@ -11740,12 +13187,19 @@
         <p:cover dir="d"/>
       </p:transition>
     </mc:Choice>
-    <mc:Fallback xmlns="" xmlns:p15="http://schemas.microsoft.com/office/powerpoint/2012/main">
+    <mc:Fallback xmlns:p15="http://schemas.microsoft.com/office/powerpoint/2012/main" xmlns="">
       <p:transition spd="slow">
         <p:cover dir="d"/>
       </p:transition>
     </mc:Fallback>
   </mc:AlternateContent>
+  <p:timing>
+    <p:tnLst>
+      <p:par>
+        <p:cTn id="1" dur="indefinite" restart="never" nodeType="tmRoot"/>
+      </p:par>
+    </p:tnLst>
+  </p:timing>
 </p:sld>
 </file>
 
@@ -11800,7 +13254,7 @@
         <p:cover dir="d"/>
       </p:transition>
     </mc:Choice>
-    <mc:Fallback xmlns="" xmlns:p15="http://schemas.microsoft.com/office/powerpoint/2012/main">
+    <mc:Fallback xmlns:p15="http://schemas.microsoft.com/office/powerpoint/2012/main" xmlns="">
       <p:transition spd="slow">
         <p:cover dir="d"/>
       </p:transition>
@@ -11838,7 +13292,7 @@
           <p:cNvPr id="2" name="Title 1">
             <a:extLst>
               <a:ext uri="{FF2B5EF4-FFF2-40B4-BE49-F238E27FC236}">
-                <a16:creationId xmlns:a16="http://schemas.microsoft.com/office/drawing/2014/main" xmlns="" id="{3BFD7A7C-A06D-4725-AD1E-60C2D709F6B9}"/>
+                <a16:creationId xmlns="" xmlns:a16="http://schemas.microsoft.com/office/drawing/2014/main" id="{3BFD7A7C-A06D-4725-AD1E-60C2D709F6B9}"/>
               </a:ext>
             </a:extLst>
           </p:cNvPr>
@@ -11878,7 +13332,7 @@
           <p:cNvPr id="3" name="Subtitle 2">
             <a:extLst>
               <a:ext uri="{FF2B5EF4-FFF2-40B4-BE49-F238E27FC236}">
-                <a16:creationId xmlns:a16="http://schemas.microsoft.com/office/drawing/2014/main" xmlns="" id="{7B9CFF97-35DE-4C0C-937F-9875FFC93AA7}"/>
+                <a16:creationId xmlns="" xmlns:a16="http://schemas.microsoft.com/office/drawing/2014/main" id="{7B9CFF97-35DE-4C0C-937F-9875FFC93AA7}"/>
               </a:ext>
             </a:extLst>
           </p:cNvPr>
@@ -11904,7 +13358,7 @@
               <a:buAutoNum type="arabicPeriod"/>
             </a:pPr>
             <a:r>
-              <a:rPr lang="en-GB" b="0" i="0" dirty="0">
+              <a:rPr lang="en-GB" sz="3200" b="0" i="0" dirty="0">
                 <a:solidFill>
                   <a:srgbClr val="333333"/>
                 </a:solidFill>
@@ -11914,7 +13368,7 @@
               <a:t>Helm uses a packaging format called </a:t>
             </a:r>
             <a:r>
-              <a:rPr lang="en-GB" b="0" i="1" dirty="0">
+              <a:rPr lang="en-GB" sz="3200" b="0" i="1" dirty="0">
                 <a:solidFill>
                   <a:srgbClr val="333333"/>
                 </a:solidFill>
@@ -11930,16 +13384,20 @@
               <a:buAutoNum type="arabicPeriod"/>
             </a:pPr>
             <a:r>
-              <a:rPr lang="en-GB" b="0" i="0" dirty="0">
+              <a:rPr lang="en-GB" sz="3200" dirty="0">
                 <a:solidFill>
                   <a:srgbClr val="333333"/>
                 </a:solidFill>
-                <a:effectLst/>
                 <a:latin typeface="Public Sans"/>
               </a:rPr>
               <a:t>A chart is a collection of files that describe a related set of Kubernetes resources</a:t>
             </a:r>
-            <a:endParaRPr lang="en-IN" dirty="0"/>
+            <a:endParaRPr lang="en-IN" sz="3200" dirty="0">
+              <a:solidFill>
+                <a:srgbClr val="333333"/>
+              </a:solidFill>
+              <a:latin typeface="Public Sans"/>
+            </a:endParaRPr>
           </a:p>
         </p:txBody>
       </p:sp>
@@ -11985,7 +13443,7 @@
           <p:cNvPr id="2" name="Title 1">
             <a:extLst>
               <a:ext uri="{FF2B5EF4-FFF2-40B4-BE49-F238E27FC236}">
-                <a16:creationId xmlns:a16="http://schemas.microsoft.com/office/drawing/2014/main" xmlns="" id="{80FA3B45-1F80-4ADF-9628-9F9BE1B9ED1A}"/>
+                <a16:creationId xmlns="" xmlns:a16="http://schemas.microsoft.com/office/drawing/2014/main" id="{80FA3B45-1F80-4ADF-9628-9F9BE1B9ED1A}"/>
               </a:ext>
             </a:extLst>
           </p:cNvPr>
@@ -12015,7 +13473,7 @@
           <p:cNvPr id="3" name="Subtitle 2">
             <a:extLst>
               <a:ext uri="{FF2B5EF4-FFF2-40B4-BE49-F238E27FC236}">
-                <a16:creationId xmlns:a16="http://schemas.microsoft.com/office/drawing/2014/main" xmlns="" id="{6A223FCD-D162-4168-AAA0-5B03F6D70A9C}"/>
+                <a16:creationId xmlns="" xmlns:a16="http://schemas.microsoft.com/office/drawing/2014/main" id="{6A223FCD-D162-4168-AAA0-5B03F6D70A9C}"/>
               </a:ext>
             </a:extLst>
           </p:cNvPr>
@@ -12151,7 +13609,7 @@
         <p:cover dir="d"/>
       </p:transition>
     </mc:Choice>
-    <mc:Fallback xmlns="" xmlns:p15="http://schemas.microsoft.com/office/powerpoint/2012/main">
+    <mc:Fallback xmlns:p15="http://schemas.microsoft.com/office/powerpoint/2012/main" xmlns="">
       <p:transition spd="slow">
         <p:cover dir="d"/>
       </p:transition>
@@ -12702,12 +14160,19 @@
         <p:cover dir="d"/>
       </p:transition>
     </mc:Choice>
-    <mc:Fallback xmlns="" xmlns:p15="http://schemas.microsoft.com/office/powerpoint/2012/main">
+    <mc:Fallback xmlns:p15="http://schemas.microsoft.com/office/powerpoint/2012/main" xmlns="">
       <p:transition spd="slow">
         <p:cover dir="d"/>
       </p:transition>
     </mc:Fallback>
   </mc:AlternateContent>
+  <p:timing>
+    <p:tnLst>
+      <p:par>
+        <p:cTn id="1" dur="indefinite" restart="never" nodeType="tmRoot"/>
+      </p:par>
+    </p:tnLst>
+  </p:timing>
 </p:sld>
 </file>
 
@@ -12824,14 +14289,14 @@
       </p:grpSpPr>
       <p:sp>
         <p:nvSpPr>
-          <p:cNvPr id="168" name="CustomShape 1"/>
+          <p:cNvPr id="173" name="CustomShape 1"/>
           <p:cNvSpPr/>
           <p:nvPr/>
         </p:nvSpPr>
         <p:spPr>
           <a:xfrm>
-            <a:off x="144000" y="216000"/>
-            <a:ext cx="9071280" cy="586080"/>
+            <a:off x="720000" y="144000"/>
+            <a:ext cx="9071280" cy="946080"/>
           </a:xfrm>
           <a:prstGeom prst="rect">
             <a:avLst/>
@@ -12859,21 +14324,21 @@
           </a:bodyPr>
           <a:lstStyle/>
           <a:p>
-            <a:pPr>
+            <a:pPr algn="ctr">
               <a:lnSpc>
                 <a:spcPct val="100000"/>
               </a:lnSpc>
             </a:pPr>
             <a:r>
-              <a:rPr lang="en-IN" sz="2600" b="0" strike="noStrike" spc="-1">
+              <a:rPr lang="en-IN" sz="3300" b="0" strike="noStrike" spc="-1">
                 <a:solidFill>
                   <a:srgbClr val="006699"/>
                 </a:solidFill>
                 <a:latin typeface="Arial"/>
               </a:rPr>
-              <a:t> Benefits of using containers</a:t>
-            </a:r>
-            <a:endParaRPr lang="en-IN" sz="2600" b="0" strike="noStrike" spc="-1">
+              <a:t>Comparision of Virtualization and Containers</a:t>
+            </a:r>
+            <a:endParaRPr lang="en-IN" sz="3300" b="0" strike="noStrike" spc="-1">
               <a:latin typeface="Arial"/>
             </a:endParaRPr>
           </a:p>
@@ -12881,7 +14346,7 @@
       </p:sp>
       <p:pic>
         <p:nvPicPr>
-          <p:cNvPr id="169" name="Picture 168"/>
+          <p:cNvPr id="174" name="Picture 173"/>
           <p:cNvPicPr/>
           <p:nvPr/>
         </p:nvPicPr>
@@ -12891,8 +14356,8 @@
         </p:blipFill>
         <p:spPr>
           <a:xfrm>
-            <a:off x="1152000" y="1727999"/>
-            <a:ext cx="7383240" cy="1786017"/>
+            <a:off x="872640" y="1090440"/>
+            <a:ext cx="7335000" cy="3085200"/>
           </a:xfrm>
           <a:prstGeom prst="rect">
             <a:avLst/>
@@ -12913,12 +14378,19 @@
         <p:cover dir="d"/>
       </p:transition>
     </mc:Choice>
-    <mc:Fallback xmlns="" xmlns:p15="http://schemas.microsoft.com/office/powerpoint/2012/main">
+    <mc:Fallback xmlns:p15="http://schemas.microsoft.com/office/powerpoint/2012/main" xmlns="">
       <p:transition spd="slow">
         <p:cover dir="d"/>
       </p:transition>
     </mc:Fallback>
   </mc:AlternateContent>
+  <p:timing>
+    <p:tnLst>
+      <p:par>
+        <p:cTn id="1" dur="indefinite" restart="never" nodeType="tmRoot"/>
+      </p:par>
+    </p:tnLst>
+  </p:timing>
 </p:sld>
 </file>
 
@@ -12941,14 +14413,14 @@
       </p:grpSpPr>
       <p:sp>
         <p:nvSpPr>
-          <p:cNvPr id="170" name="CustomShape 1"/>
+          <p:cNvPr id="168" name="CustomShape 1"/>
           <p:cNvSpPr/>
           <p:nvPr/>
         </p:nvSpPr>
         <p:spPr>
           <a:xfrm>
-            <a:off x="432360" y="216000"/>
-            <a:ext cx="9071280" cy="946080"/>
+            <a:off x="144000" y="216000"/>
+            <a:ext cx="9071280" cy="586080"/>
           </a:xfrm>
           <a:prstGeom prst="rect">
             <a:avLst/>
@@ -12976,72 +14448,40 @@
           </a:bodyPr>
           <a:lstStyle/>
           <a:p>
-            <a:pPr algn="ctr">
+            <a:pPr>
               <a:lnSpc>
                 <a:spcPct val="100000"/>
               </a:lnSpc>
             </a:pPr>
             <a:r>
-              <a:rPr lang="en-IN" sz="3300" b="0" strike="noStrike" spc="-1">
+              <a:rPr lang="en-IN" sz="2600" b="0" strike="noStrike" spc="-1">
                 <a:solidFill>
                   <a:srgbClr val="006699"/>
                 </a:solidFill>
                 <a:latin typeface="Arial"/>
               </a:rPr>
-              <a:t>Easy to implement microservice architecture</a:t>
-            </a:r>
-            <a:endParaRPr lang="en-IN" sz="3300" b="0" strike="noStrike" spc="-1">
-              <a:latin typeface="Arial"/>
-            </a:endParaRPr>
-          </a:p>
-        </p:txBody>
-      </p:sp>
-      <p:sp>
-        <p:nvSpPr>
-          <p:cNvPr id="171" name="CustomShape 2"/>
-          <p:cNvSpPr/>
-          <p:nvPr/>
-        </p:nvSpPr>
-        <p:spPr>
-          <a:xfrm>
-            <a:off x="504000" y="1634400"/>
-            <a:ext cx="9071280" cy="2757240"/>
-          </a:xfrm>
-          <a:prstGeom prst="rect">
-            <a:avLst/>
-          </a:prstGeom>
-          <a:noFill/>
-          <a:ln>
-            <a:noFill/>
-          </a:ln>
-        </p:spPr>
-        <p:style>
-          <a:lnRef idx="0">
-            <a:scrgbClr r="0" g="0" b="0"/>
-          </a:lnRef>
-          <a:fillRef idx="0">
-            <a:scrgbClr r="0" g="0" b="0"/>
-          </a:fillRef>
-          <a:effectRef idx="0">
-            <a:scrgbClr r="0" g="0" b="0"/>
-          </a:effectRef>
-          <a:fontRef idx="minor"/>
-        </p:style>
+              <a:t> Benefits of using containers</a:t>
+            </a:r>
+            <a:endParaRPr lang="en-IN" sz="2600" b="0" strike="noStrike" spc="-1">
+              <a:latin typeface="Arial"/>
+            </a:endParaRPr>
+          </a:p>
+        </p:txBody>
       </p:sp>
       <p:pic>
         <p:nvPicPr>
-          <p:cNvPr id="172" name="Picture 171"/>
+          <p:cNvPr id="169" name="Picture 168"/>
           <p:cNvPicPr/>
           <p:nvPr/>
         </p:nvPicPr>
         <p:blipFill>
-          <a:blip r:embed="rId2"/>
+          <a:blip r:embed="rId3"/>
           <a:stretch/>
         </p:blipFill>
         <p:spPr>
           <a:xfrm>
-            <a:off x="1137960" y="1085760"/>
-            <a:ext cx="7152096" cy="3153731"/>
+            <a:off x="1152000" y="1727999"/>
+            <a:ext cx="7383240" cy="1786017"/>
           </a:xfrm>
           <a:prstGeom prst="rect">
             <a:avLst/>
@@ -13062,12 +14502,19 @@
         <p:cover dir="d"/>
       </p:transition>
     </mc:Choice>
-    <mc:Fallback xmlns="" xmlns:p15="http://schemas.microsoft.com/office/powerpoint/2012/main">
+    <mc:Fallback xmlns:p15="http://schemas.microsoft.com/office/powerpoint/2012/main" xmlns="">
       <p:transition spd="slow">
         <p:cover dir="d"/>
       </p:transition>
     </mc:Fallback>
   </mc:AlternateContent>
+  <p:timing>
+    <p:tnLst>
+      <p:par>
+        <p:cTn id="1" dur="indefinite" restart="never" nodeType="tmRoot"/>
+      </p:par>
+    </p:tnLst>
+  </p:timing>
 </p:sld>
 </file>
 
@@ -13090,13 +14537,13 @@
       </p:grpSpPr>
       <p:sp>
         <p:nvSpPr>
-          <p:cNvPr id="173" name="CustomShape 1"/>
+          <p:cNvPr id="170" name="CustomShape 1"/>
           <p:cNvSpPr/>
           <p:nvPr/>
         </p:nvSpPr>
         <p:spPr>
           <a:xfrm>
-            <a:off x="720000" y="144000"/>
+            <a:off x="432360" y="216000"/>
             <a:ext cx="9071280" cy="946080"/>
           </a:xfrm>
           <a:prstGeom prst="rect">
@@ -13137,17 +14584,49 @@
                 </a:solidFill>
                 <a:latin typeface="Arial"/>
               </a:rPr>
-              <a:t>Comparision of Virtualization and Containers</a:t>
+              <a:t>Easy to implement microservice architecture</a:t>
             </a:r>
             <a:endParaRPr lang="en-IN" sz="3300" b="0" strike="noStrike" spc="-1">
               <a:latin typeface="Arial"/>
             </a:endParaRPr>
           </a:p>
         </p:txBody>
+      </p:sp>
+      <p:sp>
+        <p:nvSpPr>
+          <p:cNvPr id="171" name="CustomShape 2"/>
+          <p:cNvSpPr/>
+          <p:nvPr/>
+        </p:nvSpPr>
+        <p:spPr>
+          <a:xfrm>
+            <a:off x="504000" y="1634400"/>
+            <a:ext cx="9071280" cy="2757240"/>
+          </a:xfrm>
+          <a:prstGeom prst="rect">
+            <a:avLst/>
+          </a:prstGeom>
+          <a:noFill/>
+          <a:ln>
+            <a:noFill/>
+          </a:ln>
+        </p:spPr>
+        <p:style>
+          <a:lnRef idx="0">
+            <a:scrgbClr r="0" g="0" b="0"/>
+          </a:lnRef>
+          <a:fillRef idx="0">
+            <a:scrgbClr r="0" g="0" b="0"/>
+          </a:fillRef>
+          <a:effectRef idx="0">
+            <a:scrgbClr r="0" g="0" b="0"/>
+          </a:effectRef>
+          <a:fontRef idx="minor"/>
+        </p:style>
       </p:sp>
       <p:pic>
         <p:nvPicPr>
-          <p:cNvPr id="174" name="Picture 173"/>
+          <p:cNvPr id="172" name="Picture 171"/>
           <p:cNvPicPr/>
           <p:nvPr/>
         </p:nvPicPr>
@@ -13157,8 +14636,8 @@
         </p:blipFill>
         <p:spPr>
           <a:xfrm>
-            <a:off x="872640" y="1090440"/>
-            <a:ext cx="7335000" cy="3085200"/>
+            <a:off x="1137960" y="1085760"/>
+            <a:ext cx="7152096" cy="3153731"/>
           </a:xfrm>
           <a:prstGeom prst="rect">
             <a:avLst/>
@@ -13179,12 +14658,19 @@
         <p:cover dir="d"/>
       </p:transition>
     </mc:Choice>
-    <mc:Fallback xmlns="" xmlns:p15="http://schemas.microsoft.com/office/powerpoint/2012/main">
+    <mc:Fallback xmlns:p15="http://schemas.microsoft.com/office/powerpoint/2012/main" xmlns="">
       <p:transition spd="slow">
         <p:cover dir="d"/>
       </p:transition>
     </mc:Fallback>
   </mc:AlternateContent>
+  <p:timing>
+    <p:tnLst>
+      <p:par>
+        <p:cTn id="1" dur="indefinite" restart="never" nodeType="tmRoot"/>
+      </p:par>
+    </p:tnLst>
+  </p:timing>
 </p:sld>
 </file>
 
@@ -13287,7 +14773,7 @@
           <p:nvPr/>
         </p:nvPicPr>
         <p:blipFill>
-          <a:blip r:embed="rId2"/>
+          <a:blip r:embed="rId3"/>
           <a:stretch/>
         </p:blipFill>
         <p:spPr>
@@ -13310,7 +14796,7 @@
           <p:nvPr/>
         </p:nvPicPr>
         <p:blipFill>
-          <a:blip r:embed="rId3"/>
+          <a:blip r:embed="rId4"/>
           <a:stretch/>
         </p:blipFill>
         <p:spPr>
@@ -13333,7 +14819,7 @@
           <p:nvPr/>
         </p:nvPicPr>
         <p:blipFill>
-          <a:blip r:embed="rId4"/>
+          <a:blip r:embed="rId5"/>
           <a:stretch/>
         </p:blipFill>
         <p:spPr>
@@ -13356,7 +14842,7 @@
           <p:nvPr/>
         </p:nvPicPr>
         <p:blipFill>
-          <a:blip r:embed="rId5"/>
+          <a:blip r:embed="rId6"/>
           <a:stretch/>
         </p:blipFill>
         <p:spPr>
@@ -13383,12 +14869,19 @@
         <p:cover dir="d"/>
       </p:transition>
     </mc:Choice>
-    <mc:Fallback xmlns="" xmlns:p15="http://schemas.microsoft.com/office/powerpoint/2012/main">
+    <mc:Fallback xmlns:p15="http://schemas.microsoft.com/office/powerpoint/2012/main" xmlns="">
       <p:transition spd="slow">
         <p:cover dir="d"/>
       </p:transition>
     </mc:Fallback>
   </mc:AlternateContent>
+  <p:timing>
+    <p:tnLst>
+      <p:par>
+        <p:cTn id="1" dur="indefinite" restart="never" nodeType="tmRoot"/>
+      </p:par>
+    </p:tnLst>
+  </p:timing>
 </p:sld>
 </file>
 
@@ -14302,4 +15795,289 @@
   <a:objectDefaults/>
   <a:extraClrSchemeLst/>
 </a:theme>
+</file>
+
+<file path=ppt/theme/theme5.xml><?xml version="1.0" encoding="utf-8"?>
+<a:theme xmlns:a="http://schemas.openxmlformats.org/drawingml/2006/main" name="Office Theme">
+  <a:themeElements>
+    <a:clrScheme name="Office">
+      <a:dk1>
+        <a:sysClr val="windowText" lastClr="000000"/>
+      </a:dk1>
+      <a:lt1>
+        <a:sysClr val="window" lastClr="FFFFFF"/>
+      </a:lt1>
+      <a:dk2>
+        <a:srgbClr val="1F497D"/>
+      </a:dk2>
+      <a:lt2>
+        <a:srgbClr val="EEECE1"/>
+      </a:lt2>
+      <a:accent1>
+        <a:srgbClr val="4F81BD"/>
+      </a:accent1>
+      <a:accent2>
+        <a:srgbClr val="C0504D"/>
+      </a:accent2>
+      <a:accent3>
+        <a:srgbClr val="9BBB59"/>
+      </a:accent3>
+      <a:accent4>
+        <a:srgbClr val="8064A2"/>
+      </a:accent4>
+      <a:accent5>
+        <a:srgbClr val="4BACC6"/>
+      </a:accent5>
+      <a:accent6>
+        <a:srgbClr val="F79646"/>
+      </a:accent6>
+      <a:hlink>
+        <a:srgbClr val="0000FF"/>
+      </a:hlink>
+      <a:folHlink>
+        <a:srgbClr val="800080"/>
+      </a:folHlink>
+    </a:clrScheme>
+    <a:fontScheme name="Office">
+      <a:majorFont>
+        <a:latin typeface="Calibri"/>
+        <a:ea typeface=""/>
+        <a:cs typeface=""/>
+        <a:font script="Jpan" typeface="ＭＳ Ｐゴシック"/>
+        <a:font script="Hang" typeface="맑은 고딕"/>
+        <a:font script="Hans" typeface="宋体"/>
+        <a:font script="Hant" typeface="新細明體"/>
+        <a:font script="Arab" typeface="Times New Roman"/>
+        <a:font script="Hebr" typeface="Times New Roman"/>
+        <a:font script="Thai" typeface="Angsana New"/>
+        <a:font script="Ethi" typeface="Nyala"/>
+        <a:font script="Beng" typeface="Vrinda"/>
+        <a:font script="Gujr" typeface="Shruti"/>
+        <a:font script="Khmr" typeface="MoolBoran"/>
+        <a:font script="Knda" typeface="Tunga"/>
+        <a:font script="Guru" typeface="Raavi"/>
+        <a:font script="Cans" typeface="Euphemia"/>
+        <a:font script="Cher" typeface="Plantagenet Cherokee"/>
+        <a:font script="Yiii" typeface="Microsoft Yi Baiti"/>
+        <a:font script="Tibt" typeface="Microsoft Himalaya"/>
+        <a:font script="Thaa" typeface="MV Boli"/>
+        <a:font script="Deva" typeface="Mangal"/>
+        <a:font script="Telu" typeface="Gautami"/>
+        <a:font script="Taml" typeface="Latha"/>
+        <a:font script="Syrc" typeface="Estrangelo Edessa"/>
+        <a:font script="Orya" typeface="Kalinga"/>
+        <a:font script="Mlym" typeface="Kartika"/>
+        <a:font script="Laoo" typeface="DokChampa"/>
+        <a:font script="Sinh" typeface="Iskoola Pota"/>
+        <a:font script="Mong" typeface="Mongolian Baiti"/>
+        <a:font script="Viet" typeface="Times New Roman"/>
+        <a:font script="Uigh" typeface="Microsoft Uighur"/>
+        <a:font script="Geor" typeface="Sylfaen"/>
+      </a:majorFont>
+      <a:minorFont>
+        <a:latin typeface="Calibri"/>
+        <a:ea typeface=""/>
+        <a:cs typeface=""/>
+        <a:font script="Jpan" typeface="ＭＳ Ｐゴシック"/>
+        <a:font script="Hang" typeface="맑은 고딕"/>
+        <a:font script="Hans" typeface="宋体"/>
+        <a:font script="Hant" typeface="新細明體"/>
+        <a:font script="Arab" typeface="Arial"/>
+        <a:font script="Hebr" typeface="Arial"/>
+        <a:font script="Thai" typeface="Cordia New"/>
+        <a:font script="Ethi" typeface="Nyala"/>
+        <a:font script="Beng" typeface="Vrinda"/>
+        <a:font script="Gujr" typeface="Shruti"/>
+        <a:font script="Khmr" typeface="DaunPenh"/>
+        <a:font script="Knda" typeface="Tunga"/>
+        <a:font script="Guru" typeface="Raavi"/>
+        <a:font script="Cans" typeface="Euphemia"/>
+        <a:font script="Cher" typeface="Plantagenet Cherokee"/>
+        <a:font script="Yiii" typeface="Microsoft Yi Baiti"/>
+        <a:font script="Tibt" typeface="Microsoft Himalaya"/>
+        <a:font script="Thaa" typeface="MV Boli"/>
+        <a:font script="Deva" typeface="Mangal"/>
+        <a:font script="Telu" typeface="Gautami"/>
+        <a:font script="Taml" typeface="Latha"/>
+        <a:font script="Syrc" typeface="Estrangelo Edessa"/>
+        <a:font script="Orya" typeface="Kalinga"/>
+        <a:font script="Mlym" typeface="Kartika"/>
+        <a:font script="Laoo" typeface="DokChampa"/>
+        <a:font script="Sinh" typeface="Iskoola Pota"/>
+        <a:font script="Mong" typeface="Mongolian Baiti"/>
+        <a:font script="Viet" typeface="Arial"/>
+        <a:font script="Uigh" typeface="Microsoft Uighur"/>
+        <a:font script="Geor" typeface="Sylfaen"/>
+      </a:minorFont>
+    </a:fontScheme>
+    <a:fmtScheme name="Office">
+      <a:fillStyleLst>
+        <a:solidFill>
+          <a:schemeClr val="phClr"/>
+        </a:solidFill>
+        <a:gradFill rotWithShape="1">
+          <a:gsLst>
+            <a:gs pos="0">
+              <a:schemeClr val="phClr">
+                <a:tint val="50000"/>
+                <a:satMod val="300000"/>
+              </a:schemeClr>
+            </a:gs>
+            <a:gs pos="35000">
+              <a:schemeClr val="phClr">
+                <a:tint val="37000"/>
+                <a:satMod val="300000"/>
+              </a:schemeClr>
+            </a:gs>
+            <a:gs pos="100000">
+              <a:schemeClr val="phClr">
+                <a:tint val="15000"/>
+                <a:satMod val="350000"/>
+              </a:schemeClr>
+            </a:gs>
+          </a:gsLst>
+          <a:lin ang="16200000" scaled="1"/>
+        </a:gradFill>
+        <a:gradFill rotWithShape="1">
+          <a:gsLst>
+            <a:gs pos="0">
+              <a:schemeClr val="phClr">
+                <a:shade val="51000"/>
+                <a:satMod val="130000"/>
+              </a:schemeClr>
+            </a:gs>
+            <a:gs pos="80000">
+              <a:schemeClr val="phClr">
+                <a:shade val="93000"/>
+                <a:satMod val="130000"/>
+              </a:schemeClr>
+            </a:gs>
+            <a:gs pos="100000">
+              <a:schemeClr val="phClr">
+                <a:shade val="94000"/>
+                <a:satMod val="135000"/>
+              </a:schemeClr>
+            </a:gs>
+          </a:gsLst>
+          <a:lin ang="16200000" scaled="0"/>
+        </a:gradFill>
+      </a:fillStyleLst>
+      <a:lnStyleLst>
+        <a:ln w="9525" cap="flat" cmpd="sng" algn="ctr">
+          <a:solidFill>
+            <a:schemeClr val="phClr">
+              <a:shade val="95000"/>
+              <a:satMod val="105000"/>
+            </a:schemeClr>
+          </a:solidFill>
+          <a:prstDash val="solid"/>
+        </a:ln>
+        <a:ln w="25400" cap="flat" cmpd="sng" algn="ctr">
+          <a:solidFill>
+            <a:schemeClr val="phClr"/>
+          </a:solidFill>
+          <a:prstDash val="solid"/>
+        </a:ln>
+        <a:ln w="38100" cap="flat" cmpd="sng" algn="ctr">
+          <a:solidFill>
+            <a:schemeClr val="phClr"/>
+          </a:solidFill>
+          <a:prstDash val="solid"/>
+        </a:ln>
+      </a:lnStyleLst>
+      <a:effectStyleLst>
+        <a:effectStyle>
+          <a:effectLst>
+            <a:outerShdw blurRad="40000" dist="20000" dir="5400000" rotWithShape="0">
+              <a:srgbClr val="000000">
+                <a:alpha val="38000"/>
+              </a:srgbClr>
+            </a:outerShdw>
+          </a:effectLst>
+        </a:effectStyle>
+        <a:effectStyle>
+          <a:effectLst>
+            <a:outerShdw blurRad="40000" dist="23000" dir="5400000" rotWithShape="0">
+              <a:srgbClr val="000000">
+                <a:alpha val="35000"/>
+              </a:srgbClr>
+            </a:outerShdw>
+          </a:effectLst>
+        </a:effectStyle>
+        <a:effectStyle>
+          <a:effectLst>
+            <a:outerShdw blurRad="40000" dist="23000" dir="5400000" rotWithShape="0">
+              <a:srgbClr val="000000">
+                <a:alpha val="35000"/>
+              </a:srgbClr>
+            </a:outerShdw>
+          </a:effectLst>
+          <a:scene3d>
+            <a:camera prst="orthographicFront">
+              <a:rot lat="0" lon="0" rev="0"/>
+            </a:camera>
+            <a:lightRig rig="threePt" dir="t">
+              <a:rot lat="0" lon="0" rev="1200000"/>
+            </a:lightRig>
+          </a:scene3d>
+          <a:sp3d>
+            <a:bevelT w="63500" h="25400"/>
+          </a:sp3d>
+        </a:effectStyle>
+      </a:effectStyleLst>
+      <a:bgFillStyleLst>
+        <a:solidFill>
+          <a:schemeClr val="phClr"/>
+        </a:solidFill>
+        <a:gradFill rotWithShape="1">
+          <a:gsLst>
+            <a:gs pos="0">
+              <a:schemeClr val="phClr">
+                <a:tint val="40000"/>
+                <a:satMod val="350000"/>
+              </a:schemeClr>
+            </a:gs>
+            <a:gs pos="40000">
+              <a:schemeClr val="phClr">
+                <a:tint val="45000"/>
+                <a:shade val="99000"/>
+                <a:satMod val="350000"/>
+              </a:schemeClr>
+            </a:gs>
+            <a:gs pos="100000">
+              <a:schemeClr val="phClr">
+                <a:shade val="20000"/>
+                <a:satMod val="255000"/>
+              </a:schemeClr>
+            </a:gs>
+          </a:gsLst>
+          <a:path path="circle">
+            <a:fillToRect l="50000" t="-80000" r="50000" b="180000"/>
+          </a:path>
+        </a:gradFill>
+        <a:gradFill rotWithShape="1">
+          <a:gsLst>
+            <a:gs pos="0">
+              <a:schemeClr val="phClr">
+                <a:tint val="80000"/>
+                <a:satMod val="300000"/>
+              </a:schemeClr>
+            </a:gs>
+            <a:gs pos="100000">
+              <a:schemeClr val="phClr">
+                <a:shade val="30000"/>
+                <a:satMod val="200000"/>
+              </a:schemeClr>
+            </a:gs>
+          </a:gsLst>
+          <a:path path="circle">
+            <a:fillToRect l="50000" t="50000" r="50000" b="50000"/>
+          </a:path>
+        </a:gradFill>
+      </a:bgFillStyleLst>
+    </a:fmtScheme>
+  </a:themeElements>
+  <a:objectDefaults/>
+  <a:extraClrSchemeLst/>
+</a:theme>
 </file>
--- a/Docker and K8s deck.pptx
+++ b/Docker and K8s deck.pptx
@@ -8,7 +8,7 @@
     <p:sldMasterId id="2147483687" r:id="rId4"/>
   </p:sldMasterIdLst>
   <p:notesMasterIdLst>
-    <p:notesMasterId r:id="rId40"/>
+    <p:notesMasterId r:id="rId42"/>
   </p:notesMasterIdLst>
   <p:sldIdLst>
     <p:sldId id="256" r:id="rId5"/>
@@ -29,23 +29,25 @@
     <p:sldId id="272" r:id="rId20"/>
     <p:sldId id="273" r:id="rId21"/>
     <p:sldId id="274" r:id="rId22"/>
-    <p:sldId id="275" r:id="rId23"/>
-    <p:sldId id="276" r:id="rId24"/>
-    <p:sldId id="277" r:id="rId25"/>
-    <p:sldId id="279" r:id="rId26"/>
-    <p:sldId id="296" r:id="rId27"/>
-    <p:sldId id="280" r:id="rId28"/>
-    <p:sldId id="295" r:id="rId29"/>
-    <p:sldId id="282" r:id="rId30"/>
-    <p:sldId id="283" r:id="rId31"/>
-    <p:sldId id="284" r:id="rId32"/>
-    <p:sldId id="285" r:id="rId33"/>
-    <p:sldId id="286" r:id="rId34"/>
-    <p:sldId id="287" r:id="rId35"/>
-    <p:sldId id="288" r:id="rId36"/>
-    <p:sldId id="293" r:id="rId37"/>
-    <p:sldId id="294" r:id="rId38"/>
-    <p:sldId id="292" r:id="rId39"/>
+    <p:sldId id="298" r:id="rId23"/>
+    <p:sldId id="299" r:id="rId24"/>
+    <p:sldId id="275" r:id="rId25"/>
+    <p:sldId id="276" r:id="rId26"/>
+    <p:sldId id="277" r:id="rId27"/>
+    <p:sldId id="279" r:id="rId28"/>
+    <p:sldId id="296" r:id="rId29"/>
+    <p:sldId id="280" r:id="rId30"/>
+    <p:sldId id="295" r:id="rId31"/>
+    <p:sldId id="282" r:id="rId32"/>
+    <p:sldId id="283" r:id="rId33"/>
+    <p:sldId id="284" r:id="rId34"/>
+    <p:sldId id="285" r:id="rId35"/>
+    <p:sldId id="286" r:id="rId36"/>
+    <p:sldId id="287" r:id="rId37"/>
+    <p:sldId id="288" r:id="rId38"/>
+    <p:sldId id="293" r:id="rId39"/>
+    <p:sldId id="294" r:id="rId40"/>
+    <p:sldId id="292" r:id="rId41"/>
   </p:sldIdLst>
   <p:sldSz cx="10080625" cy="5670550"/>
   <p:notesSz cx="7559675" cy="10691813"/>
@@ -1426,7 +1428,7 @@
           <a:p>
             <a:fld id="{BF7A5A86-AE9C-4E73-8FC7-754816B61531}" type="slidenum">
               <a:rPr lang="en-IN" smtClean="0"/>
-              <a:t>23</a:t>
+              <a:t>25</a:t>
             </a:fld>
             <a:endParaRPr lang="en-IN"/>
           </a:p>
@@ -10945,13 +10947,13 @@
       </p:grpSpPr>
       <p:sp>
         <p:nvSpPr>
-          <p:cNvPr id="202" name="CustomShape 1"/>
+          <p:cNvPr id="199" name="CustomShape 1"/>
           <p:cNvSpPr/>
           <p:nvPr/>
         </p:nvSpPr>
         <p:spPr>
           <a:xfrm>
-            <a:off x="864360" y="205560"/>
+            <a:off x="216360" y="72000"/>
             <a:ext cx="9071280" cy="946080"/>
           </a:xfrm>
           <a:prstGeom prst="rect">
@@ -10986,44 +10988,311 @@
               </a:lnSpc>
             </a:pPr>
             <a:r>
-              <a:rPr lang="en-IN" sz="3300" b="0" strike="noStrike" spc="-1">
+              <a:rPr lang="en-IN" sz="3300" spc="-1" dirty="0" smtClean="0">
                 <a:solidFill>
                   <a:srgbClr val="006699"/>
                 </a:solidFill>
                 <a:latin typeface="Arial"/>
               </a:rPr>
-              <a:t>Docker registries</a:t>
-            </a:r>
-            <a:endParaRPr lang="en-IN" sz="3300" b="0" strike="noStrike" spc="-1">
-              <a:latin typeface="Arial"/>
-            </a:endParaRPr>
-          </a:p>
-        </p:txBody>
-      </p:sp>
-      <p:pic>
-        <p:nvPicPr>
-          <p:cNvPr id="203" name="Picture 202"/>
-          <p:cNvPicPr/>
+              <a:t>Maximize utilization of cache</a:t>
+            </a:r>
+            <a:endParaRPr lang="en-IN" sz="3300" b="0" strike="noStrike" spc="-1" dirty="0">
+              <a:latin typeface="Arial"/>
+            </a:endParaRPr>
+          </a:p>
+        </p:txBody>
+      </p:sp>
+      <p:sp>
+        <p:nvSpPr>
+          <p:cNvPr id="200" name="CustomShape 2"/>
+          <p:cNvSpPr/>
           <p:nvPr/>
-        </p:nvPicPr>
-        <p:blipFill>
-          <a:blip r:embed="rId2"/>
-          <a:stretch/>
-        </p:blipFill>
-        <p:spPr>
-          <a:xfrm>
-            <a:off x="3024000" y="1152000"/>
-            <a:ext cx="4533120" cy="3273840"/>
-          </a:xfrm>
-          <a:prstGeom prst="rect">
-            <a:avLst/>
-          </a:prstGeom>
+        </p:nvSpPr>
+        <p:spPr>
+          <a:xfrm>
+            <a:off x="432000" y="936000"/>
+            <a:ext cx="9071280" cy="4031640"/>
+          </a:xfrm>
+          <a:prstGeom prst="rect">
+            <a:avLst/>
+          </a:prstGeom>
+          <a:noFill/>
           <a:ln>
             <a:noFill/>
           </a:ln>
         </p:spPr>
-      </p:pic>
+        <p:style>
+          <a:lnRef idx="0">
+            <a:scrgbClr r="0" g="0" b="0"/>
+          </a:lnRef>
+          <a:fillRef idx="0">
+            <a:scrgbClr r="0" g="0" b="0"/>
+          </a:fillRef>
+          <a:effectRef idx="0">
+            <a:scrgbClr r="0" g="0" b="0"/>
+          </a:effectRef>
+          <a:fontRef idx="minor"/>
+        </p:style>
+        <p:txBody>
+          <a:bodyPr lIns="0" tIns="0" rIns="0" bIns="0">
+            <a:normAutofit/>
+          </a:bodyPr>
+          <a:lstStyle/>
+          <a:p>
+            <a:pPr marL="108360">
+              <a:lnSpc>
+                <a:spcPct val="100000"/>
+              </a:lnSpc>
+              <a:spcBef>
+                <a:spcPts val="1060"/>
+              </a:spcBef>
+              <a:buClr>
+                <a:srgbClr val="000000"/>
+              </a:buClr>
+              <a:buSzPct val="45000"/>
+            </a:pPr>
+            <a:r>
+              <a:rPr lang="en-US" sz="1600" dirty="0"/>
+              <a:t># Before </a:t>
+            </a:r>
+            <a:r>
+              <a:rPr lang="en-US" sz="1600" dirty="0" smtClean="0"/>
+              <a:t>Optimization</a:t>
+            </a:r>
+          </a:p>
+          <a:p>
+            <a:pPr marL="108360">
+              <a:lnSpc>
+                <a:spcPct val="100000"/>
+              </a:lnSpc>
+              <a:spcBef>
+                <a:spcPts val="1060"/>
+              </a:spcBef>
+              <a:buClr>
+                <a:srgbClr val="000000"/>
+              </a:buClr>
+              <a:buSzPct val="45000"/>
+            </a:pPr>
+            <a:r>
+              <a:rPr lang="en-US" sz="1600" dirty="0" smtClean="0"/>
+              <a:t>FROM python:3.9-slim</a:t>
+            </a:r>
+          </a:p>
+          <a:p>
+            <a:pPr marL="108360">
+              <a:lnSpc>
+                <a:spcPct val="100000"/>
+              </a:lnSpc>
+              <a:spcBef>
+                <a:spcPts val="1060"/>
+              </a:spcBef>
+              <a:buClr>
+                <a:srgbClr val="000000"/>
+              </a:buClr>
+              <a:buSzPct val="45000"/>
+            </a:pPr>
+            <a:r>
+              <a:rPr lang="en-US" sz="1600" dirty="0" smtClean="0"/>
+              <a:t># </a:t>
+            </a:r>
+            <a:r>
+              <a:rPr lang="en-US" sz="1600" dirty="0"/>
+              <a:t>Install dependencies (this layer will always be invalidated if source code changes</a:t>
+            </a:r>
+            <a:r>
+              <a:rPr lang="en-US" sz="1600" dirty="0" smtClean="0"/>
+              <a:t>)</a:t>
+            </a:r>
+          </a:p>
+          <a:p>
+            <a:pPr marL="108360">
+              <a:lnSpc>
+                <a:spcPct val="100000"/>
+              </a:lnSpc>
+              <a:spcBef>
+                <a:spcPts val="1060"/>
+              </a:spcBef>
+              <a:buClr>
+                <a:srgbClr val="000000"/>
+              </a:buClr>
+              <a:buSzPct val="45000"/>
+            </a:pPr>
+            <a:r>
+              <a:rPr lang="en-US" sz="1600" dirty="0" smtClean="0"/>
+              <a:t> </a:t>
+            </a:r>
+            <a:r>
+              <a:rPr lang="en-US" sz="1600" dirty="0"/>
+              <a:t>RUN pip install -r </a:t>
+            </a:r>
+            <a:r>
+              <a:rPr lang="en-US" sz="1600" dirty="0" smtClean="0"/>
+              <a:t>requirements.txt</a:t>
+            </a:r>
+          </a:p>
+          <a:p>
+            <a:pPr marL="108360">
+              <a:lnSpc>
+                <a:spcPct val="100000"/>
+              </a:lnSpc>
+              <a:spcBef>
+                <a:spcPts val="1060"/>
+              </a:spcBef>
+              <a:buClr>
+                <a:srgbClr val="000000"/>
+              </a:buClr>
+              <a:buSzPct val="45000"/>
+            </a:pPr>
+            <a:r>
+              <a:rPr lang="en-US" sz="1600" dirty="0" smtClean="0"/>
+              <a:t># </a:t>
+            </a:r>
+            <a:r>
+              <a:rPr lang="en-US" sz="1600" dirty="0"/>
+              <a:t>Copy application files (this will cause invalidation of all previous layers if code changes</a:t>
+            </a:r>
+            <a:r>
+              <a:rPr lang="en-US" sz="1600" dirty="0" smtClean="0"/>
+              <a:t>)</a:t>
+            </a:r>
+          </a:p>
+          <a:p>
+            <a:pPr marL="108360">
+              <a:lnSpc>
+                <a:spcPct val="100000"/>
+              </a:lnSpc>
+              <a:spcBef>
+                <a:spcPts val="1060"/>
+              </a:spcBef>
+              <a:buClr>
+                <a:srgbClr val="000000"/>
+              </a:buClr>
+              <a:buSzPct val="45000"/>
+            </a:pPr>
+            <a:r>
+              <a:rPr lang="en-US" sz="1600" dirty="0" smtClean="0"/>
+              <a:t>COPY </a:t>
+            </a:r>
+            <a:r>
+              <a:rPr lang="en-US" sz="1600" dirty="0"/>
+              <a:t>. /</a:t>
+            </a:r>
+            <a:r>
+              <a:rPr lang="en-US" sz="1600" dirty="0" smtClean="0"/>
+              <a:t>app</a:t>
+            </a:r>
+          </a:p>
+          <a:p>
+            <a:pPr marL="108360">
+              <a:lnSpc>
+                <a:spcPct val="100000"/>
+              </a:lnSpc>
+              <a:spcBef>
+                <a:spcPts val="1060"/>
+              </a:spcBef>
+              <a:buClr>
+                <a:srgbClr val="000000"/>
+              </a:buClr>
+              <a:buSzPct val="45000"/>
+            </a:pPr>
+            <a:r>
+              <a:rPr lang="en-US" sz="1600" dirty="0" smtClean="0"/>
+              <a:t># </a:t>
+            </a:r>
+            <a:r>
+              <a:rPr lang="en-US" sz="1600" dirty="0"/>
+              <a:t>Set working </a:t>
+            </a:r>
+            <a:r>
+              <a:rPr lang="en-US" sz="1600" dirty="0" smtClean="0"/>
+              <a:t>directory</a:t>
+            </a:r>
+          </a:p>
+          <a:p>
+            <a:pPr marL="108360">
+              <a:lnSpc>
+                <a:spcPct val="100000"/>
+              </a:lnSpc>
+              <a:spcBef>
+                <a:spcPts val="1060"/>
+              </a:spcBef>
+              <a:buClr>
+                <a:srgbClr val="000000"/>
+              </a:buClr>
+              <a:buSzPct val="45000"/>
+            </a:pPr>
+            <a:r>
+              <a:rPr lang="en-US" sz="1600" dirty="0" smtClean="0"/>
+              <a:t>WORKDIR </a:t>
+            </a:r>
+            <a:r>
+              <a:rPr lang="en-US" sz="1600" dirty="0"/>
+              <a:t>/</a:t>
+            </a:r>
+            <a:r>
+              <a:rPr lang="en-US" sz="1600" dirty="0" smtClean="0"/>
+              <a:t>app</a:t>
+            </a:r>
+          </a:p>
+          <a:p>
+            <a:pPr marL="108360">
+              <a:lnSpc>
+                <a:spcPct val="100000"/>
+              </a:lnSpc>
+              <a:spcBef>
+                <a:spcPts val="1060"/>
+              </a:spcBef>
+              <a:buClr>
+                <a:srgbClr val="000000"/>
+              </a:buClr>
+              <a:buSzPct val="45000"/>
+            </a:pPr>
+            <a:r>
+              <a:rPr lang="en-US" sz="1600" dirty="0" smtClean="0"/>
+              <a:t># </a:t>
+            </a:r>
+            <a:r>
+              <a:rPr lang="en-US" sz="1600" dirty="0"/>
+              <a:t>Run </a:t>
+            </a:r>
+            <a:r>
+              <a:rPr lang="en-US" sz="1600" dirty="0" smtClean="0"/>
+              <a:t>application</a:t>
+            </a:r>
+          </a:p>
+          <a:p>
+            <a:pPr marL="108360">
+              <a:lnSpc>
+                <a:spcPct val="100000"/>
+              </a:lnSpc>
+              <a:spcBef>
+                <a:spcPts val="1060"/>
+              </a:spcBef>
+              <a:buClr>
+                <a:srgbClr val="000000"/>
+              </a:buClr>
+              <a:buSzPct val="45000"/>
+            </a:pPr>
+            <a:r>
+              <a:rPr lang="en-US" sz="1600" dirty="0" smtClean="0"/>
+              <a:t>CMD </a:t>
+            </a:r>
+            <a:r>
+              <a:rPr lang="en-US" sz="1600" dirty="0"/>
+              <a:t>["python", "app.py"]</a:t>
+            </a:r>
+            <a:endParaRPr lang="en-IN" sz="1600" b="0" strike="noStrike" spc="-1" dirty="0">
+              <a:latin typeface="Arial"/>
+            </a:endParaRPr>
+          </a:p>
+        </p:txBody>
+      </p:sp>
     </p:spTree>
+    <p:extLst>
+      <p:ext uri="{BB962C8B-B14F-4D97-AF65-F5344CB8AC3E}">
+        <p14:creationId xmlns:p14="http://schemas.microsoft.com/office/powerpoint/2010/main" val="2719437763"/>
+      </p:ext>
+    </p:extLst>
   </p:cSld>
   <p:clrMapOvr>
     <a:masterClrMapping/>
@@ -11484,14 +11753,14 @@
       </p:grpSpPr>
       <p:sp>
         <p:nvSpPr>
-          <p:cNvPr id="204" name="CustomShape 1"/>
+          <p:cNvPr id="199" name="CustomShape 1"/>
           <p:cNvSpPr/>
           <p:nvPr/>
         </p:nvSpPr>
         <p:spPr>
           <a:xfrm>
-            <a:off x="360000" y="277560"/>
-            <a:ext cx="9071280" cy="730080"/>
+            <a:off x="216360" y="72000"/>
+            <a:ext cx="9071280" cy="946080"/>
           </a:xfrm>
           <a:prstGeom prst="rect">
             <a:avLst/>
@@ -11525,30 +11794,30 @@
               </a:lnSpc>
             </a:pPr>
             <a:r>
-              <a:rPr lang="en-IN" sz="2400" b="0" strike="noStrike" spc="-1">
+              <a:rPr lang="en-IN" sz="3300" spc="-1" dirty="0" smtClean="0">
                 <a:solidFill>
                   <a:srgbClr val="006699"/>
                 </a:solidFill>
                 <a:latin typeface="Arial"/>
               </a:rPr>
-              <a:t>Some Dokcer Commands</a:t>
-            </a:r>
-            <a:endParaRPr lang="en-IN" sz="2400" b="0" strike="noStrike" spc="-1">
-              <a:latin typeface="Arial"/>
-            </a:endParaRPr>
-          </a:p>
-        </p:txBody>
-      </p:sp>
-      <p:sp>
-        <p:nvSpPr>
-          <p:cNvPr id="205" name="CustomShape 2"/>
+              <a:t>Maximize utilization of cache</a:t>
+            </a:r>
+            <a:endParaRPr lang="en-IN" sz="3300" b="0" strike="noStrike" spc="-1" dirty="0">
+              <a:latin typeface="Arial"/>
+            </a:endParaRPr>
+          </a:p>
+        </p:txBody>
+      </p:sp>
+      <p:sp>
+        <p:nvSpPr>
+          <p:cNvPr id="200" name="CustomShape 2"/>
           <p:cNvSpPr/>
           <p:nvPr/>
         </p:nvSpPr>
         <p:spPr>
           <a:xfrm>
-            <a:off x="360000" y="1058400"/>
-            <a:ext cx="9071280" cy="2757240"/>
+            <a:off x="538680" y="936000"/>
+            <a:ext cx="9071280" cy="4031640"/>
           </a:xfrm>
           <a:prstGeom prst="rect">
             <a:avLst/>
@@ -11572,11 +11841,11 @@
         </p:style>
         <p:txBody>
           <a:bodyPr lIns="0" tIns="0" rIns="0" bIns="0">
-            <a:normAutofit/>
-          </a:bodyPr>
-          <a:lstStyle/>
-          <a:p>
-            <a:pPr marL="432000" indent="-323640">
+            <a:normAutofit lnSpcReduction="10000"/>
+          </a:bodyPr>
+          <a:lstStyle/>
+          <a:p>
+            <a:pPr marL="108360">
               <a:lnSpc>
                 <a:spcPct val="100000"/>
               </a:lnSpc>
@@ -11587,27 +11856,18 @@
                 <a:srgbClr val="000000"/>
               </a:buClr>
               <a:buSzPct val="45000"/>
-              <a:buFont typeface="Wingdings" charset="2"/>
-              <a:buChar char=""/>
             </a:pPr>
             <a:r>
-              <a:rPr lang="en-IN" sz="2400" b="0" strike="noStrike" spc="-1" dirty="0">
-                <a:latin typeface="Arial"/>
-              </a:rPr>
-              <a:t>docker run -d -p 8080:80 </a:t>
-            </a:r>
-            <a:r>
-              <a:rPr lang="en-IN" sz="2400" b="0" strike="noStrike" spc="-1" dirty="0" err="1">
-                <a:latin typeface="Arial"/>
-              </a:rPr>
-              <a:t>nginx:latest</a:t>
-            </a:r>
-            <a:endParaRPr lang="en-IN" sz="2400" b="0" strike="noStrike" spc="-1" dirty="0">
-              <a:latin typeface="Arial"/>
-            </a:endParaRPr>
-          </a:p>
-          <a:p>
-            <a:pPr marL="432000" indent="-323640">
+              <a:rPr lang="en-US" sz="1400" dirty="0"/>
+              <a:t># </a:t>
+            </a:r>
+            <a:r>
+              <a:rPr lang="en-US" sz="1400" dirty="0" smtClean="0"/>
+              <a:t>After Optimization</a:t>
+            </a:r>
+          </a:p>
+          <a:p>
+            <a:pPr marL="108360">
               <a:lnSpc>
                 <a:spcPct val="100000"/>
               </a:lnSpc>
@@ -11618,39 +11878,14 @@
                 <a:srgbClr val="000000"/>
               </a:buClr>
               <a:buSzPct val="45000"/>
-              <a:buFont typeface="Wingdings" charset="2"/>
-              <a:buChar char=""/>
             </a:pPr>
             <a:r>
-              <a:rPr lang="en-IN" sz="2400" b="0" strike="noStrike" spc="-1" dirty="0">
-                <a:latin typeface="Arial"/>
-              </a:rPr>
-              <a:t>docker run -d -p 8080:80 -v </a:t>
-            </a:r>
-            <a:r>
-              <a:rPr lang="en-IN" sz="2400" b="0" strike="noStrike" spc="-1" dirty="0" err="1">
-                <a:latin typeface="Arial"/>
-              </a:rPr>
-              <a:t>hostFolderPath:containerPath:ro</a:t>
-            </a:r>
-            <a:r>
-              <a:rPr lang="en-IN" sz="2400" b="0" strike="noStrike" spc="-1" dirty="0">
-                <a:latin typeface="Arial"/>
-              </a:rPr>
-              <a:t> --name server </a:t>
-            </a:r>
-            <a:r>
-              <a:rPr lang="en-IN" sz="2400" b="0" strike="noStrike" spc="-1" dirty="0" err="1">
-                <a:latin typeface="Arial"/>
-              </a:rPr>
-              <a:t>nginx</a:t>
-            </a:r>
-            <a:endParaRPr lang="en-IN" sz="2400" b="0" strike="noStrike" spc="-1" dirty="0">
-              <a:latin typeface="Arial"/>
-            </a:endParaRPr>
-          </a:p>
-          <a:p>
-            <a:pPr marL="432000" indent="-323640">
+              <a:rPr lang="en-US" sz="1400" dirty="0" smtClean="0"/>
+              <a:t>FROM python:3.9-slim</a:t>
+            </a:r>
+          </a:p>
+          <a:p>
+            <a:pPr marL="108360">
               <a:lnSpc>
                 <a:spcPct val="100000"/>
               </a:lnSpc>
@@ -11661,18 +11896,19 @@
                 <a:srgbClr val="000000"/>
               </a:buClr>
               <a:buSzPct val="45000"/>
-              <a:buFont typeface="Wingdings" charset="2"/>
-              <a:buChar char=""/>
             </a:pPr>
             <a:r>
-              <a:rPr lang="en-IN" sz="2400" b="0" strike="noStrike" spc="-1" dirty="0">
-                <a:latin typeface="Arial"/>
-              </a:rPr>
-              <a:t>docker exec -it server(name of running container) bash</a:t>
-            </a:r>
-          </a:p>
-          <a:p>
-            <a:pPr marL="432000" indent="-323640">
+              <a:rPr lang="en-US" sz="1400" dirty="0" smtClean="0"/>
+              <a:t># Copy </a:t>
+            </a:r>
+            <a:r>
+              <a:rPr lang="en-US" sz="1400" dirty="0"/>
+              <a:t>only the requirements file to leverage cache (this won't invalidate the dependencies layer) </a:t>
+            </a:r>
+            <a:endParaRPr lang="en-US" sz="1400" dirty="0" smtClean="0"/>
+          </a:p>
+          <a:p>
+            <a:pPr marL="108360">
               <a:lnSpc>
                 <a:spcPct val="100000"/>
               </a:lnSpc>
@@ -11683,27 +11919,19 @@
                 <a:srgbClr val="000000"/>
               </a:buClr>
               <a:buSzPct val="45000"/>
-              <a:buFont typeface="Wingdings" charset="2"/>
-              <a:buChar char=""/>
             </a:pPr>
             <a:r>
-              <a:rPr lang="en-IN" sz="2400" b="0" strike="noStrike" spc="-1" dirty="0">
-                <a:latin typeface="Arial"/>
-              </a:rPr>
-              <a:t>Docker </a:t>
-            </a:r>
-            <a:r>
-              <a:rPr lang="en-IN" sz="2400" b="0" strike="noStrike" spc="-1" dirty="0" err="1">
-                <a:latin typeface="Arial"/>
-              </a:rPr>
-              <a:t>ps</a:t>
-            </a:r>
-            <a:endParaRPr lang="en-IN" sz="2400" b="0" strike="noStrike" spc="-1" dirty="0">
-              <a:latin typeface="Arial"/>
-            </a:endParaRPr>
-          </a:p>
-          <a:p>
-            <a:pPr marL="432000" indent="-323640">
+              <a:rPr lang="en-US" sz="1400" dirty="0" smtClean="0"/>
+              <a:t>COPY </a:t>
+            </a:r>
+            <a:r>
+              <a:rPr lang="en-US" sz="1400" dirty="0"/>
+              <a:t>requirements.txt /app/requirements.txt</a:t>
+            </a:r>
+            <a:endParaRPr lang="en-US" sz="1400" dirty="0" smtClean="0"/>
+          </a:p>
+          <a:p>
+            <a:pPr marL="108360">
               <a:lnSpc>
                 <a:spcPct val="100000"/>
               </a:lnSpc>
@@ -11714,31 +11942,209 @@
                 <a:srgbClr val="000000"/>
               </a:buClr>
               <a:buSzPct val="45000"/>
-              <a:buFont typeface="Wingdings" charset="2"/>
-              <a:buChar char=""/>
             </a:pPr>
             <a:r>
-              <a:rPr lang="en-IN" sz="2400" b="0" strike="noStrike" spc="-1" dirty="0">
-                <a:latin typeface="Arial"/>
-              </a:rPr>
-              <a:t>docker build -t </a:t>
-            </a:r>
-            <a:r>
-              <a:rPr lang="en-IN" sz="2400" b="0" strike="noStrike" spc="-1" dirty="0" err="1">
-                <a:latin typeface="Arial"/>
-              </a:rPr>
-              <a:t>website:latest</a:t>
-            </a:r>
-            <a:r>
-              <a:rPr lang="en-IN" sz="2400" b="0" strike="noStrike" spc="-1" dirty="0">
-                <a:latin typeface="Arial"/>
-              </a:rPr>
-              <a:t> .</a:t>
-            </a:r>
+              <a:rPr lang="en-US" sz="1400" dirty="0" smtClean="0"/>
+              <a:t># </a:t>
+            </a:r>
+            <a:r>
+              <a:rPr lang="en-US" sz="1400" dirty="0"/>
+              <a:t>Install dependencies (this layer will always be invalidated if source code </a:t>
+            </a:r>
+            <a:r>
+              <a:rPr lang="en-US" sz="1400" dirty="0" smtClean="0"/>
+              <a:t>changes)</a:t>
+            </a:r>
+          </a:p>
+          <a:p>
+            <a:pPr marL="108360">
+              <a:lnSpc>
+                <a:spcPct val="100000"/>
+              </a:lnSpc>
+              <a:spcBef>
+                <a:spcPts val="1060"/>
+              </a:spcBef>
+              <a:buClr>
+                <a:srgbClr val="000000"/>
+              </a:buClr>
+              <a:buSzPct val="45000"/>
+            </a:pPr>
+            <a:r>
+              <a:rPr lang="en-US" sz="1400" dirty="0" smtClean="0"/>
+              <a:t>RUN </a:t>
+            </a:r>
+            <a:r>
+              <a:rPr lang="en-US" sz="1400" dirty="0"/>
+              <a:t>pip install -r </a:t>
+            </a:r>
+            <a:r>
+              <a:rPr lang="en-US" sz="1400" dirty="0" smtClean="0"/>
+              <a:t>requirements.txt</a:t>
+            </a:r>
+          </a:p>
+          <a:p>
+            <a:pPr marL="108360">
+              <a:lnSpc>
+                <a:spcPct val="100000"/>
+              </a:lnSpc>
+              <a:spcBef>
+                <a:spcPts val="1060"/>
+              </a:spcBef>
+              <a:buClr>
+                <a:srgbClr val="000000"/>
+              </a:buClr>
+              <a:buSzPct val="45000"/>
+            </a:pPr>
+            <a:r>
+              <a:rPr lang="en-US" sz="1400" dirty="0" smtClean="0"/>
+              <a:t># </a:t>
+            </a:r>
+            <a:r>
+              <a:rPr lang="en-US" sz="1400" dirty="0"/>
+              <a:t>Copy application files (this will cause invalidation of all previous layers if code changes</a:t>
+            </a:r>
+            <a:r>
+              <a:rPr lang="en-US" sz="1400" dirty="0" smtClean="0"/>
+              <a:t>)</a:t>
+            </a:r>
+          </a:p>
+          <a:p>
+            <a:pPr marL="108360">
+              <a:lnSpc>
+                <a:spcPct val="100000"/>
+              </a:lnSpc>
+              <a:spcBef>
+                <a:spcPts val="1060"/>
+              </a:spcBef>
+              <a:buClr>
+                <a:srgbClr val="000000"/>
+              </a:buClr>
+              <a:buSzPct val="45000"/>
+            </a:pPr>
+            <a:r>
+              <a:rPr lang="en-US" sz="1400" dirty="0" smtClean="0"/>
+              <a:t>COPY </a:t>
+            </a:r>
+            <a:r>
+              <a:rPr lang="en-US" sz="1400" dirty="0"/>
+              <a:t>. /</a:t>
+            </a:r>
+            <a:r>
+              <a:rPr lang="en-US" sz="1400" dirty="0" smtClean="0"/>
+              <a:t>app</a:t>
+            </a:r>
+          </a:p>
+          <a:p>
+            <a:pPr marL="108360">
+              <a:lnSpc>
+                <a:spcPct val="100000"/>
+              </a:lnSpc>
+              <a:spcBef>
+                <a:spcPts val="1060"/>
+              </a:spcBef>
+              <a:buClr>
+                <a:srgbClr val="000000"/>
+              </a:buClr>
+              <a:buSzPct val="45000"/>
+            </a:pPr>
+            <a:r>
+              <a:rPr lang="en-US" sz="1400" dirty="0" smtClean="0"/>
+              <a:t># </a:t>
+            </a:r>
+            <a:r>
+              <a:rPr lang="en-US" sz="1400" dirty="0"/>
+              <a:t>Set working </a:t>
+            </a:r>
+            <a:r>
+              <a:rPr lang="en-US" sz="1400" dirty="0" smtClean="0"/>
+              <a:t>directory</a:t>
+            </a:r>
+          </a:p>
+          <a:p>
+            <a:pPr marL="108360">
+              <a:lnSpc>
+                <a:spcPct val="100000"/>
+              </a:lnSpc>
+              <a:spcBef>
+                <a:spcPts val="1060"/>
+              </a:spcBef>
+              <a:buClr>
+                <a:srgbClr val="000000"/>
+              </a:buClr>
+              <a:buSzPct val="45000"/>
+            </a:pPr>
+            <a:r>
+              <a:rPr lang="en-US" sz="1400" dirty="0" smtClean="0"/>
+              <a:t>WORKDIR </a:t>
+            </a:r>
+            <a:r>
+              <a:rPr lang="en-US" sz="1400" dirty="0"/>
+              <a:t>/</a:t>
+            </a:r>
+            <a:r>
+              <a:rPr lang="en-US" sz="1400" dirty="0" smtClean="0"/>
+              <a:t>app</a:t>
+            </a:r>
+          </a:p>
+          <a:p>
+            <a:pPr marL="108360">
+              <a:lnSpc>
+                <a:spcPct val="100000"/>
+              </a:lnSpc>
+              <a:spcBef>
+                <a:spcPts val="1060"/>
+              </a:spcBef>
+              <a:buClr>
+                <a:srgbClr val="000000"/>
+              </a:buClr>
+              <a:buSzPct val="45000"/>
+            </a:pPr>
+            <a:r>
+              <a:rPr lang="en-US" sz="1400" dirty="0" smtClean="0"/>
+              <a:t># </a:t>
+            </a:r>
+            <a:r>
+              <a:rPr lang="en-US" sz="1400" dirty="0"/>
+              <a:t>Run </a:t>
+            </a:r>
+            <a:r>
+              <a:rPr lang="en-US" sz="1400" dirty="0" smtClean="0"/>
+              <a:t>application</a:t>
+            </a:r>
+          </a:p>
+          <a:p>
+            <a:pPr marL="108360">
+              <a:lnSpc>
+                <a:spcPct val="100000"/>
+              </a:lnSpc>
+              <a:spcBef>
+                <a:spcPts val="1060"/>
+              </a:spcBef>
+              <a:buClr>
+                <a:srgbClr val="000000"/>
+              </a:buClr>
+              <a:buSzPct val="45000"/>
+            </a:pPr>
+            <a:r>
+              <a:rPr lang="en-US" sz="1400" dirty="0" smtClean="0"/>
+              <a:t>CMD </a:t>
+            </a:r>
+            <a:r>
+              <a:rPr lang="en-US" sz="1400" dirty="0"/>
+              <a:t>["python", "app.py"]</a:t>
+            </a:r>
+            <a:endParaRPr lang="en-IN" sz="1400" b="0" strike="noStrike" spc="-1" dirty="0">
+              <a:latin typeface="Arial"/>
+            </a:endParaRPr>
           </a:p>
         </p:txBody>
       </p:sp>
     </p:spTree>
+    <p:extLst>
+      <p:ext uri="{BB962C8B-B14F-4D97-AF65-F5344CB8AC3E}">
+        <p14:creationId xmlns:p14="http://schemas.microsoft.com/office/powerpoint/2010/main" val="259420113"/>
+      </p:ext>
+    </p:extLst>
   </p:cSld>
   <p:clrMapOvr>
     <a:masterClrMapping/>
@@ -11784,13 +12190,13 @@
       </p:grpSpPr>
       <p:sp>
         <p:nvSpPr>
-          <p:cNvPr id="206" name="CustomShape 1"/>
+          <p:cNvPr id="202" name="CustomShape 1"/>
           <p:cNvSpPr/>
           <p:nvPr/>
         </p:nvSpPr>
         <p:spPr>
           <a:xfrm>
-            <a:off x="648000" y="216000"/>
+            <a:off x="864360" y="205560"/>
             <a:ext cx="9071280" cy="946080"/>
           </a:xfrm>
           <a:prstGeom prst="rect">
@@ -11831,7 +12237,7 @@
                 </a:solidFill>
                 <a:latin typeface="Arial"/>
               </a:rPr>
-              <a:t>Kubernets Overview</a:t>
+              <a:t>Docker registries</a:t>
             </a:r>
             <a:endParaRPr lang="en-IN" sz="3300" b="0" strike="noStrike" spc="-1">
               <a:latin typeface="Arial"/>
@@ -11839,186 +12245,29 @@
           </a:p>
         </p:txBody>
       </p:sp>
-      <p:sp>
-        <p:nvSpPr>
-          <p:cNvPr id="207" name="CustomShape 2"/>
-          <p:cNvSpPr/>
+      <p:pic>
+        <p:nvPicPr>
+          <p:cNvPr id="203" name="Picture 202"/>
+          <p:cNvPicPr/>
           <p:nvPr/>
-        </p:nvSpPr>
-        <p:spPr>
-          <a:xfrm>
-            <a:off x="576360" y="1490400"/>
-            <a:ext cx="9071280" cy="2757240"/>
-          </a:xfrm>
-          <a:prstGeom prst="rect">
-            <a:avLst/>
-          </a:prstGeom>
-          <a:noFill/>
+        </p:nvPicPr>
+        <p:blipFill>
+          <a:blip r:embed="rId2"/>
+          <a:stretch/>
+        </p:blipFill>
+        <p:spPr>
+          <a:xfrm>
+            <a:off x="3024000" y="1152000"/>
+            <a:ext cx="4533120" cy="3273840"/>
+          </a:xfrm>
+          <a:prstGeom prst="rect">
+            <a:avLst/>
+          </a:prstGeom>
           <a:ln>
             <a:noFill/>
           </a:ln>
         </p:spPr>
-        <p:style>
-          <a:lnRef idx="0">
-            <a:scrgbClr r="0" g="0" b="0"/>
-          </a:lnRef>
-          <a:fillRef idx="0">
-            <a:scrgbClr r="0" g="0" b="0"/>
-          </a:fillRef>
-          <a:effectRef idx="0">
-            <a:scrgbClr r="0" g="0" b="0"/>
-          </a:effectRef>
-          <a:fontRef idx="minor"/>
-        </p:style>
-        <p:txBody>
-          <a:bodyPr lIns="0" tIns="0" rIns="0" bIns="0">
-            <a:normAutofit fontScale="92500" lnSpcReduction="20000"/>
-          </a:bodyPr>
-          <a:lstStyle/>
-          <a:p>
-            <a:pPr marL="432000" indent="-323640">
-              <a:lnSpc>
-                <a:spcPct val="100000"/>
-              </a:lnSpc>
-              <a:spcBef>
-                <a:spcPts val="1060"/>
-              </a:spcBef>
-              <a:buClr>
-                <a:srgbClr val="000000"/>
-              </a:buClr>
-              <a:buSzPct val="45000"/>
-              <a:buFont typeface="Wingdings" charset="2"/>
-              <a:buChar char=""/>
-            </a:pPr>
-            <a:r>
-              <a:rPr lang="en-US" sz="2400" dirty="0" err="1"/>
-              <a:t>Kubernetes</a:t>
-            </a:r>
-            <a:r>
-              <a:rPr lang="en-US" sz="2400" dirty="0"/>
-              <a:t> (K8s) is an open-source container orchestration platform that automates deployment, scaling, and management of containerized </a:t>
-            </a:r>
-            <a:r>
-              <a:rPr lang="en-US" sz="2400" dirty="0" smtClean="0"/>
-              <a:t>applications</a:t>
-            </a:r>
-            <a:endParaRPr lang="en-US" sz="2400" dirty="0" smtClean="0"/>
-          </a:p>
-          <a:p>
-            <a:pPr marL="432000" indent="-323640">
-              <a:lnSpc>
-                <a:spcPct val="100000"/>
-              </a:lnSpc>
-              <a:spcBef>
-                <a:spcPts val="1060"/>
-              </a:spcBef>
-              <a:buClr>
-                <a:srgbClr val="000000"/>
-              </a:buClr>
-              <a:buSzPct val="45000"/>
-              <a:buFont typeface="Wingdings" charset="2"/>
-              <a:buChar char=""/>
-            </a:pPr>
-            <a:r>
-              <a:rPr lang="en-US" sz="2400" dirty="0" err="1" smtClean="0"/>
-              <a:t>Kubernetes</a:t>
-            </a:r>
-            <a:r>
-              <a:rPr lang="en-US" sz="2400" dirty="0" smtClean="0"/>
-              <a:t> </a:t>
-            </a:r>
-            <a:r>
-              <a:rPr lang="en-US" sz="2400" dirty="0"/>
-              <a:t>supports container runtimes such as </a:t>
-            </a:r>
-            <a:r>
-              <a:rPr lang="en-US" sz="2400" dirty="0" err="1">
-                <a:hlinkClick r:id="rId2"/>
-              </a:rPr>
-              <a:t>containerd</a:t>
-            </a:r>
-            <a:r>
-              <a:rPr lang="en-US" sz="2400" dirty="0"/>
-              <a:t>, </a:t>
-            </a:r>
-            <a:r>
-              <a:rPr lang="en-US" sz="2400" dirty="0">
-                <a:hlinkClick r:id="rId3"/>
-              </a:rPr>
-              <a:t>CRI-O</a:t>
-            </a:r>
-            <a:r>
-              <a:rPr lang="en-US" sz="2400" dirty="0"/>
-              <a:t>, and any other implementation of the </a:t>
-            </a:r>
-            <a:r>
-              <a:rPr lang="en-US" sz="2400" dirty="0" err="1">
-                <a:hlinkClick r:id="rId4"/>
-              </a:rPr>
-              <a:t>Kubernetes</a:t>
-            </a:r>
-            <a:r>
-              <a:rPr lang="en-US" sz="2400" dirty="0">
-                <a:hlinkClick r:id="rId4"/>
-              </a:rPr>
-              <a:t> CRI (Container Runtime Interface</a:t>
-            </a:r>
-            <a:r>
-              <a:rPr lang="en-US" sz="2400" dirty="0" smtClean="0">
-                <a:hlinkClick r:id="rId4"/>
-              </a:rPr>
-              <a:t>)</a:t>
-            </a:r>
-            <a:endParaRPr lang="en-IN" sz="2400" b="0" strike="noStrike" spc="-1" dirty="0">
-              <a:latin typeface="Arial"/>
-            </a:endParaRPr>
-          </a:p>
-          <a:p>
-            <a:pPr marL="432000" indent="-323640">
-              <a:lnSpc>
-                <a:spcPct val="100000"/>
-              </a:lnSpc>
-              <a:spcBef>
-                <a:spcPts val="1060"/>
-              </a:spcBef>
-              <a:buClr>
-                <a:srgbClr val="000000"/>
-              </a:buClr>
-              <a:buSzPct val="45000"/>
-              <a:buFont typeface="Wingdings" charset="2"/>
-              <a:buChar char=""/>
-            </a:pPr>
-            <a:r>
-              <a:rPr lang="en-IN" sz="2400" b="0" strike="noStrike" spc="-1" dirty="0">
-                <a:latin typeface="Arial"/>
-              </a:rPr>
-              <a:t>Orchestration tool</a:t>
-            </a:r>
-          </a:p>
-          <a:p>
-            <a:pPr marL="432000" indent="-323640">
-              <a:lnSpc>
-                <a:spcPct val="100000"/>
-              </a:lnSpc>
-              <a:spcBef>
-                <a:spcPts val="1060"/>
-              </a:spcBef>
-              <a:buClr>
-                <a:srgbClr val="000000"/>
-              </a:buClr>
-              <a:buSzPct val="45000"/>
-              <a:buFont typeface="Wingdings" charset="2"/>
-              <a:buChar char=""/>
-            </a:pPr>
-            <a:r>
-              <a:rPr lang="en-IN" sz="2400" b="0" strike="noStrike" spc="-1" dirty="0">
-                <a:latin typeface="Arial"/>
-              </a:rPr>
-              <a:t>Easy to use</a:t>
-            </a:r>
-          </a:p>
-        </p:txBody>
-      </p:sp>
+      </p:pic>
     </p:spTree>
   </p:cSld>
   <p:clrMapOvr>
@@ -12065,14 +12314,14 @@
       </p:grpSpPr>
       <p:sp>
         <p:nvSpPr>
-          <p:cNvPr id="209" name="CustomShape 1"/>
+          <p:cNvPr id="204" name="CustomShape 1"/>
           <p:cNvSpPr/>
           <p:nvPr/>
         </p:nvSpPr>
         <p:spPr>
           <a:xfrm>
-            <a:off x="432000" y="216000"/>
-            <a:ext cx="9071280" cy="946080"/>
+            <a:off x="360000" y="277560"/>
+            <a:ext cx="9071280" cy="730080"/>
           </a:xfrm>
           <a:prstGeom prst="rect">
             <a:avLst/>
@@ -12106,43 +12355,219 @@
               </a:lnSpc>
             </a:pPr>
             <a:r>
-              <a:rPr lang="en-IN" sz="3300" b="0" strike="noStrike" spc="-1">
+              <a:rPr lang="en-IN" sz="2400" b="0" strike="noStrike" spc="-1">
                 <a:solidFill>
                   <a:srgbClr val="006699"/>
                 </a:solidFill>
                 <a:latin typeface="Arial"/>
               </a:rPr>
-              <a:t>Kubernetes Architecture</a:t>
-            </a:r>
-            <a:endParaRPr lang="en-IN" sz="3300" b="0" strike="noStrike" spc="-1">
-              <a:latin typeface="Arial"/>
-            </a:endParaRPr>
-          </a:p>
-        </p:txBody>
-      </p:sp>
-      <p:pic>
-        <p:nvPicPr>
-          <p:cNvPr id="210" name="Picture 209"/>
-          <p:cNvPicPr/>
+              <a:t>Some Dokcer Commands</a:t>
+            </a:r>
+            <a:endParaRPr lang="en-IN" sz="2400" b="0" strike="noStrike" spc="-1">
+              <a:latin typeface="Arial"/>
+            </a:endParaRPr>
+          </a:p>
+        </p:txBody>
+      </p:sp>
+      <p:sp>
+        <p:nvSpPr>
+          <p:cNvPr id="205" name="CustomShape 2"/>
+          <p:cNvSpPr/>
           <p:nvPr/>
-        </p:nvPicPr>
-        <p:blipFill>
-          <a:blip r:embed="rId2"/>
-          <a:stretch/>
-        </p:blipFill>
-        <p:spPr>
-          <a:xfrm>
-            <a:off x="864000" y="864000"/>
-            <a:ext cx="8205480" cy="3891240"/>
-          </a:xfrm>
-          <a:prstGeom prst="rect">
-            <a:avLst/>
-          </a:prstGeom>
+        </p:nvSpPr>
+        <p:spPr>
+          <a:xfrm>
+            <a:off x="360000" y="1058400"/>
+            <a:ext cx="9071280" cy="2757240"/>
+          </a:xfrm>
+          <a:prstGeom prst="rect">
+            <a:avLst/>
+          </a:prstGeom>
+          <a:noFill/>
           <a:ln>
             <a:noFill/>
           </a:ln>
         </p:spPr>
-      </p:pic>
+        <p:style>
+          <a:lnRef idx="0">
+            <a:scrgbClr r="0" g="0" b="0"/>
+          </a:lnRef>
+          <a:fillRef idx="0">
+            <a:scrgbClr r="0" g="0" b="0"/>
+          </a:fillRef>
+          <a:effectRef idx="0">
+            <a:scrgbClr r="0" g="0" b="0"/>
+          </a:effectRef>
+          <a:fontRef idx="minor"/>
+        </p:style>
+        <p:txBody>
+          <a:bodyPr lIns="0" tIns="0" rIns="0" bIns="0">
+            <a:normAutofit/>
+          </a:bodyPr>
+          <a:lstStyle/>
+          <a:p>
+            <a:pPr marL="432000" indent="-323640">
+              <a:lnSpc>
+                <a:spcPct val="100000"/>
+              </a:lnSpc>
+              <a:spcBef>
+                <a:spcPts val="1060"/>
+              </a:spcBef>
+              <a:buClr>
+                <a:srgbClr val="000000"/>
+              </a:buClr>
+              <a:buSzPct val="45000"/>
+              <a:buFont typeface="Wingdings" charset="2"/>
+              <a:buChar char=""/>
+            </a:pPr>
+            <a:r>
+              <a:rPr lang="en-IN" sz="2400" b="0" strike="noStrike" spc="-1" dirty="0">
+                <a:latin typeface="Arial"/>
+              </a:rPr>
+              <a:t>docker run -d -p 8080:80 </a:t>
+            </a:r>
+            <a:r>
+              <a:rPr lang="en-IN" sz="2400" b="0" strike="noStrike" spc="-1" dirty="0" err="1">
+                <a:latin typeface="Arial"/>
+              </a:rPr>
+              <a:t>nginx:latest</a:t>
+            </a:r>
+            <a:endParaRPr lang="en-IN" sz="2400" b="0" strike="noStrike" spc="-1" dirty="0">
+              <a:latin typeface="Arial"/>
+            </a:endParaRPr>
+          </a:p>
+          <a:p>
+            <a:pPr marL="432000" indent="-323640">
+              <a:lnSpc>
+                <a:spcPct val="100000"/>
+              </a:lnSpc>
+              <a:spcBef>
+                <a:spcPts val="1060"/>
+              </a:spcBef>
+              <a:buClr>
+                <a:srgbClr val="000000"/>
+              </a:buClr>
+              <a:buSzPct val="45000"/>
+              <a:buFont typeface="Wingdings" charset="2"/>
+              <a:buChar char=""/>
+            </a:pPr>
+            <a:r>
+              <a:rPr lang="en-IN" sz="2400" b="0" strike="noStrike" spc="-1" dirty="0">
+                <a:latin typeface="Arial"/>
+              </a:rPr>
+              <a:t>docker run -d -p 8080:80 -v </a:t>
+            </a:r>
+            <a:r>
+              <a:rPr lang="en-IN" sz="2400" b="0" strike="noStrike" spc="-1" dirty="0" err="1">
+                <a:latin typeface="Arial"/>
+              </a:rPr>
+              <a:t>hostFolderPath:containerPath:ro</a:t>
+            </a:r>
+            <a:r>
+              <a:rPr lang="en-IN" sz="2400" b="0" strike="noStrike" spc="-1" dirty="0">
+                <a:latin typeface="Arial"/>
+              </a:rPr>
+              <a:t> --name server </a:t>
+            </a:r>
+            <a:r>
+              <a:rPr lang="en-IN" sz="2400" b="0" strike="noStrike" spc="-1" dirty="0" err="1">
+                <a:latin typeface="Arial"/>
+              </a:rPr>
+              <a:t>nginx</a:t>
+            </a:r>
+            <a:endParaRPr lang="en-IN" sz="2400" b="0" strike="noStrike" spc="-1" dirty="0">
+              <a:latin typeface="Arial"/>
+            </a:endParaRPr>
+          </a:p>
+          <a:p>
+            <a:pPr marL="432000" indent="-323640">
+              <a:lnSpc>
+                <a:spcPct val="100000"/>
+              </a:lnSpc>
+              <a:spcBef>
+                <a:spcPts val="1060"/>
+              </a:spcBef>
+              <a:buClr>
+                <a:srgbClr val="000000"/>
+              </a:buClr>
+              <a:buSzPct val="45000"/>
+              <a:buFont typeface="Wingdings" charset="2"/>
+              <a:buChar char=""/>
+            </a:pPr>
+            <a:r>
+              <a:rPr lang="en-IN" sz="2400" b="0" strike="noStrike" spc="-1" dirty="0">
+                <a:latin typeface="Arial"/>
+              </a:rPr>
+              <a:t>docker exec -it server(name of running container) bash</a:t>
+            </a:r>
+          </a:p>
+          <a:p>
+            <a:pPr marL="432000" indent="-323640">
+              <a:lnSpc>
+                <a:spcPct val="100000"/>
+              </a:lnSpc>
+              <a:spcBef>
+                <a:spcPts val="1060"/>
+              </a:spcBef>
+              <a:buClr>
+                <a:srgbClr val="000000"/>
+              </a:buClr>
+              <a:buSzPct val="45000"/>
+              <a:buFont typeface="Wingdings" charset="2"/>
+              <a:buChar char=""/>
+            </a:pPr>
+            <a:r>
+              <a:rPr lang="en-IN" sz="2400" b="0" strike="noStrike" spc="-1" dirty="0">
+                <a:latin typeface="Arial"/>
+              </a:rPr>
+              <a:t>Docker </a:t>
+            </a:r>
+            <a:r>
+              <a:rPr lang="en-IN" sz="2400" b="0" strike="noStrike" spc="-1" dirty="0" err="1">
+                <a:latin typeface="Arial"/>
+              </a:rPr>
+              <a:t>ps</a:t>
+            </a:r>
+            <a:endParaRPr lang="en-IN" sz="2400" b="0" strike="noStrike" spc="-1" dirty="0">
+              <a:latin typeface="Arial"/>
+            </a:endParaRPr>
+          </a:p>
+          <a:p>
+            <a:pPr marL="432000" indent="-323640">
+              <a:lnSpc>
+                <a:spcPct val="100000"/>
+              </a:lnSpc>
+              <a:spcBef>
+                <a:spcPts val="1060"/>
+              </a:spcBef>
+              <a:buClr>
+                <a:srgbClr val="000000"/>
+              </a:buClr>
+              <a:buSzPct val="45000"/>
+              <a:buFont typeface="Wingdings" charset="2"/>
+              <a:buChar char=""/>
+            </a:pPr>
+            <a:r>
+              <a:rPr lang="en-IN" sz="2400" b="0" strike="noStrike" spc="-1" dirty="0">
+                <a:latin typeface="Arial"/>
+              </a:rPr>
+              <a:t>docker build -t </a:t>
+            </a:r>
+            <a:r>
+              <a:rPr lang="en-IN" sz="2400" b="0" strike="noStrike" spc="-1" dirty="0" err="1">
+                <a:latin typeface="Arial"/>
+              </a:rPr>
+              <a:t>website:latest</a:t>
+            </a:r>
+            <a:r>
+              <a:rPr lang="en-IN" sz="2400" b="0" strike="noStrike" spc="-1" dirty="0">
+                <a:latin typeface="Arial"/>
+              </a:rPr>
+              <a:t> .</a:t>
+            </a:r>
+          </a:p>
+        </p:txBody>
+      </p:sp>
     </p:spTree>
   </p:cSld>
   <p:clrMapOvr>
@@ -12189,68 +12614,14 @@
       </p:grpSpPr>
       <p:sp>
         <p:nvSpPr>
-          <p:cNvPr id="3" name="AutoShape 2" descr="Diagram showing the relationships and dependencies between docker, Kubernetes, CRI-O, containerd and runc"/>
-          <p:cNvSpPr>
-            <a:spLocks noChangeAspect="1" noChangeArrowheads="1"/>
-          </p:cNvSpPr>
+          <p:cNvPr id="206" name="CustomShape 1"/>
+          <p:cNvSpPr/>
           <p:nvPr/>
         </p:nvSpPr>
-        <p:spPr bwMode="auto">
-          <a:xfrm>
-            <a:off x="155575" y="-144463"/>
-            <a:ext cx="304800" cy="304801"/>
-          </a:xfrm>
-          <a:prstGeom prst="rect">
-            <a:avLst/>
-          </a:prstGeom>
-          <a:noFill/>
-          <a:extLst>
-            <a:ext uri="{909E8E84-426E-40DD-AFC4-6F175D3DCCD1}">
-              <a14:hiddenFill xmlns:a14="http://schemas.microsoft.com/office/drawing/2010/main">
-                <a:solidFill>
-                  <a:srgbClr val="FFFFFF"/>
-                </a:solidFill>
-              </a14:hiddenFill>
-            </a:ext>
-          </a:extLst>
-        </p:spPr>
-        <p:txBody>
-          <a:bodyPr vert="horz" wrap="square" lIns="91440" tIns="45720" rIns="91440" bIns="45720" numCol="1" anchor="t" anchorCtr="0" compatLnSpc="1">
-            <a:prstTxWarp prst="textNoShape">
-              <a:avLst/>
-            </a:prstTxWarp>
-          </a:bodyPr>
-          <a:lstStyle/>
-          <a:p>
-            <a:endParaRPr lang="en-IN"/>
-          </a:p>
-        </p:txBody>
-      </p:sp>
-      <p:pic>
-        <p:nvPicPr>
-          <p:cNvPr id="4099" name="Picture 3"/>
-          <p:cNvPicPr>
-            <a:picLocks noChangeAspect="1" noChangeArrowheads="1"/>
-          </p:cNvPicPr>
-          <p:nvPr/>
-        </p:nvPicPr>
-        <p:blipFill>
-          <a:blip r:embed="rId3" cstate="print">
-            <a:extLst>
-              <a:ext uri="{28A0092B-C50C-407E-A947-70E740481C1C}">
-                <a14:useLocalDpi xmlns:a14="http://schemas.microsoft.com/office/drawing/2010/main" val="0"/>
-              </a:ext>
-            </a:extLst>
-          </a:blip>
-          <a:srcRect/>
-          <a:stretch>
-            <a:fillRect/>
-          </a:stretch>
-        </p:blipFill>
-        <p:spPr bwMode="auto">
-          <a:xfrm>
-            <a:off x="1666630" y="160338"/>
-            <a:ext cx="2650382" cy="4460031"/>
+        <p:spPr>
+          <a:xfrm>
+            <a:off x="648000" y="216000"/>
+            <a:ext cx="9071280" cy="946080"/>
           </a:xfrm>
           <a:prstGeom prst="rect">
             <a:avLst/>
@@ -12259,47 +12630,242 @@
           <a:ln>
             <a:noFill/>
           </a:ln>
-          <a:effectLst/>
-          <a:extLst>
-            <a:ext uri="{909E8E84-426E-40DD-AFC4-6F175D3DCCD1}">
-              <a14:hiddenFill xmlns:a14="http://schemas.microsoft.com/office/drawing/2010/main">
+        </p:spPr>
+        <p:style>
+          <a:lnRef idx="0">
+            <a:scrgbClr r="0" g="0" b="0"/>
+          </a:lnRef>
+          <a:fillRef idx="0">
+            <a:scrgbClr r="0" g="0" b="0"/>
+          </a:fillRef>
+          <a:effectRef idx="0">
+            <a:scrgbClr r="0" g="0" b="0"/>
+          </a:effectRef>
+          <a:fontRef idx="minor"/>
+        </p:style>
+        <p:txBody>
+          <a:bodyPr lIns="0" tIns="0" rIns="0" bIns="0" anchor="ctr">
+            <a:noAutofit/>
+          </a:bodyPr>
+          <a:lstStyle/>
+          <a:p>
+            <a:pPr algn="ctr">
+              <a:lnSpc>
+                <a:spcPct val="100000"/>
+              </a:lnSpc>
+            </a:pPr>
+            <a:r>
+              <a:rPr lang="en-IN" sz="3300" b="0" strike="noStrike" spc="-1">
                 <a:solidFill>
-                  <a:schemeClr val="accent1"/>
+                  <a:srgbClr val="006699"/>
                 </a:solidFill>
-              </a14:hiddenFill>
-            </a:ext>
-            <a:ext uri="{91240B29-F687-4F45-9708-019B960494DF}">
-              <a14:hiddenLine xmlns:a14="http://schemas.microsoft.com/office/drawing/2010/main" w="9525">
-                <a:solidFill>
-                  <a:schemeClr val="tx1"/>
-                </a:solidFill>
-                <a:miter lim="800000"/>
-                <a:headEnd/>
-                <a:tailEnd/>
-              </a14:hiddenLine>
-            </a:ext>
-            <a:ext uri="{AF507438-7753-43E0-B8FC-AC1667EBCBE1}">
-              <a14:hiddenEffects xmlns:a14="http://schemas.microsoft.com/office/drawing/2010/main">
-                <a:effectLst>
-                  <a:outerShdw dist="35921" dir="2700000" algn="ctr" rotWithShape="0">
-                    <a:schemeClr val="bg2"/>
-                  </a:outerShdw>
-                </a:effectLst>
-              </a14:hiddenEffects>
-            </a:ext>
-          </a:extLst>
-        </p:spPr>
-      </p:pic>
+                <a:latin typeface="Arial"/>
+              </a:rPr>
+              <a:t>Kubernets Overview</a:t>
+            </a:r>
+            <a:endParaRPr lang="en-IN" sz="3300" b="0" strike="noStrike" spc="-1">
+              <a:latin typeface="Arial"/>
+            </a:endParaRPr>
+          </a:p>
+        </p:txBody>
+      </p:sp>
+      <p:sp>
+        <p:nvSpPr>
+          <p:cNvPr id="207" name="CustomShape 2"/>
+          <p:cNvSpPr/>
+          <p:nvPr/>
+        </p:nvSpPr>
+        <p:spPr>
+          <a:xfrm>
+            <a:off x="576360" y="1490400"/>
+            <a:ext cx="9071280" cy="2757240"/>
+          </a:xfrm>
+          <a:prstGeom prst="rect">
+            <a:avLst/>
+          </a:prstGeom>
+          <a:noFill/>
+          <a:ln>
+            <a:noFill/>
+          </a:ln>
+        </p:spPr>
+        <p:style>
+          <a:lnRef idx="0">
+            <a:scrgbClr r="0" g="0" b="0"/>
+          </a:lnRef>
+          <a:fillRef idx="0">
+            <a:scrgbClr r="0" g="0" b="0"/>
+          </a:fillRef>
+          <a:effectRef idx="0">
+            <a:scrgbClr r="0" g="0" b="0"/>
+          </a:effectRef>
+          <a:fontRef idx="minor"/>
+        </p:style>
+        <p:txBody>
+          <a:bodyPr lIns="0" tIns="0" rIns="0" bIns="0">
+            <a:normAutofit fontScale="92500" lnSpcReduction="20000"/>
+          </a:bodyPr>
+          <a:lstStyle/>
+          <a:p>
+            <a:pPr marL="432000" indent="-323640">
+              <a:lnSpc>
+                <a:spcPct val="100000"/>
+              </a:lnSpc>
+              <a:spcBef>
+                <a:spcPts val="1060"/>
+              </a:spcBef>
+              <a:buClr>
+                <a:srgbClr val="000000"/>
+              </a:buClr>
+              <a:buSzPct val="45000"/>
+              <a:buFont typeface="Wingdings" charset="2"/>
+              <a:buChar char=""/>
+            </a:pPr>
+            <a:r>
+              <a:rPr lang="en-US" sz="2400" dirty="0" err="1"/>
+              <a:t>Kubernetes</a:t>
+            </a:r>
+            <a:r>
+              <a:rPr lang="en-US" sz="2400" dirty="0"/>
+              <a:t> (K8s) is an open-source container orchestration platform that automates deployment, scaling, and management of containerized </a:t>
+            </a:r>
+            <a:r>
+              <a:rPr lang="en-US" sz="2400" dirty="0" smtClean="0"/>
+              <a:t>applications</a:t>
+            </a:r>
+            <a:endParaRPr lang="en-US" sz="2400" dirty="0" smtClean="0"/>
+          </a:p>
+          <a:p>
+            <a:pPr marL="432000" indent="-323640">
+              <a:lnSpc>
+                <a:spcPct val="100000"/>
+              </a:lnSpc>
+              <a:spcBef>
+                <a:spcPts val="1060"/>
+              </a:spcBef>
+              <a:buClr>
+                <a:srgbClr val="000000"/>
+              </a:buClr>
+              <a:buSzPct val="45000"/>
+              <a:buFont typeface="Wingdings" charset="2"/>
+              <a:buChar char=""/>
+            </a:pPr>
+            <a:r>
+              <a:rPr lang="en-US" sz="2400" dirty="0" err="1" smtClean="0"/>
+              <a:t>Kubernetes</a:t>
+            </a:r>
+            <a:r>
+              <a:rPr lang="en-US" sz="2400" dirty="0" smtClean="0"/>
+              <a:t> </a:t>
+            </a:r>
+            <a:r>
+              <a:rPr lang="en-US" sz="2400" dirty="0"/>
+              <a:t>supports container runtimes such as </a:t>
+            </a:r>
+            <a:r>
+              <a:rPr lang="en-US" sz="2400" dirty="0" err="1">
+                <a:hlinkClick r:id="rId2"/>
+              </a:rPr>
+              <a:t>containerd</a:t>
+            </a:r>
+            <a:r>
+              <a:rPr lang="en-US" sz="2400" dirty="0"/>
+              <a:t>, </a:t>
+            </a:r>
+            <a:r>
+              <a:rPr lang="en-US" sz="2400" dirty="0">
+                <a:hlinkClick r:id="rId3"/>
+              </a:rPr>
+              <a:t>CRI-O</a:t>
+            </a:r>
+            <a:r>
+              <a:rPr lang="en-US" sz="2400" dirty="0"/>
+              <a:t>, and any other implementation of the </a:t>
+            </a:r>
+            <a:r>
+              <a:rPr lang="en-US" sz="2400" dirty="0" err="1">
+                <a:hlinkClick r:id="rId4"/>
+              </a:rPr>
+              <a:t>Kubernetes</a:t>
+            </a:r>
+            <a:r>
+              <a:rPr lang="en-US" sz="2400" dirty="0">
+                <a:hlinkClick r:id="rId4"/>
+              </a:rPr>
+              <a:t> CRI (Container Runtime Interface</a:t>
+            </a:r>
+            <a:r>
+              <a:rPr lang="en-US" sz="2400" dirty="0" smtClean="0">
+                <a:hlinkClick r:id="rId4"/>
+              </a:rPr>
+              <a:t>)</a:t>
+            </a:r>
+            <a:endParaRPr lang="en-IN" sz="2400" b="0" strike="noStrike" spc="-1" dirty="0">
+              <a:latin typeface="Arial"/>
+            </a:endParaRPr>
+          </a:p>
+          <a:p>
+            <a:pPr marL="432000" indent="-323640">
+              <a:lnSpc>
+                <a:spcPct val="100000"/>
+              </a:lnSpc>
+              <a:spcBef>
+                <a:spcPts val="1060"/>
+              </a:spcBef>
+              <a:buClr>
+                <a:srgbClr val="000000"/>
+              </a:buClr>
+              <a:buSzPct val="45000"/>
+              <a:buFont typeface="Wingdings" charset="2"/>
+              <a:buChar char=""/>
+            </a:pPr>
+            <a:r>
+              <a:rPr lang="en-IN" sz="2400" b="0" strike="noStrike" spc="-1" dirty="0">
+                <a:latin typeface="Arial"/>
+              </a:rPr>
+              <a:t>Orchestration tool</a:t>
+            </a:r>
+          </a:p>
+          <a:p>
+            <a:pPr marL="432000" indent="-323640">
+              <a:lnSpc>
+                <a:spcPct val="100000"/>
+              </a:lnSpc>
+              <a:spcBef>
+                <a:spcPts val="1060"/>
+              </a:spcBef>
+              <a:buClr>
+                <a:srgbClr val="000000"/>
+              </a:buClr>
+              <a:buSzPct val="45000"/>
+              <a:buFont typeface="Wingdings" charset="2"/>
+              <a:buChar char=""/>
+            </a:pPr>
+            <a:r>
+              <a:rPr lang="en-IN" sz="2400" b="0" strike="noStrike" spc="-1" dirty="0">
+                <a:latin typeface="Arial"/>
+              </a:rPr>
+              <a:t>Easy to use</a:t>
+            </a:r>
+          </a:p>
+        </p:txBody>
+      </p:sp>
     </p:spTree>
-    <p:extLst>
-      <p:ext uri="{BB962C8B-B14F-4D97-AF65-F5344CB8AC3E}">
-        <p14:creationId xmlns:p14="http://schemas.microsoft.com/office/powerpoint/2010/main" val="605331247"/>
-      </p:ext>
-    </p:extLst>
   </p:cSld>
   <p:clrMapOvr>
     <a:masterClrMapping/>
   </p:clrMapOvr>
+  <mc:AlternateContent xmlns:mc="http://schemas.openxmlformats.org/markup-compatibility/2006" xmlns:p14="http://schemas.microsoft.com/office/powerpoint/2010/main">
+    <mc:Choice Requires="p14">
+      <p:transition spd="slow" p14:dur="2000">
+        <p:cover dir="d"/>
+      </p:transition>
+    </mc:Choice>
+    <mc:Fallback xmlns:p15="http://schemas.microsoft.com/office/powerpoint/2012/main" xmlns="">
+      <p:transition spd="slow">
+        <p:cover dir="d"/>
+      </p:transition>
+    </mc:Fallback>
+  </mc:AlternateContent>
   <p:timing>
     <p:tnLst>
       <p:par>
@@ -12329,13 +12895,13 @@
       </p:grpSpPr>
       <p:sp>
         <p:nvSpPr>
-          <p:cNvPr id="211" name="CustomShape 1"/>
+          <p:cNvPr id="209" name="CustomShape 1"/>
           <p:cNvSpPr/>
           <p:nvPr/>
         </p:nvSpPr>
         <p:spPr>
           <a:xfrm>
-            <a:off x="360360" y="277560"/>
+            <a:off x="432000" y="216000"/>
             <a:ext cx="9071280" cy="946080"/>
           </a:xfrm>
           <a:prstGeom prst="rect">
@@ -12376,7 +12942,7 @@
                 </a:solidFill>
                 <a:latin typeface="Arial"/>
               </a:rPr>
-              <a:t>Master Nodes</a:t>
+              <a:t>Kubernetes Architecture</a:t>
             </a:r>
             <a:endParaRPr lang="en-IN" sz="3300" b="0" strike="noStrike" spc="-1">
               <a:latin typeface="Arial"/>
@@ -12386,7 +12952,7 @@
       </p:sp>
       <p:pic>
         <p:nvPicPr>
-          <p:cNvPr id="212" name="Picture 211"/>
+          <p:cNvPr id="210" name="Picture 209"/>
           <p:cNvPicPr/>
           <p:nvPr/>
         </p:nvPicPr>
@@ -12396,8 +12962,8 @@
         </p:blipFill>
         <p:spPr>
           <a:xfrm>
-            <a:off x="769680" y="1152000"/>
-            <a:ext cx="8013960" cy="3623400"/>
+            <a:off x="864000" y="864000"/>
+            <a:ext cx="8205480" cy="3891240"/>
           </a:xfrm>
           <a:prstGeom prst="rect">
             <a:avLst/>
@@ -12453,7 +13019,7 @@
       </p:grpSpPr>
       <p:sp>
         <p:nvSpPr>
-          <p:cNvPr id="4" name="AutoShape 2" descr="Components of Kubernetes"/>
+          <p:cNvPr id="3" name="AutoShape 2" descr="Diagram showing the relationships and dependencies between docker, Kubernetes, CRI-O, containerd and runc"/>
           <p:cNvSpPr>
             <a:spLocks noChangeAspect="1" noChangeArrowheads="1"/>
           </p:cNvSpPr>
@@ -12490,55 +13056,16 @@
           </a:p>
         </p:txBody>
       </p:sp>
-      <p:sp>
-        <p:nvSpPr>
-          <p:cNvPr id="5" name="AutoShape 4" descr="Components of Kubernetes"/>
-          <p:cNvSpPr>
-            <a:spLocks noChangeAspect="1" noChangeArrowheads="1"/>
-          </p:cNvSpPr>
-          <p:nvPr/>
-        </p:nvSpPr>
-        <p:spPr bwMode="auto">
-          <a:xfrm>
-            <a:off x="307975" y="7937"/>
-            <a:ext cx="304800" cy="304801"/>
-          </a:xfrm>
-          <a:prstGeom prst="rect">
-            <a:avLst/>
-          </a:prstGeom>
-          <a:noFill/>
-          <a:extLst>
-            <a:ext uri="{909E8E84-426E-40DD-AFC4-6F175D3DCCD1}">
-              <a14:hiddenFill xmlns:a14="http://schemas.microsoft.com/office/drawing/2010/main">
-                <a:solidFill>
-                  <a:srgbClr val="FFFFFF"/>
-                </a:solidFill>
-              </a14:hiddenFill>
-            </a:ext>
-          </a:extLst>
-        </p:spPr>
-        <p:txBody>
-          <a:bodyPr vert="horz" wrap="square" lIns="91440" tIns="45720" rIns="91440" bIns="45720" numCol="1" anchor="t" anchorCtr="0" compatLnSpc="1">
-            <a:prstTxWarp prst="textNoShape">
-              <a:avLst/>
-            </a:prstTxWarp>
-          </a:bodyPr>
-          <a:lstStyle/>
-          <a:p>
-            <a:endParaRPr lang="en-IN"/>
-          </a:p>
-        </p:txBody>
-      </p:sp>
       <p:pic>
         <p:nvPicPr>
-          <p:cNvPr id="3077" name="Picture 5"/>
+          <p:cNvPr id="4099" name="Picture 3"/>
           <p:cNvPicPr>
             <a:picLocks noChangeAspect="1" noChangeArrowheads="1"/>
           </p:cNvPicPr>
           <p:nvPr/>
         </p:nvPicPr>
         <p:blipFill>
-          <a:blip r:embed="rId2">
+          <a:blip r:embed="rId3" cstate="print">
             <a:extLst>
               <a:ext uri="{28A0092B-C50C-407E-A947-70E740481C1C}">
                 <a14:useLocalDpi xmlns:a14="http://schemas.microsoft.com/office/drawing/2010/main" val="0"/>
@@ -12552,8 +13079,8 @@
         </p:blipFill>
         <p:spPr bwMode="auto">
           <a:xfrm>
-            <a:off x="848616" y="495837"/>
-            <a:ext cx="8621724" cy="4028521"/>
+            <a:off x="1666630" y="160338"/>
+            <a:ext cx="2650382" cy="4460031"/>
           </a:xfrm>
           <a:prstGeom prst="rect">
             <a:avLst/>
@@ -12596,7 +13123,7 @@
     </p:spTree>
     <p:extLst>
       <p:ext uri="{BB962C8B-B14F-4D97-AF65-F5344CB8AC3E}">
-        <p14:creationId xmlns:p14="http://schemas.microsoft.com/office/powerpoint/2010/main" val="2825591862"/>
+        <p14:creationId xmlns:p14="http://schemas.microsoft.com/office/powerpoint/2010/main" val="605331247"/>
       </p:ext>
     </p:extLst>
   </p:cSld>
@@ -12630,9 +13157,66 @@
           <a:chExt cx="0" cy="0"/>
         </a:xfrm>
       </p:grpSpPr>
+      <p:sp>
+        <p:nvSpPr>
+          <p:cNvPr id="211" name="CustomShape 1"/>
+          <p:cNvSpPr/>
+          <p:nvPr/>
+        </p:nvSpPr>
+        <p:spPr>
+          <a:xfrm>
+            <a:off x="360360" y="277560"/>
+            <a:ext cx="9071280" cy="946080"/>
+          </a:xfrm>
+          <a:prstGeom prst="rect">
+            <a:avLst/>
+          </a:prstGeom>
+          <a:noFill/>
+          <a:ln>
+            <a:noFill/>
+          </a:ln>
+        </p:spPr>
+        <p:style>
+          <a:lnRef idx="0">
+            <a:scrgbClr r="0" g="0" b="0"/>
+          </a:lnRef>
+          <a:fillRef idx="0">
+            <a:scrgbClr r="0" g="0" b="0"/>
+          </a:fillRef>
+          <a:effectRef idx="0">
+            <a:scrgbClr r="0" g="0" b="0"/>
+          </a:effectRef>
+          <a:fontRef idx="minor"/>
+        </p:style>
+        <p:txBody>
+          <a:bodyPr lIns="0" tIns="0" rIns="0" bIns="0" anchor="ctr">
+            <a:noAutofit/>
+          </a:bodyPr>
+          <a:lstStyle/>
+          <a:p>
+            <a:pPr algn="ctr">
+              <a:lnSpc>
+                <a:spcPct val="100000"/>
+              </a:lnSpc>
+            </a:pPr>
+            <a:r>
+              <a:rPr lang="en-IN" sz="3300" b="0" strike="noStrike" spc="-1">
+                <a:solidFill>
+                  <a:srgbClr val="006699"/>
+                </a:solidFill>
+                <a:latin typeface="Arial"/>
+              </a:rPr>
+              <a:t>Master Nodes</a:t>
+            </a:r>
+            <a:endParaRPr lang="en-IN" sz="3300" b="0" strike="noStrike" spc="-1">
+              <a:latin typeface="Arial"/>
+            </a:endParaRPr>
+          </a:p>
+        </p:txBody>
+      </p:sp>
       <p:pic>
         <p:nvPicPr>
-          <p:cNvPr id="215" name="Picture 214"/>
+          <p:cNvPr id="212" name="Picture 211"/>
           <p:cNvPicPr/>
           <p:nvPr/>
         </p:nvPicPr>
@@ -12642,8 +13226,8 @@
         </p:blipFill>
         <p:spPr>
           <a:xfrm>
-            <a:off x="457560" y="317160"/>
-            <a:ext cx="8686080" cy="5226480"/>
+            <a:off x="769680" y="1152000"/>
+            <a:ext cx="8013960" cy="3623400"/>
           </a:xfrm>
           <a:prstGeom prst="rect">
             <a:avLst/>
@@ -12697,69 +13281,158 @@
           <a:chExt cx="0" cy="0"/>
         </a:xfrm>
       </p:grpSpPr>
+      <p:sp>
+        <p:nvSpPr>
+          <p:cNvPr id="4" name="AutoShape 2" descr="Components of Kubernetes"/>
+          <p:cNvSpPr>
+            <a:spLocks noChangeAspect="1" noChangeArrowheads="1"/>
+          </p:cNvSpPr>
+          <p:nvPr/>
+        </p:nvSpPr>
+        <p:spPr bwMode="auto">
+          <a:xfrm>
+            <a:off x="155575" y="-144463"/>
+            <a:ext cx="304800" cy="304801"/>
+          </a:xfrm>
+          <a:prstGeom prst="rect">
+            <a:avLst/>
+          </a:prstGeom>
+          <a:noFill/>
+          <a:extLst>
+            <a:ext uri="{909E8E84-426E-40DD-AFC4-6F175D3DCCD1}">
+              <a14:hiddenFill xmlns:a14="http://schemas.microsoft.com/office/drawing/2010/main">
+                <a:solidFill>
+                  <a:srgbClr val="FFFFFF"/>
+                </a:solidFill>
+              </a14:hiddenFill>
+            </a:ext>
+          </a:extLst>
+        </p:spPr>
+        <p:txBody>
+          <a:bodyPr vert="horz" wrap="square" lIns="91440" tIns="45720" rIns="91440" bIns="45720" numCol="1" anchor="t" anchorCtr="0" compatLnSpc="1">
+            <a:prstTxWarp prst="textNoShape">
+              <a:avLst/>
+            </a:prstTxWarp>
+          </a:bodyPr>
+          <a:lstStyle/>
+          <a:p>
+            <a:endParaRPr lang="en-IN"/>
+          </a:p>
+        </p:txBody>
+      </p:sp>
+      <p:sp>
+        <p:nvSpPr>
+          <p:cNvPr id="5" name="AutoShape 4" descr="Components of Kubernetes"/>
+          <p:cNvSpPr>
+            <a:spLocks noChangeAspect="1" noChangeArrowheads="1"/>
+          </p:cNvSpPr>
+          <p:nvPr/>
+        </p:nvSpPr>
+        <p:spPr bwMode="auto">
+          <a:xfrm>
+            <a:off x="307975" y="7937"/>
+            <a:ext cx="304800" cy="304801"/>
+          </a:xfrm>
+          <a:prstGeom prst="rect">
+            <a:avLst/>
+          </a:prstGeom>
+          <a:noFill/>
+          <a:extLst>
+            <a:ext uri="{909E8E84-426E-40DD-AFC4-6F175D3DCCD1}">
+              <a14:hiddenFill xmlns:a14="http://schemas.microsoft.com/office/drawing/2010/main">
+                <a:solidFill>
+                  <a:srgbClr val="FFFFFF"/>
+                </a:solidFill>
+              </a14:hiddenFill>
+            </a:ext>
+          </a:extLst>
+        </p:spPr>
+        <p:txBody>
+          <a:bodyPr vert="horz" wrap="square" lIns="91440" tIns="45720" rIns="91440" bIns="45720" numCol="1" anchor="t" anchorCtr="0" compatLnSpc="1">
+            <a:prstTxWarp prst="textNoShape">
+              <a:avLst/>
+            </a:prstTxWarp>
+          </a:bodyPr>
+          <a:lstStyle/>
+          <a:p>
+            <a:endParaRPr lang="en-IN"/>
+          </a:p>
+        </p:txBody>
+      </p:sp>
       <p:pic>
         <p:nvPicPr>
-          <p:cNvPr id="216" name="Picture 215"/>
-          <p:cNvPicPr/>
+          <p:cNvPr id="3077" name="Picture 5"/>
+          <p:cNvPicPr>
+            <a:picLocks noChangeAspect="1" noChangeArrowheads="1"/>
+          </p:cNvPicPr>
           <p:nvPr/>
         </p:nvPicPr>
         <p:blipFill>
-          <a:blip r:embed="rId2"/>
-          <a:stretch/>
+          <a:blip r:embed="rId2">
+            <a:extLst>
+              <a:ext uri="{28A0092B-C50C-407E-A947-70E740481C1C}">
+                <a14:useLocalDpi xmlns:a14="http://schemas.microsoft.com/office/drawing/2010/main" val="0"/>
+              </a:ext>
+            </a:extLst>
+          </a:blip>
+          <a:srcRect/>
+          <a:stretch>
+            <a:fillRect/>
+          </a:stretch>
         </p:blipFill>
-        <p:spPr>
-          <a:xfrm>
-            <a:off x="1187280" y="72000"/>
-            <a:ext cx="7236360" cy="1727640"/>
-          </a:xfrm>
-          <a:prstGeom prst="rect">
-            <a:avLst/>
-          </a:prstGeom>
+        <p:spPr bwMode="auto">
+          <a:xfrm>
+            <a:off x="848616" y="495837"/>
+            <a:ext cx="8621724" cy="4028521"/>
+          </a:xfrm>
+          <a:prstGeom prst="rect">
+            <a:avLst/>
+          </a:prstGeom>
+          <a:noFill/>
           <a:ln>
             <a:noFill/>
           </a:ln>
-        </p:spPr>
-      </p:pic>
-      <p:pic>
-        <p:nvPicPr>
-          <p:cNvPr id="217" name="Picture 216"/>
-          <p:cNvPicPr/>
-          <p:nvPr/>
-        </p:nvPicPr>
-        <p:blipFill>
-          <a:blip r:embed="rId3"/>
-          <a:stretch/>
-        </p:blipFill>
-        <p:spPr>
-          <a:xfrm>
-            <a:off x="1226160" y="2310840"/>
-            <a:ext cx="6621480" cy="2152800"/>
-          </a:xfrm>
-          <a:prstGeom prst="rect">
-            <a:avLst/>
-          </a:prstGeom>
-          <a:ln>
-            <a:noFill/>
-          </a:ln>
+          <a:effectLst/>
+          <a:extLst>
+            <a:ext uri="{909E8E84-426E-40DD-AFC4-6F175D3DCCD1}">
+              <a14:hiddenFill xmlns:a14="http://schemas.microsoft.com/office/drawing/2010/main">
+                <a:solidFill>
+                  <a:schemeClr val="accent1"/>
+                </a:solidFill>
+              </a14:hiddenFill>
+            </a:ext>
+            <a:ext uri="{91240B29-F687-4F45-9708-019B960494DF}">
+              <a14:hiddenLine xmlns:a14="http://schemas.microsoft.com/office/drawing/2010/main" w="9525">
+                <a:solidFill>
+                  <a:schemeClr val="tx1"/>
+                </a:solidFill>
+                <a:miter lim="800000"/>
+                <a:headEnd/>
+                <a:tailEnd/>
+              </a14:hiddenLine>
+            </a:ext>
+            <a:ext uri="{AF507438-7753-43E0-B8FC-AC1667EBCBE1}">
+              <a14:hiddenEffects xmlns:a14="http://schemas.microsoft.com/office/drawing/2010/main">
+                <a:effectLst>
+                  <a:outerShdw dist="35921" dir="2700000" algn="ctr" rotWithShape="0">
+                    <a:schemeClr val="bg2"/>
+                  </a:outerShdw>
+                </a:effectLst>
+              </a14:hiddenEffects>
+            </a:ext>
+          </a:extLst>
         </p:spPr>
       </p:pic>
     </p:spTree>
+    <p:extLst>
+      <p:ext uri="{BB962C8B-B14F-4D97-AF65-F5344CB8AC3E}">
+        <p14:creationId xmlns:p14="http://schemas.microsoft.com/office/powerpoint/2010/main" val="2825591862"/>
+      </p:ext>
+    </p:extLst>
   </p:cSld>
   <p:clrMapOvr>
     <a:masterClrMapping/>
   </p:clrMapOvr>
-  <mc:AlternateContent xmlns:mc="http://schemas.openxmlformats.org/markup-compatibility/2006" xmlns:p14="http://schemas.microsoft.com/office/powerpoint/2010/main">
-    <mc:Choice Requires="p14">
-      <p:transition spd="slow" p14:dur="2000">
-        <p:cover dir="d"/>
-      </p:transition>
-    </mc:Choice>
-    <mc:Fallback xmlns:p15="http://schemas.microsoft.com/office/powerpoint/2012/main" xmlns="">
-      <p:transition spd="slow">
-        <p:cover dir="d"/>
-      </p:transition>
-    </mc:Fallback>
-  </mc:AlternateContent>
   <p:timing>
     <p:tnLst>
       <p:par>
@@ -12789,7 +13462,7 @@
       </p:grpSpPr>
       <p:pic>
         <p:nvPicPr>
-          <p:cNvPr id="218" name="Picture 217"/>
+          <p:cNvPr id="215" name="Picture 214"/>
           <p:cNvPicPr/>
           <p:nvPr/>
         </p:nvPicPr>
@@ -12799,8 +13472,8 @@
         </p:blipFill>
         <p:spPr>
           <a:xfrm>
-            <a:off x="1656360" y="864000"/>
-            <a:ext cx="7055280" cy="3887640"/>
+            <a:off x="457560" y="317160"/>
+            <a:ext cx="8686080" cy="5226480"/>
           </a:xfrm>
           <a:prstGeom prst="rect">
             <a:avLst/>
@@ -12810,63 +13483,6 @@
           </a:ln>
         </p:spPr>
       </p:pic>
-      <p:sp>
-        <p:nvSpPr>
-          <p:cNvPr id="219" name="CustomShape 1"/>
-          <p:cNvSpPr/>
-          <p:nvPr/>
-        </p:nvSpPr>
-        <p:spPr>
-          <a:xfrm>
-            <a:off x="432360" y="277560"/>
-            <a:ext cx="9071280" cy="946080"/>
-          </a:xfrm>
-          <a:prstGeom prst="rect">
-            <a:avLst/>
-          </a:prstGeom>
-          <a:noFill/>
-          <a:ln>
-            <a:noFill/>
-          </a:ln>
-        </p:spPr>
-        <p:style>
-          <a:lnRef idx="0">
-            <a:scrgbClr r="0" g="0" b="0"/>
-          </a:lnRef>
-          <a:fillRef idx="0">
-            <a:scrgbClr r="0" g="0" b="0"/>
-          </a:fillRef>
-          <a:effectRef idx="0">
-            <a:scrgbClr r="0" g="0" b="0"/>
-          </a:effectRef>
-          <a:fontRef idx="minor"/>
-        </p:style>
-        <p:txBody>
-          <a:bodyPr lIns="0" tIns="0" rIns="0" bIns="0" anchor="ctr">
-            <a:noAutofit/>
-          </a:bodyPr>
-          <a:lstStyle/>
-          <a:p>
-            <a:pPr algn="ctr">
-              <a:lnSpc>
-                <a:spcPct val="100000"/>
-              </a:lnSpc>
-            </a:pPr>
-            <a:r>
-              <a:rPr lang="en-IN" sz="3300" b="0" strike="noStrike" spc="-1" dirty="0">
-                <a:solidFill>
-                  <a:srgbClr val="006699"/>
-                </a:solidFill>
-                <a:latin typeface="Arial"/>
-              </a:rPr>
-              <a:t>Application deploy and roll back</a:t>
-            </a:r>
-            <a:endParaRPr lang="en-IN" sz="3300" b="0" strike="noStrike" spc="-1" dirty="0">
-              <a:latin typeface="Arial"/>
-            </a:endParaRPr>
-          </a:p>
-        </p:txBody>
-      </p:sp>
     </p:spTree>
   </p:cSld>
   <p:clrMapOvr>
@@ -12913,7 +13529,7 @@
       </p:grpSpPr>
       <p:pic>
         <p:nvPicPr>
-          <p:cNvPr id="220" name="Picture 219"/>
+          <p:cNvPr id="216" name="Picture 215"/>
           <p:cNvPicPr/>
           <p:nvPr/>
         </p:nvPicPr>
@@ -12923,8 +13539,31 @@
         </p:blipFill>
         <p:spPr>
           <a:xfrm>
-            <a:off x="-143640" y="-111960"/>
-            <a:ext cx="10079280" cy="4935600"/>
+            <a:off x="1187280" y="72000"/>
+            <a:ext cx="7236360" cy="1727640"/>
+          </a:xfrm>
+          <a:prstGeom prst="rect">
+            <a:avLst/>
+          </a:prstGeom>
+          <a:ln>
+            <a:noFill/>
+          </a:ln>
+        </p:spPr>
+      </p:pic>
+      <p:pic>
+        <p:nvPicPr>
+          <p:cNvPr id="217" name="Picture 216"/>
+          <p:cNvPicPr/>
+          <p:nvPr/>
+        </p:nvPicPr>
+        <p:blipFill>
+          <a:blip r:embed="rId3"/>
+          <a:stretch/>
+        </p:blipFill>
+        <p:spPr>
+          <a:xfrm>
+            <a:off x="1226160" y="2310840"/>
+            <a:ext cx="6621480" cy="2152800"/>
           </a:xfrm>
           <a:prstGeom prst="rect">
             <a:avLst/>
@@ -13088,7 +13727,7 @@
       </p:grpSpPr>
       <p:pic>
         <p:nvPicPr>
-          <p:cNvPr id="221" name="Picture 220"/>
+          <p:cNvPr id="218" name="Picture 217"/>
           <p:cNvPicPr/>
           <p:nvPr/>
         </p:nvPicPr>
@@ -13098,8 +13737,8 @@
         </p:blipFill>
         <p:spPr>
           <a:xfrm>
-            <a:off x="-72000" y="147240"/>
-            <a:ext cx="10079280" cy="4892400"/>
+            <a:off x="1656360" y="864000"/>
+            <a:ext cx="7055280" cy="3887640"/>
           </a:xfrm>
           <a:prstGeom prst="rect">
             <a:avLst/>
@@ -13109,6 +13748,63 @@
           </a:ln>
         </p:spPr>
       </p:pic>
+      <p:sp>
+        <p:nvSpPr>
+          <p:cNvPr id="219" name="CustomShape 1"/>
+          <p:cNvSpPr/>
+          <p:nvPr/>
+        </p:nvSpPr>
+        <p:spPr>
+          <a:xfrm>
+            <a:off x="432360" y="277560"/>
+            <a:ext cx="9071280" cy="946080"/>
+          </a:xfrm>
+          <a:prstGeom prst="rect">
+            <a:avLst/>
+          </a:prstGeom>
+          <a:noFill/>
+          <a:ln>
+            <a:noFill/>
+          </a:ln>
+        </p:spPr>
+        <p:style>
+          <a:lnRef idx="0">
+            <a:scrgbClr r="0" g="0" b="0"/>
+          </a:lnRef>
+          <a:fillRef idx="0">
+            <a:scrgbClr r="0" g="0" b="0"/>
+          </a:fillRef>
+          <a:effectRef idx="0">
+            <a:scrgbClr r="0" g="0" b="0"/>
+          </a:effectRef>
+          <a:fontRef idx="minor"/>
+        </p:style>
+        <p:txBody>
+          <a:bodyPr lIns="0" tIns="0" rIns="0" bIns="0" anchor="ctr">
+            <a:noAutofit/>
+          </a:bodyPr>
+          <a:lstStyle/>
+          <a:p>
+            <a:pPr algn="ctr">
+              <a:lnSpc>
+                <a:spcPct val="100000"/>
+              </a:lnSpc>
+            </a:pPr>
+            <a:r>
+              <a:rPr lang="en-IN" sz="3300" b="0" strike="noStrike" spc="-1" dirty="0">
+                <a:solidFill>
+                  <a:srgbClr val="006699"/>
+                </a:solidFill>
+                <a:latin typeface="Arial"/>
+              </a:rPr>
+              <a:t>Application deploy and roll back</a:t>
+            </a:r>
+            <a:endParaRPr lang="en-IN" sz="3300" b="0" strike="noStrike" spc="-1" dirty="0">
+              <a:latin typeface="Arial"/>
+            </a:endParaRPr>
+          </a:p>
+        </p:txBody>
+      </p:sp>
     </p:spTree>
   </p:cSld>
   <p:clrMapOvr>
@@ -13155,7 +13851,7 @@
       </p:grpSpPr>
       <p:pic>
         <p:nvPicPr>
-          <p:cNvPr id="222" name="Picture 221"/>
+          <p:cNvPr id="220" name="Picture 219"/>
           <p:cNvPicPr/>
           <p:nvPr/>
         </p:nvPicPr>
@@ -13165,8 +13861,8 @@
         </p:blipFill>
         <p:spPr>
           <a:xfrm>
-            <a:off x="-72000" y="72000"/>
-            <a:ext cx="10079280" cy="5104080"/>
+            <a:off x="-143640" y="-111960"/>
+            <a:ext cx="10079280" cy="4935600"/>
           </a:xfrm>
           <a:prstGeom prst="rect">
             <a:avLst/>
@@ -13222,7 +13918,7 @@
       </p:grpSpPr>
       <p:pic>
         <p:nvPicPr>
-          <p:cNvPr id="223" name="Picture 222"/>
+          <p:cNvPr id="221" name="Picture 220"/>
           <p:cNvPicPr/>
           <p:nvPr/>
         </p:nvPicPr>
@@ -13232,8 +13928,8 @@
         </p:blipFill>
         <p:spPr>
           <a:xfrm>
-            <a:off x="-1800" y="360000"/>
-            <a:ext cx="10079280" cy="4647960"/>
+            <a:off x="-72000" y="147240"/>
+            <a:ext cx="10079280" cy="4892400"/>
           </a:xfrm>
           <a:prstGeom prst="rect">
             <a:avLst/>
@@ -13287,130 +13983,46 @@
           <a:chExt cx="0" cy="0"/>
         </a:xfrm>
       </p:grpSpPr>
-      <p:sp>
-        <p:nvSpPr>
-          <p:cNvPr id="2" name="Title 1">
-            <a:extLst>
-              <a:ext uri="{FF2B5EF4-FFF2-40B4-BE49-F238E27FC236}">
-                <a16:creationId xmlns="" xmlns:a16="http://schemas.microsoft.com/office/drawing/2014/main" id="{3BFD7A7C-A06D-4725-AD1E-60C2D709F6B9}"/>
-              </a:ext>
-            </a:extLst>
-          </p:cNvPr>
-          <p:cNvSpPr>
-            <a:spLocks noGrp="1"/>
-          </p:cNvSpPr>
-          <p:nvPr>
-            <p:ph type="title"/>
-          </p:nvPr>
-        </p:nvSpPr>
-        <p:spPr>
-          <a:xfrm>
-            <a:off x="504000" y="312507"/>
-            <a:ext cx="9011544" cy="926845"/>
-          </a:xfrm>
-        </p:spPr>
-        <p:txBody>
-          <a:bodyPr/>
-          <a:lstStyle/>
-          <a:p>
-            <a:r>
-              <a:rPr lang="en-IN" sz="3300" spc="-1" dirty="0">
-                <a:solidFill>
-                  <a:srgbClr val="006699"/>
-                </a:solidFill>
-                <a:latin typeface="Arial"/>
-                <a:ea typeface="+mn-ea"/>
-                <a:cs typeface="+mn-cs"/>
-              </a:rPr>
-              <a:t>Helm charts</a:t>
-            </a:r>
-          </a:p>
-        </p:txBody>
-      </p:sp>
-      <p:sp>
-        <p:nvSpPr>
-          <p:cNvPr id="3" name="Subtitle 2">
-            <a:extLst>
-              <a:ext uri="{FF2B5EF4-FFF2-40B4-BE49-F238E27FC236}">
-                <a16:creationId xmlns="" xmlns:a16="http://schemas.microsoft.com/office/drawing/2014/main" id="{7B9CFF97-35DE-4C0C-937F-9875FFC93AA7}"/>
-              </a:ext>
-            </a:extLst>
-          </p:cNvPr>
-          <p:cNvSpPr>
-            <a:spLocks noGrp="1"/>
-          </p:cNvSpPr>
-          <p:nvPr>
-            <p:ph type="subTitle"/>
-          </p:nvPr>
-        </p:nvSpPr>
-        <p:spPr>
-          <a:xfrm>
-            <a:off x="352860" y="952184"/>
-            <a:ext cx="9072000" cy="3179365"/>
-          </a:xfrm>
-        </p:spPr>
-        <p:txBody>
-          <a:bodyPr/>
-          <a:lstStyle/>
-          <a:p>
-            <a:pPr marL="514350" indent="-514350">
-              <a:buFont typeface="+mj-lt"/>
-              <a:buAutoNum type="arabicPeriod"/>
-            </a:pPr>
-            <a:r>
-              <a:rPr lang="en-GB" sz="3200" b="0" i="0" dirty="0">
-                <a:solidFill>
-                  <a:srgbClr val="333333"/>
-                </a:solidFill>
-                <a:effectLst/>
-                <a:latin typeface="Public Sans"/>
-              </a:rPr>
-              <a:t>Helm uses a packaging format called </a:t>
-            </a:r>
-            <a:r>
-              <a:rPr lang="en-GB" sz="3200" b="0" i="1" dirty="0">
-                <a:solidFill>
-                  <a:srgbClr val="333333"/>
-                </a:solidFill>
-                <a:effectLst/>
-                <a:latin typeface="Public Sans"/>
-              </a:rPr>
-              <a:t>charts</a:t>
-            </a:r>
-          </a:p>
-          <a:p>
-            <a:pPr marL="514350" indent="-514350">
-              <a:buFont typeface="+mj-lt"/>
-              <a:buAutoNum type="arabicPeriod"/>
-            </a:pPr>
-            <a:r>
-              <a:rPr lang="en-GB" sz="3200" dirty="0">
-                <a:solidFill>
-                  <a:srgbClr val="333333"/>
-                </a:solidFill>
-                <a:latin typeface="Public Sans"/>
-              </a:rPr>
-              <a:t>A chart is a collection of files that describe a related set of Kubernetes resources</a:t>
-            </a:r>
-            <a:endParaRPr lang="en-IN" sz="3200" dirty="0">
-              <a:solidFill>
-                <a:srgbClr val="333333"/>
-              </a:solidFill>
-              <a:latin typeface="Public Sans"/>
-            </a:endParaRPr>
-          </a:p>
-        </p:txBody>
-      </p:sp>
+      <p:pic>
+        <p:nvPicPr>
+          <p:cNvPr id="222" name="Picture 221"/>
+          <p:cNvPicPr/>
+          <p:nvPr/>
+        </p:nvPicPr>
+        <p:blipFill>
+          <a:blip r:embed="rId2"/>
+          <a:stretch/>
+        </p:blipFill>
+        <p:spPr>
+          <a:xfrm>
+            <a:off x="-72000" y="72000"/>
+            <a:ext cx="10079280" cy="5104080"/>
+          </a:xfrm>
+          <a:prstGeom prst="rect">
+            <a:avLst/>
+          </a:prstGeom>
+          <a:ln>
+            <a:noFill/>
+          </a:ln>
+        </p:spPr>
+      </p:pic>
     </p:spTree>
-    <p:extLst>
-      <p:ext uri="{BB962C8B-B14F-4D97-AF65-F5344CB8AC3E}">
-        <p14:creationId xmlns:p14="http://schemas.microsoft.com/office/powerpoint/2010/main" val="1393752033"/>
-      </p:ext>
-    </p:extLst>
   </p:cSld>
   <p:clrMapOvr>
     <a:masterClrMapping/>
   </p:clrMapOvr>
+  <mc:AlternateContent xmlns:mc="http://schemas.openxmlformats.org/markup-compatibility/2006" xmlns:p14="http://schemas.microsoft.com/office/powerpoint/2010/main">
+    <mc:Choice Requires="p14">
+      <p:transition spd="slow" p14:dur="2000">
+        <p:cover dir="d"/>
+      </p:transition>
+    </mc:Choice>
+    <mc:Fallback xmlns:p15="http://schemas.microsoft.com/office/powerpoint/2012/main" xmlns="">
+      <p:transition spd="slow">
+        <p:cover dir="d"/>
+      </p:transition>
+    </mc:Fallback>
+  </mc:AlternateContent>
   <p:timing>
     <p:tnLst>
       <p:par>
@@ -13438,6 +14050,224 @@
           <a:chExt cx="0" cy="0"/>
         </a:xfrm>
       </p:grpSpPr>
+      <p:pic>
+        <p:nvPicPr>
+          <p:cNvPr id="223" name="Picture 222"/>
+          <p:cNvPicPr/>
+          <p:nvPr/>
+        </p:nvPicPr>
+        <p:blipFill>
+          <a:blip r:embed="rId2"/>
+          <a:stretch/>
+        </p:blipFill>
+        <p:spPr>
+          <a:xfrm>
+            <a:off x="-1800" y="360000"/>
+            <a:ext cx="10079280" cy="4647960"/>
+          </a:xfrm>
+          <a:prstGeom prst="rect">
+            <a:avLst/>
+          </a:prstGeom>
+          <a:ln>
+            <a:noFill/>
+          </a:ln>
+        </p:spPr>
+      </p:pic>
+    </p:spTree>
+  </p:cSld>
+  <p:clrMapOvr>
+    <a:masterClrMapping/>
+  </p:clrMapOvr>
+  <mc:AlternateContent xmlns:mc="http://schemas.openxmlformats.org/markup-compatibility/2006" xmlns:p14="http://schemas.microsoft.com/office/powerpoint/2010/main">
+    <mc:Choice Requires="p14">
+      <p:transition spd="slow" p14:dur="2000">
+        <p:cover dir="d"/>
+      </p:transition>
+    </mc:Choice>
+    <mc:Fallback xmlns:p15="http://schemas.microsoft.com/office/powerpoint/2012/main" xmlns="">
+      <p:transition spd="slow">
+        <p:cover dir="d"/>
+      </p:transition>
+    </mc:Fallback>
+  </mc:AlternateContent>
+  <p:timing>
+    <p:tnLst>
+      <p:par>
+        <p:cTn id="1" dur="indefinite" restart="never" nodeType="tmRoot"/>
+      </p:par>
+    </p:tnLst>
+  </p:timing>
+</p:sld>
+</file>
+
+<file path=ppt/slides/slide35.xml><?xml version="1.0" encoding="utf-8"?>
+<p:sld xmlns:a="http://schemas.openxmlformats.org/drawingml/2006/main" xmlns:r="http://schemas.openxmlformats.org/officeDocument/2006/relationships" xmlns:p="http://schemas.openxmlformats.org/presentationml/2006/main">
+  <p:cSld>
+    <p:spTree>
+      <p:nvGrpSpPr>
+        <p:cNvPr id="1" name=""/>
+        <p:cNvGrpSpPr/>
+        <p:nvPr/>
+      </p:nvGrpSpPr>
+      <p:grpSpPr>
+        <a:xfrm>
+          <a:off x="0" y="0"/>
+          <a:ext cx="0" cy="0"/>
+          <a:chOff x="0" y="0"/>
+          <a:chExt cx="0" cy="0"/>
+        </a:xfrm>
+      </p:grpSpPr>
+      <p:sp>
+        <p:nvSpPr>
+          <p:cNvPr id="2" name="Title 1">
+            <a:extLst>
+              <a:ext uri="{FF2B5EF4-FFF2-40B4-BE49-F238E27FC236}">
+                <a16:creationId xmlns="" xmlns:a16="http://schemas.microsoft.com/office/drawing/2014/main" id="{3BFD7A7C-A06D-4725-AD1E-60C2D709F6B9}"/>
+              </a:ext>
+            </a:extLst>
+          </p:cNvPr>
+          <p:cNvSpPr>
+            <a:spLocks noGrp="1"/>
+          </p:cNvSpPr>
+          <p:nvPr>
+            <p:ph type="title"/>
+          </p:nvPr>
+        </p:nvSpPr>
+        <p:spPr>
+          <a:xfrm>
+            <a:off x="504000" y="312507"/>
+            <a:ext cx="9011544" cy="926845"/>
+          </a:xfrm>
+        </p:spPr>
+        <p:txBody>
+          <a:bodyPr/>
+          <a:lstStyle/>
+          <a:p>
+            <a:r>
+              <a:rPr lang="en-IN" sz="3300" spc="-1" dirty="0">
+                <a:solidFill>
+                  <a:srgbClr val="006699"/>
+                </a:solidFill>
+                <a:latin typeface="Arial"/>
+                <a:ea typeface="+mn-ea"/>
+                <a:cs typeface="+mn-cs"/>
+              </a:rPr>
+              <a:t>Helm charts</a:t>
+            </a:r>
+          </a:p>
+        </p:txBody>
+      </p:sp>
+      <p:sp>
+        <p:nvSpPr>
+          <p:cNvPr id="3" name="Subtitle 2">
+            <a:extLst>
+              <a:ext uri="{FF2B5EF4-FFF2-40B4-BE49-F238E27FC236}">
+                <a16:creationId xmlns="" xmlns:a16="http://schemas.microsoft.com/office/drawing/2014/main" id="{7B9CFF97-35DE-4C0C-937F-9875FFC93AA7}"/>
+              </a:ext>
+            </a:extLst>
+          </p:cNvPr>
+          <p:cNvSpPr>
+            <a:spLocks noGrp="1"/>
+          </p:cNvSpPr>
+          <p:nvPr>
+            <p:ph type="subTitle"/>
+          </p:nvPr>
+        </p:nvSpPr>
+        <p:spPr>
+          <a:xfrm>
+            <a:off x="352860" y="952184"/>
+            <a:ext cx="9072000" cy="3179365"/>
+          </a:xfrm>
+        </p:spPr>
+        <p:txBody>
+          <a:bodyPr/>
+          <a:lstStyle/>
+          <a:p>
+            <a:pPr marL="514350" indent="-514350">
+              <a:buFont typeface="+mj-lt"/>
+              <a:buAutoNum type="arabicPeriod"/>
+            </a:pPr>
+            <a:r>
+              <a:rPr lang="en-GB" sz="3200" b="0" i="0" dirty="0">
+                <a:solidFill>
+                  <a:srgbClr val="333333"/>
+                </a:solidFill>
+                <a:effectLst/>
+                <a:latin typeface="Public Sans"/>
+              </a:rPr>
+              <a:t>Helm uses a packaging format called </a:t>
+            </a:r>
+            <a:r>
+              <a:rPr lang="en-GB" sz="3200" b="0" i="1" dirty="0">
+                <a:solidFill>
+                  <a:srgbClr val="333333"/>
+                </a:solidFill>
+                <a:effectLst/>
+                <a:latin typeface="Public Sans"/>
+              </a:rPr>
+              <a:t>charts</a:t>
+            </a:r>
+          </a:p>
+          <a:p>
+            <a:pPr marL="514350" indent="-514350">
+              <a:buFont typeface="+mj-lt"/>
+              <a:buAutoNum type="arabicPeriod"/>
+            </a:pPr>
+            <a:r>
+              <a:rPr lang="en-GB" sz="3200" dirty="0">
+                <a:solidFill>
+                  <a:srgbClr val="333333"/>
+                </a:solidFill>
+                <a:latin typeface="Public Sans"/>
+              </a:rPr>
+              <a:t>A chart is a collection of files that describe a related set of Kubernetes resources</a:t>
+            </a:r>
+            <a:endParaRPr lang="en-IN" sz="3200" dirty="0">
+              <a:solidFill>
+                <a:srgbClr val="333333"/>
+              </a:solidFill>
+              <a:latin typeface="Public Sans"/>
+            </a:endParaRPr>
+          </a:p>
+        </p:txBody>
+      </p:sp>
+    </p:spTree>
+    <p:extLst>
+      <p:ext uri="{BB962C8B-B14F-4D97-AF65-F5344CB8AC3E}">
+        <p14:creationId xmlns:p14="http://schemas.microsoft.com/office/powerpoint/2010/main" val="1393752033"/>
+      </p:ext>
+    </p:extLst>
+  </p:cSld>
+  <p:clrMapOvr>
+    <a:masterClrMapping/>
+  </p:clrMapOvr>
+  <p:timing>
+    <p:tnLst>
+      <p:par>
+        <p:cTn id="1" dur="indefinite" restart="never" nodeType="tmRoot"/>
+      </p:par>
+    </p:tnLst>
+  </p:timing>
+</p:sld>
+</file>
+
+<file path=ppt/slides/slide36.xml><?xml version="1.0" encoding="utf-8"?>
+<p:sld xmlns:a="http://schemas.openxmlformats.org/drawingml/2006/main" xmlns:r="http://schemas.openxmlformats.org/officeDocument/2006/relationships" xmlns:p="http://schemas.openxmlformats.org/presentationml/2006/main">
+  <p:cSld>
+    <p:spTree>
+      <p:nvGrpSpPr>
+        <p:cNvPr id="1" name=""/>
+        <p:cNvGrpSpPr/>
+        <p:nvPr/>
+      </p:nvGrpSpPr>
+      <p:grpSpPr>
+        <a:xfrm>
+          <a:off x="0" y="0"/>
+          <a:ext cx="0" cy="0"/>
+          <a:chOff x="0" y="0"/>
+          <a:chExt cx="0" cy="0"/>
+        </a:xfrm>
+      </p:grpSpPr>
       <p:sp>
         <p:nvSpPr>
           <p:cNvPr id="2" name="Title 1">
@@ -13524,7 +14354,7 @@
 </p:sld>
 </file>
 
-<file path=ppt/slides/slide35.xml><?xml version="1.0" encoding="utf-8"?>
+<file path=ppt/slides/slide37.xml><?xml version="1.0" encoding="utf-8"?>
 <p:sld xmlns:a="http://schemas.openxmlformats.org/drawingml/2006/main" xmlns:r="http://schemas.openxmlformats.org/officeDocument/2006/relationships" xmlns:p="http://schemas.openxmlformats.org/presentationml/2006/main">
   <p:cSld>
     <p:spTree>
